--- a/JavaScriptLevelUp/JavaScriptLevelUp.pptx
+++ b/JavaScriptLevelUp/JavaScriptLevelUp.pptx
@@ -37,6 +37,9 @@
     <p:sldId id="280" r:id="rId32"/>
     <p:sldId id="281" r:id="rId33"/>
     <p:sldId id="282" r:id="rId34"/>
+    <p:sldId id="283" r:id="rId35"/>
+    <p:sldId id="284" r:id="rId36"/>
+    <p:sldId id="285" r:id="rId37"/>
   </p:sldIdLst>
   <p:sldSz cx="10080625" cy="5670550"/>
   <p:notesSz cx="7772400" cy="10058400"/>
@@ -8910,7 +8913,7 @@
           <a:bodyPr lIns="0" rIns="0" tIns="0" bIns="0"/>
           <a:p>
             <a:pPr algn="r"/>
-            <a:fld id="{F06488E9-90C4-4C7E-90A0-E4BE4F9CC71E}" type="slidenum">
+            <a:fld id="{EB203C55-F709-493D-B7B6-35922BC1464C}" type="slidenum">
               <a:rPr b="0" lang="en-US" sz="1400" spc="-1" strike="noStrike">
                 <a:latin typeface="Times New Roman"/>
               </a:rPr>
@@ -13293,10 +13296,10 @@
   <p:timing>
     <p:tnLst>
       <p:par>
-        <p:cTn id="49" dur="indefinite" restart="never" nodeType="tmRoot">
+        <p:cTn id="89" dur="indefinite" restart="never" nodeType="tmRoot">
           <p:childTnLst>
             <p:seq>
-              <p:cTn id="50" dur="indefinite" nodeType="mainSeq"/>
+              <p:cTn id="90" dur="indefinite" nodeType="mainSeq"/>
               <p:prevCondLst>
                 <p:cond delay="0" evt="onPrev">
                   <p:tgtEl>
@@ -13323,6 +13326,13 @@
 <file path=ppt/slides/slide11.xml><?xml version="1.0" encoding="utf-8"?>
 <p:sld xmlns:a="http://schemas.openxmlformats.org/drawingml/2006/main" xmlns:p="http://schemas.openxmlformats.org/presentationml/2006/main" xmlns:r="http://schemas.openxmlformats.org/officeDocument/2006/relationships" xmlns:p14="http://schemas.microsoft.com/office/powerpoint/2010/main" xmlns:p15="http://schemas.microsoft.com/office/powerpoint/2012/main" xmlns:mc="http://schemas.openxmlformats.org/markup-compatibility/2006">
   <p:cSld>
+    <p:bg>
+      <p:bgPr>
+        <a:solidFill>
+          <a:srgbClr val="ffffff"/>
+        </a:solidFill>
+      </p:bgPr>
+    </p:bg>
     <p:spTree>
       <p:nvGrpSpPr>
         <p:cNvPr id="1" name=""/>
@@ -13345,8 +13355,8 @@
         </p:nvSpPr>
         <p:spPr>
           <a:xfrm>
-            <a:off x="2823120" y="2122200"/>
-            <a:ext cx="4663440" cy="2257560"/>
+            <a:off x="274320" y="352440"/>
+            <a:ext cx="6211440" cy="561960"/>
           </a:xfrm>
           <a:prstGeom prst="rect">
             <a:avLst/>
@@ -13357,210 +13367,32 @@
           </a:ln>
         </p:spPr>
         <p:txBody>
-          <a:bodyPr lIns="90000" rIns="90000" tIns="45000" bIns="45000"/>
-          <a:p>
-            <a:r>
-              <a:rPr b="0" lang="en-US" sz="2200" spc="-1" strike="noStrike">
-                <a:solidFill>
-                  <a:srgbClr val="008000"/>
-                </a:solidFill>
-                <a:latin typeface="Arial"/>
-              </a:rPr>
-              <a:t>const</a:t>
-            </a:r>
-            <a:r>
-              <a:rPr b="0" lang="en-US" sz="2200" spc="-1" strike="noStrike">
-                <a:solidFill>
-                  <a:srgbClr val="000000"/>
-                </a:solidFill>
-                <a:latin typeface="Arial"/>
-              </a:rPr>
-              <a:t> value </a:t>
-            </a:r>
-            <a:r>
-              <a:rPr b="0" lang="en-US" sz="2200" spc="-1" strike="noStrike">
-                <a:solidFill>
-                  <a:srgbClr val="666666"/>
-                </a:solidFill>
-                <a:latin typeface="Arial"/>
-              </a:rPr>
-              <a:t>=</a:t>
-            </a:r>
-            <a:r>
-              <a:rPr b="0" lang="en-US" sz="2200" spc="-1" strike="noStrike">
-                <a:solidFill>
-                  <a:srgbClr val="000000"/>
-                </a:solidFill>
-                <a:latin typeface="Arial"/>
-              </a:rPr>
-              <a:t> { name</a:t>
-            </a:r>
-            <a:r>
-              <a:rPr b="0" lang="en-US" sz="2200" spc="-1" strike="noStrike">
-                <a:solidFill>
-                  <a:srgbClr val="666666"/>
-                </a:solidFill>
-                <a:latin typeface="Arial"/>
-              </a:rPr>
-              <a:t>:</a:t>
-            </a:r>
-            <a:r>
-              <a:rPr b="0" lang="en-US" sz="2200" spc="-1" strike="noStrike">
-                <a:solidFill>
-                  <a:srgbClr val="000000"/>
-                </a:solidFill>
-                <a:latin typeface="Arial"/>
-              </a:rPr>
-              <a:t> </a:t>
-            </a:r>
-            <a:r>
-              <a:rPr b="0" lang="en-US" sz="2200" spc="-1" strike="noStrike">
-                <a:solidFill>
-                  <a:srgbClr val="ba2121"/>
-                </a:solidFill>
-                <a:latin typeface="Arial"/>
-              </a:rPr>
-              <a:t>'Jim Beam'</a:t>
-            </a:r>
-            <a:r>
-              <a:rPr b="0" lang="en-US" sz="2200" spc="-1" strike="noStrike">
-                <a:solidFill>
-                  <a:srgbClr val="000000"/>
-                </a:solidFill>
-                <a:latin typeface="Arial"/>
-              </a:rPr>
-              <a:t> };</a:t>
-            </a:r>
-            <a:endParaRPr b="0" lang="en-US" sz="2200" spc="-1" strike="noStrike">
-              <a:latin typeface="Arial"/>
-            </a:endParaRPr>
-          </a:p>
-          <a:p>
-            <a:r>
-              <a:rPr b="0" lang="en-US" sz="2200" spc="-1" strike="noStrike">
-                <a:solidFill>
-                  <a:srgbClr val="000000"/>
-                </a:solidFill>
-                <a:latin typeface="Arial"/>
-              </a:rPr>
-              <a:t>value.name </a:t>
-            </a:r>
-            <a:r>
-              <a:rPr b="0" lang="en-US" sz="2200" spc="-1" strike="noStrike">
-                <a:solidFill>
-                  <a:srgbClr val="666666"/>
-                </a:solidFill>
-                <a:latin typeface="Arial"/>
-              </a:rPr>
-              <a:t>=</a:t>
-            </a:r>
-            <a:r>
-              <a:rPr b="0" lang="en-US" sz="2200" spc="-1" strike="noStrike">
-                <a:solidFill>
-                  <a:srgbClr val="000000"/>
-                </a:solidFill>
-                <a:latin typeface="Arial"/>
-              </a:rPr>
-              <a:t> </a:t>
-            </a:r>
-            <a:r>
-              <a:rPr b="0" lang="en-US" sz="2200" spc="-1" strike="noStrike">
-                <a:solidFill>
-                  <a:srgbClr val="ba2121"/>
-                </a:solidFill>
-                <a:latin typeface="Arial"/>
-              </a:rPr>
-              <a:t>'Jack Daniels'</a:t>
-            </a:r>
-            <a:r>
-              <a:rPr b="0" lang="en-US" sz="2200" spc="-1" strike="noStrike">
-                <a:solidFill>
-                  <a:srgbClr val="000000"/>
-                </a:solidFill>
-                <a:latin typeface="Arial"/>
-              </a:rPr>
-              <a:t>;</a:t>
-            </a:r>
-            <a:endParaRPr b="0" lang="en-US" sz="2200" spc="-1" strike="noStrike">
-              <a:latin typeface="Arial"/>
-            </a:endParaRPr>
-          </a:p>
-          <a:p>
-            <a:r>
-              <a:rPr b="0" lang="en-US" sz="2200" spc="-1" strike="noStrike">
-                <a:solidFill>
-                  <a:srgbClr val="000000"/>
-                </a:solidFill>
-                <a:latin typeface="Arial"/>
-              </a:rPr>
-              <a:t>value </a:t>
-            </a:r>
-            <a:r>
-              <a:rPr b="0" lang="en-US" sz="2200" spc="-1" strike="noStrike">
-                <a:solidFill>
-                  <a:srgbClr val="666666"/>
-                </a:solidFill>
-                <a:latin typeface="Arial"/>
-              </a:rPr>
-              <a:t>=</a:t>
-            </a:r>
-            <a:r>
-              <a:rPr b="0" lang="en-US" sz="2200" spc="-1" strike="noStrike">
-                <a:solidFill>
-                  <a:srgbClr val="000000"/>
-                </a:solidFill>
-                <a:latin typeface="Arial"/>
-              </a:rPr>
-              <a:t> { name</a:t>
-            </a:r>
-            <a:r>
-              <a:rPr b="0" lang="en-US" sz="2200" spc="-1" strike="noStrike">
-                <a:solidFill>
-                  <a:srgbClr val="666666"/>
-                </a:solidFill>
-                <a:latin typeface="Arial"/>
-              </a:rPr>
-              <a:t>:</a:t>
-            </a:r>
-            <a:r>
-              <a:rPr b="0" lang="en-US" sz="2200" spc="-1" strike="noStrike">
-                <a:solidFill>
-                  <a:srgbClr val="000000"/>
-                </a:solidFill>
-                <a:latin typeface="Arial"/>
-              </a:rPr>
-              <a:t> </a:t>
-            </a:r>
-            <a:r>
-              <a:rPr b="0" lang="en-US" sz="2200" spc="-1" strike="noStrike">
-                <a:solidFill>
-                  <a:srgbClr val="ba2121"/>
-                </a:solidFill>
-                <a:latin typeface="Arial"/>
-              </a:rPr>
-              <a:t>'Jack Daniels'</a:t>
-            </a:r>
-            <a:r>
-              <a:rPr b="0" lang="en-US" sz="2200" spc="-1" strike="noStrike">
-                <a:solidFill>
-                  <a:srgbClr val="000000"/>
-                </a:solidFill>
-                <a:latin typeface="Arial"/>
-              </a:rPr>
-              <a:t> };</a:t>
-            </a:r>
-            <a:endParaRPr b="0" lang="en-US" sz="2200" spc="-1" strike="noStrike">
-              <a:latin typeface="Arial"/>
-            </a:endParaRPr>
-          </a:p>
-          <a:p>
-            <a:endParaRPr b="0" lang="en-US" sz="2200" spc="-1" strike="noStrike">
-              <a:latin typeface="Arial"/>
-            </a:endParaRPr>
-          </a:p>
-          <a:p>
-            <a:endParaRPr b="0" lang="en-US" sz="2200" spc="-1" strike="noStrike">
-              <a:latin typeface="Arial"/>
+          <a:bodyPr rIns="0" anchor="b">
+            <a:normAutofit/>
+          </a:bodyPr>
+          <a:p>
+            <a:pPr>
+              <a:lnSpc>
+                <a:spcPct val="90000"/>
+              </a:lnSpc>
+              <a:spcBef>
+                <a:spcPts val="601"/>
+              </a:spcBef>
+            </a:pPr>
+            <a:r>
+              <a:rPr b="0" lang="en-US" sz="3200" spc="-1" strike="noStrike">
+                <a:solidFill>
+                  <a:srgbClr val="007dc1"/>
+                </a:solidFill>
+                <a:latin typeface="Proxima Nova Semibold"/>
+              </a:rPr>
+              <a:t>Prototypal Inheritance</a:t>
+            </a:r>
+            <a:endParaRPr b="0" lang="en-US" sz="3200" spc="-1" strike="noStrike">
+              <a:solidFill>
+                <a:srgbClr val="5d5d5d"/>
+              </a:solidFill>
+              <a:latin typeface="Proxima Nova"/>
             </a:endParaRPr>
           </a:p>
         </p:txBody>
@@ -13573,8 +13405,8 @@
         </p:nvSpPr>
         <p:spPr>
           <a:xfrm>
-            <a:off x="504000" y="226080"/>
-            <a:ext cx="9071640" cy="946440"/>
+            <a:off x="761760" y="1280160"/>
+            <a:ext cx="8930880" cy="3840480"/>
           </a:xfrm>
           <a:prstGeom prst="rect">
             <a:avLst/>
@@ -13585,19 +13417,368 @@
           </a:ln>
         </p:spPr>
         <p:txBody>
-          <a:bodyPr lIns="0" rIns="0" tIns="0" bIns="0" anchor="ctr"/>
-          <a:p>
-            <a:pPr algn="ctr"/>
-            <a:r>
-              <a:rPr b="0" lang="en-US" sz="4400" spc="-1" strike="noStrike">
-                <a:solidFill>
-                  <a:srgbClr val="007dc1"/>
-                </a:solidFill>
-                <a:latin typeface="Arial"/>
-              </a:rPr>
-              <a:t>ES6 let </a:t>
-            </a:r>
-            <a:endParaRPr b="0" lang="en-US" sz="4400" spc="-1" strike="noStrike">
+          <a:bodyPr lIns="90000" rIns="90000" tIns="45000" bIns="45000"/>
+          <a:p>
+            <a:r>
+              <a:rPr b="0" lang="en-US" sz="2200" spc="-1" strike="noStrike">
+                <a:solidFill>
+                  <a:srgbClr val="008000"/>
+                </a:solidFill>
+                <a:latin typeface="Arial"/>
+              </a:rPr>
+              <a:t>function</a:t>
+            </a:r>
+            <a:r>
+              <a:rPr b="0" lang="en-US" sz="2200" spc="-1" strike="noStrike">
+                <a:solidFill>
+                  <a:srgbClr val="000000"/>
+                </a:solidFill>
+                <a:latin typeface="Arial"/>
+              </a:rPr>
+              <a:t> Person(name){</a:t>
+            </a:r>
+            <a:endParaRPr b="0" lang="en-US" sz="2200" spc="-1" strike="noStrike">
+              <a:latin typeface="Arial"/>
+            </a:endParaRPr>
+          </a:p>
+          <a:p>
+            <a:r>
+              <a:rPr b="0" lang="en-US" sz="2200" spc="-1" strike="noStrike">
+                <a:solidFill>
+                  <a:srgbClr val="000000"/>
+                </a:solidFill>
+                <a:latin typeface="Arial"/>
+              </a:rPr>
+              <a:t>    </a:t>
+            </a:r>
+            <a:r>
+              <a:rPr b="0" lang="en-US" sz="2200" spc="-1" strike="noStrike">
+                <a:solidFill>
+                  <a:srgbClr val="008000"/>
+                </a:solidFill>
+                <a:latin typeface="Arial"/>
+              </a:rPr>
+              <a:t>this</a:t>
+            </a:r>
+            <a:r>
+              <a:rPr b="0" lang="en-US" sz="2200" spc="-1" strike="noStrike">
+                <a:solidFill>
+                  <a:srgbClr val="000000"/>
+                </a:solidFill>
+                <a:latin typeface="Arial"/>
+              </a:rPr>
+              <a:t>.name </a:t>
+            </a:r>
+            <a:r>
+              <a:rPr b="0" lang="en-US" sz="2200" spc="-1" strike="noStrike">
+                <a:solidFill>
+                  <a:srgbClr val="666666"/>
+                </a:solidFill>
+                <a:latin typeface="Arial"/>
+              </a:rPr>
+              <a:t>=</a:t>
+            </a:r>
+            <a:r>
+              <a:rPr b="0" lang="en-US" sz="2200" spc="-1" strike="noStrike">
+                <a:solidFill>
+                  <a:srgbClr val="000000"/>
+                </a:solidFill>
+                <a:latin typeface="Arial"/>
+              </a:rPr>
+              <a:t> name;</a:t>
+            </a:r>
+            <a:endParaRPr b="0" lang="en-US" sz="2200" spc="-1" strike="noStrike">
+              <a:latin typeface="Arial"/>
+            </a:endParaRPr>
+          </a:p>
+          <a:p>
+            <a:r>
+              <a:rPr b="0" lang="en-US" sz="2200" spc="-1" strike="noStrike">
+                <a:solidFill>
+                  <a:srgbClr val="000000"/>
+                </a:solidFill>
+                <a:latin typeface="Arial"/>
+              </a:rPr>
+              <a:t>};</a:t>
+            </a:r>
+            <a:endParaRPr b="0" lang="en-US" sz="2200" spc="-1" strike="noStrike">
+              <a:latin typeface="Arial"/>
+            </a:endParaRPr>
+          </a:p>
+          <a:p>
+            <a:r>
+              <a:rPr b="0" lang="en-US" sz="2200" spc="-1" strike="noStrike">
+                <a:solidFill>
+                  <a:srgbClr val="000000"/>
+                </a:solidFill>
+                <a:latin typeface="Arial"/>
+              </a:rPr>
+              <a:t>Person.prototype.greeting </a:t>
+            </a:r>
+            <a:r>
+              <a:rPr b="0" lang="en-US" sz="2200" spc="-1" strike="noStrike">
+                <a:solidFill>
+                  <a:srgbClr val="666666"/>
+                </a:solidFill>
+                <a:latin typeface="Arial"/>
+              </a:rPr>
+              <a:t>=</a:t>
+            </a:r>
+            <a:r>
+              <a:rPr b="0" lang="en-US" sz="2200" spc="-1" strike="noStrike">
+                <a:solidFill>
+                  <a:srgbClr val="000000"/>
+                </a:solidFill>
+                <a:latin typeface="Arial"/>
+              </a:rPr>
+              <a:t> </a:t>
+            </a:r>
+            <a:r>
+              <a:rPr b="0" lang="en-US" sz="2200" spc="-1" strike="noStrike">
+                <a:solidFill>
+                  <a:srgbClr val="008000"/>
+                </a:solidFill>
+                <a:latin typeface="Arial"/>
+              </a:rPr>
+              <a:t>function</a:t>
+            </a:r>
+            <a:r>
+              <a:rPr b="0" lang="en-US" sz="2200" spc="-1" strike="noStrike">
+                <a:solidFill>
+                  <a:srgbClr val="000000"/>
+                </a:solidFill>
+                <a:latin typeface="Arial"/>
+              </a:rPr>
+              <a:t>(){</a:t>
+            </a:r>
+            <a:endParaRPr b="0" lang="en-US" sz="2200" spc="-1" strike="noStrike">
+              <a:latin typeface="Arial"/>
+            </a:endParaRPr>
+          </a:p>
+          <a:p>
+            <a:r>
+              <a:rPr b="0" lang="en-US" sz="2200" spc="-1" strike="noStrike">
+                <a:solidFill>
+                  <a:srgbClr val="000000"/>
+                </a:solidFill>
+                <a:latin typeface="Arial"/>
+              </a:rPr>
+              <a:t>  </a:t>
+            </a:r>
+            <a:r>
+              <a:rPr b="0" lang="en-US" sz="2200" spc="-1" strike="noStrike">
+                <a:solidFill>
+                  <a:srgbClr val="008000"/>
+                </a:solidFill>
+                <a:latin typeface="Arial"/>
+              </a:rPr>
+              <a:t>console</a:t>
+            </a:r>
+            <a:r>
+              <a:rPr b="0" lang="en-US" sz="2200" spc="-1" strike="noStrike">
+                <a:solidFill>
+                  <a:srgbClr val="000000"/>
+                </a:solidFill>
+                <a:latin typeface="Arial"/>
+              </a:rPr>
+              <a:t>.log(</a:t>
+            </a:r>
+            <a:r>
+              <a:rPr b="0" lang="en-US" sz="2200" spc="-1" strike="noStrike">
+                <a:solidFill>
+                  <a:srgbClr val="ba2121"/>
+                </a:solidFill>
+                <a:latin typeface="Arial"/>
+              </a:rPr>
+              <a:t>`Hello, my name is </a:t>
+            </a:r>
+            <a:r>
+              <a:rPr b="0" lang="en-US" sz="2200" spc="-1" strike="noStrike">
+                <a:solidFill>
+                  <a:srgbClr val="bb6688"/>
+                </a:solidFill>
+                <a:latin typeface="Arial"/>
+              </a:rPr>
+              <a:t>${</a:t>
+            </a:r>
+            <a:r>
+              <a:rPr b="0" lang="en-US" sz="2200" spc="-1" strike="noStrike">
+                <a:solidFill>
+                  <a:srgbClr val="008000"/>
+                </a:solidFill>
+                <a:latin typeface="Arial"/>
+              </a:rPr>
+              <a:t>this</a:t>
+            </a:r>
+            <a:r>
+              <a:rPr b="0" lang="en-US" sz="2200" spc="-1" strike="noStrike">
+                <a:solidFill>
+                  <a:srgbClr val="000000"/>
+                </a:solidFill>
+                <a:latin typeface="Arial"/>
+              </a:rPr>
+              <a:t>.name </a:t>
+            </a:r>
+            <a:r>
+              <a:rPr b="0" lang="en-US" sz="2200" spc="-1" strike="noStrike">
+                <a:solidFill>
+                  <a:srgbClr val="666666"/>
+                </a:solidFill>
+                <a:latin typeface="Arial"/>
+              </a:rPr>
+              <a:t>||</a:t>
+            </a:r>
+            <a:r>
+              <a:rPr b="0" lang="en-US" sz="2200" spc="-1" strike="noStrike">
+                <a:solidFill>
+                  <a:srgbClr val="000000"/>
+                </a:solidFill>
+                <a:latin typeface="Arial"/>
+              </a:rPr>
+              <a:t> </a:t>
+            </a:r>
+            <a:r>
+              <a:rPr b="0" lang="en-US" sz="2200" spc="-1" strike="noStrike">
+                <a:solidFill>
+                  <a:srgbClr val="ba2121"/>
+                </a:solidFill>
+                <a:latin typeface="Arial"/>
+              </a:rPr>
+              <a:t>'Unnamed'</a:t>
+            </a:r>
+            <a:r>
+              <a:rPr b="0" lang="en-US" sz="2200" spc="-1" strike="noStrike">
+                <a:solidFill>
+                  <a:srgbClr val="bb6688"/>
+                </a:solidFill>
+                <a:latin typeface="Arial"/>
+              </a:rPr>
+              <a:t>}</a:t>
+            </a:r>
+            <a:r>
+              <a:rPr b="0" lang="en-US" sz="2200" spc="-1" strike="noStrike">
+                <a:solidFill>
+                  <a:srgbClr val="ba2121"/>
+                </a:solidFill>
+                <a:latin typeface="Arial"/>
+              </a:rPr>
+              <a:t>!`</a:t>
+            </a:r>
+            <a:r>
+              <a:rPr b="0" lang="en-US" sz="2200" spc="-1" strike="noStrike">
+                <a:solidFill>
+                  <a:srgbClr val="000000"/>
+                </a:solidFill>
+                <a:latin typeface="Arial"/>
+              </a:rPr>
+              <a:t>);</a:t>
+            </a:r>
+            <a:endParaRPr b="0" lang="en-US" sz="2200" spc="-1" strike="noStrike">
+              <a:latin typeface="Arial"/>
+            </a:endParaRPr>
+          </a:p>
+          <a:p>
+            <a:r>
+              <a:rPr b="0" lang="en-US" sz="2200" spc="-1" strike="noStrike">
+                <a:solidFill>
+                  <a:srgbClr val="000000"/>
+                </a:solidFill>
+                <a:latin typeface="Arial"/>
+              </a:rPr>
+              <a:t>};</a:t>
+            </a:r>
+            <a:endParaRPr b="0" lang="en-US" sz="2200" spc="-1" strike="noStrike">
+              <a:latin typeface="Arial"/>
+            </a:endParaRPr>
+          </a:p>
+          <a:p>
+            <a:r>
+              <a:rPr b="0" lang="en-US" sz="2200" spc="-1" strike="noStrike">
+                <a:solidFill>
+                  <a:srgbClr val="008000"/>
+                </a:solidFill>
+                <a:latin typeface="Arial"/>
+              </a:rPr>
+              <a:t>var</a:t>
+            </a:r>
+            <a:r>
+              <a:rPr b="0" lang="en-US" sz="2200" spc="-1" strike="noStrike">
+                <a:solidFill>
+                  <a:srgbClr val="000000"/>
+                </a:solidFill>
+                <a:latin typeface="Arial"/>
+              </a:rPr>
+              <a:t> bourbonPerson </a:t>
+            </a:r>
+            <a:r>
+              <a:rPr b="0" lang="en-US" sz="2200" spc="-1" strike="noStrike">
+                <a:solidFill>
+                  <a:srgbClr val="666666"/>
+                </a:solidFill>
+                <a:latin typeface="Arial"/>
+              </a:rPr>
+              <a:t>=</a:t>
+            </a:r>
+            <a:r>
+              <a:rPr b="0" lang="en-US" sz="2200" spc="-1" strike="noStrike">
+                <a:solidFill>
+                  <a:srgbClr val="000000"/>
+                </a:solidFill>
+                <a:latin typeface="Arial"/>
+              </a:rPr>
+              <a:t> </a:t>
+            </a:r>
+            <a:r>
+              <a:rPr b="0" lang="en-US" sz="2200" spc="-1" strike="noStrike">
+                <a:solidFill>
+                  <a:srgbClr val="008000"/>
+                </a:solidFill>
+                <a:latin typeface="Arial"/>
+              </a:rPr>
+              <a:t>new</a:t>
+            </a:r>
+            <a:r>
+              <a:rPr b="0" lang="en-US" sz="2200" spc="-1" strike="noStrike">
+                <a:solidFill>
+                  <a:srgbClr val="000000"/>
+                </a:solidFill>
+                <a:latin typeface="Arial"/>
+              </a:rPr>
+              <a:t> Person(</a:t>
+            </a:r>
+            <a:r>
+              <a:rPr b="0" lang="en-US" sz="2200" spc="-1" strike="noStrike">
+                <a:solidFill>
+                  <a:srgbClr val="ba2121"/>
+                </a:solidFill>
+                <a:latin typeface="Arial"/>
+              </a:rPr>
+              <a:t>'Jim Beam'</a:t>
+            </a:r>
+            <a:r>
+              <a:rPr b="0" lang="en-US" sz="2200" spc="-1" strike="noStrike">
+                <a:solidFill>
+                  <a:srgbClr val="000000"/>
+                </a:solidFill>
+                <a:latin typeface="Arial"/>
+              </a:rPr>
+              <a:t>);</a:t>
+            </a:r>
+            <a:endParaRPr b="0" lang="en-US" sz="2200" spc="-1" strike="noStrike">
+              <a:latin typeface="Arial"/>
+            </a:endParaRPr>
+          </a:p>
+          <a:p>
+            <a:r>
+              <a:rPr b="0" lang="en-US" sz="2200" spc="-1" strike="noStrike">
+                <a:solidFill>
+                  <a:srgbClr val="000000"/>
+                </a:solidFill>
+                <a:latin typeface="Arial"/>
+              </a:rPr>
+              <a:t>bourbonPerson.greeting();</a:t>
+            </a:r>
+            <a:endParaRPr b="0" lang="en-US" sz="2200" spc="-1" strike="noStrike">
               <a:latin typeface="Arial"/>
             </a:endParaRPr>
           </a:p>
@@ -13611,10 +13792,10 @@
   <p:timing>
     <p:tnLst>
       <p:par>
-        <p:cTn id="51" dur="indefinite" restart="never" nodeType="tmRoot">
+        <p:cTn id="91" dur="indefinite" restart="never" nodeType="tmRoot">
           <p:childTnLst>
             <p:seq>
-              <p:cTn id="52" dur="indefinite" nodeType="mainSeq"/>
+              <p:cTn id="92" dur="indefinite" nodeType="mainSeq"/>
               <p:prevCondLst>
                 <p:cond delay="0" evt="onPrev">
                   <p:tgtEl>
@@ -13701,7 +13882,7 @@
                 </a:solidFill>
                 <a:latin typeface="Proxima Nova Semibold"/>
               </a:rPr>
-              <a:t>Prototypal Inheritance</a:t>
+              <a:t>Prototypal Inheritance (shadowing)</a:t>
             </a:r>
             <a:endParaRPr b="0" lang="en-US" sz="3200" spc="-1" strike="noStrike">
               <a:solidFill>
@@ -13741,67 +13922,76 @@
                 </a:solidFill>
                 <a:latin typeface="Arial"/>
               </a:rPr>
-              <a:t>function</a:t>
-            </a:r>
-            <a:r>
-              <a:rPr b="0" lang="en-US" sz="2200" spc="-1" strike="noStrike">
-                <a:solidFill>
-                  <a:srgbClr val="000000"/>
-                </a:solidFill>
-                <a:latin typeface="Arial"/>
-              </a:rPr>
-              <a:t> Person(name){</a:t>
+              <a:t>var</a:t>
+            </a:r>
+            <a:r>
+              <a:rPr b="0" lang="en-US" sz="2200" spc="-1" strike="noStrike">
+                <a:solidFill>
+                  <a:srgbClr val="000000"/>
+                </a:solidFill>
+                <a:latin typeface="Arial"/>
+              </a:rPr>
+              <a:t> tequilaPerson </a:t>
+            </a:r>
+            <a:r>
+              <a:rPr b="0" lang="en-US" sz="2200" spc="-1" strike="noStrike">
+                <a:solidFill>
+                  <a:srgbClr val="666666"/>
+                </a:solidFill>
+                <a:latin typeface="Arial"/>
+              </a:rPr>
+              <a:t>=</a:t>
+            </a:r>
+            <a:r>
+              <a:rPr b="0" lang="en-US" sz="2200" spc="-1" strike="noStrike">
+                <a:solidFill>
+                  <a:srgbClr val="000000"/>
+                </a:solidFill>
+                <a:latin typeface="Arial"/>
+              </a:rPr>
+              <a:t> </a:t>
+            </a:r>
+            <a:r>
+              <a:rPr b="0" lang="en-US" sz="2200" spc="-1" strike="noStrike">
+                <a:solidFill>
+                  <a:srgbClr val="008000"/>
+                </a:solidFill>
+                <a:latin typeface="Arial"/>
+              </a:rPr>
+              <a:t>new</a:t>
+            </a:r>
+            <a:r>
+              <a:rPr b="0" lang="en-US" sz="2200" spc="-1" strike="noStrike">
+                <a:solidFill>
+                  <a:srgbClr val="000000"/>
+                </a:solidFill>
+                <a:latin typeface="Arial"/>
+              </a:rPr>
+              <a:t> Person(</a:t>
+            </a:r>
+            <a:r>
+              <a:rPr b="0" lang="en-US" sz="2200" spc="-1" strike="noStrike">
+                <a:solidFill>
+                  <a:srgbClr val="ba2121"/>
+                </a:solidFill>
+                <a:latin typeface="Arial"/>
+              </a:rPr>
+              <a:t>'Jose Cuervo'</a:t>
+            </a:r>
+            <a:r>
+              <a:rPr b="0" lang="en-US" sz="2200" spc="-1" strike="noStrike">
+                <a:solidFill>
+                  <a:srgbClr val="000000"/>
+                </a:solidFill>
+                <a:latin typeface="Arial"/>
+              </a:rPr>
+              <a:t>);</a:t>
             </a:r>
             <a:endParaRPr b="0" lang="en-US" sz="2200" spc="-1" strike="noStrike">
               <a:latin typeface="Arial"/>
             </a:endParaRPr>
           </a:p>
           <a:p>
-            <a:r>
-              <a:rPr b="0" lang="en-US" sz="2200" spc="-1" strike="noStrike">
-                <a:solidFill>
-                  <a:srgbClr val="000000"/>
-                </a:solidFill>
-                <a:latin typeface="Arial"/>
-              </a:rPr>
-              <a:t>    </a:t>
-            </a:r>
-            <a:r>
-              <a:rPr b="0" lang="en-US" sz="2200" spc="-1" strike="noStrike">
-                <a:solidFill>
-                  <a:srgbClr val="008000"/>
-                </a:solidFill>
-                <a:latin typeface="Arial"/>
-              </a:rPr>
-              <a:t>this</a:t>
-            </a:r>
-            <a:r>
-              <a:rPr b="0" lang="en-US" sz="2200" spc="-1" strike="noStrike">
-                <a:solidFill>
-                  <a:srgbClr val="000000"/>
-                </a:solidFill>
-                <a:latin typeface="Arial"/>
-              </a:rPr>
-              <a:t>.name </a:t>
-            </a:r>
-            <a:r>
-              <a:rPr b="0" lang="en-US" sz="2200" spc="-1" strike="noStrike">
-                <a:solidFill>
-                  <a:srgbClr val="666666"/>
-                </a:solidFill>
-                <a:latin typeface="Arial"/>
-              </a:rPr>
-              <a:t>=</a:t>
-            </a:r>
-            <a:r>
-              <a:rPr b="0" lang="en-US" sz="2200" spc="-1" strike="noStrike">
-                <a:solidFill>
-                  <a:srgbClr val="000000"/>
-                </a:solidFill>
-                <a:latin typeface="Arial"/>
-              </a:rPr>
-              <a:t> name;</a:t>
-            </a:r>
             <a:endParaRPr b="0" lang="en-US" sz="2200" spc="-1" strike="noStrike">
               <a:latin typeface="Arial"/>
             </a:endParaRPr>
@@ -13814,7 +14004,43 @@
                 </a:solidFill>
                 <a:latin typeface="Arial"/>
               </a:rPr>
-              <a:t>};</a:t>
+              <a:t>tequilaPerson.greeting </a:t>
+            </a:r>
+            <a:r>
+              <a:rPr b="0" lang="en-US" sz="2200" spc="-1" strike="noStrike">
+                <a:solidFill>
+                  <a:srgbClr val="666666"/>
+                </a:solidFill>
+                <a:latin typeface="Arial"/>
+              </a:rPr>
+              <a:t>=</a:t>
+            </a:r>
+            <a:r>
+              <a:rPr b="0" lang="en-US" sz="2200" spc="-1" strike="noStrike">
+                <a:solidFill>
+                  <a:srgbClr val="000000"/>
+                </a:solidFill>
+                <a:latin typeface="Arial"/>
+              </a:rPr>
+              <a:t> </a:t>
+            </a:r>
+            <a:r>
+              <a:rPr b="0" lang="en-US" sz="2200" spc="-1" strike="noStrike">
+                <a:solidFill>
+                  <a:srgbClr val="008000"/>
+                </a:solidFill>
+                <a:latin typeface="Arial"/>
+              </a:rPr>
+              <a:t>function</a:t>
+            </a:r>
+            <a:r>
+              <a:rPr b="0" lang="en-US" sz="2200" spc="-1" strike="noStrike">
+                <a:solidFill>
+                  <a:srgbClr val="000000"/>
+                </a:solidFill>
+                <a:latin typeface="Arial"/>
+              </a:rPr>
+              <a:t>(){</a:t>
             </a:r>
             <a:endParaRPr b="0" lang="en-US" sz="2200" spc="-1" strike="noStrike">
               <a:latin typeface="Arial"/>
@@ -13828,25 +14054,7 @@
                 </a:solidFill>
                 <a:latin typeface="Arial"/>
               </a:rPr>
-              <a:t>Person.prototype.greeting </a:t>
-            </a:r>
-            <a:r>
-              <a:rPr b="0" lang="en-US" sz="2200" spc="-1" strike="noStrike">
-                <a:solidFill>
-                  <a:srgbClr val="666666"/>
-                </a:solidFill>
-                <a:latin typeface="Arial"/>
-              </a:rPr>
-              <a:t>=</a:t>
-            </a:r>
-            <a:r>
-              <a:rPr b="0" lang="en-US" sz="2200" spc="-1" strike="noStrike">
-                <a:solidFill>
-                  <a:srgbClr val="000000"/>
-                </a:solidFill>
-                <a:latin typeface="Arial"/>
-              </a:rPr>
-              <a:t> </a:t>
+              <a:t>  </a:t>
             </a:r>
             <a:r>
               <a:rPr b="0" lang="en-US" sz="2200" spc="-1" strike="noStrike">
@@ -13855,16 +14063,79 @@
                 </a:solidFill>
                 <a:latin typeface="Arial"/>
               </a:rPr>
-              <a:t>function</a:t>
-            </a:r>
-            <a:r>
-              <a:rPr b="0" lang="en-US" sz="2200" spc="-1" strike="noStrike">
-                <a:solidFill>
-                  <a:srgbClr val="000000"/>
-                </a:solidFill>
-                <a:latin typeface="Arial"/>
-              </a:rPr>
-              <a:t>(){</a:t>
+              <a:t>console</a:t>
+            </a:r>
+            <a:r>
+              <a:rPr b="0" lang="en-US" sz="2200" spc="-1" strike="noStrike">
+                <a:solidFill>
+                  <a:srgbClr val="000000"/>
+                </a:solidFill>
+                <a:latin typeface="Arial"/>
+              </a:rPr>
+              <a:t>.log(</a:t>
+            </a:r>
+            <a:r>
+              <a:rPr b="0" lang="en-US" sz="2200" spc="-1" strike="noStrike">
+                <a:solidFill>
+                  <a:srgbClr val="ba2121"/>
+                </a:solidFill>
+                <a:latin typeface="Arial"/>
+              </a:rPr>
+              <a:t>`Hola, mi nobre es </a:t>
+            </a:r>
+            <a:r>
+              <a:rPr b="0" lang="en-US" sz="2200" spc="-1" strike="noStrike">
+                <a:solidFill>
+                  <a:srgbClr val="bb6688"/>
+                </a:solidFill>
+                <a:latin typeface="Arial"/>
+              </a:rPr>
+              <a:t>${</a:t>
+            </a:r>
+            <a:r>
+              <a:rPr b="0" lang="en-US" sz="2200" spc="-1" strike="noStrike">
+                <a:solidFill>
+                  <a:srgbClr val="008000"/>
+                </a:solidFill>
+                <a:latin typeface="Arial"/>
+              </a:rPr>
+              <a:t>this</a:t>
+            </a:r>
+            <a:r>
+              <a:rPr b="0" lang="en-US" sz="2200" spc="-1" strike="noStrike">
+                <a:solidFill>
+                  <a:srgbClr val="000000"/>
+                </a:solidFill>
+                <a:latin typeface="Arial"/>
+              </a:rPr>
+              <a:t>.name</a:t>
+            </a:r>
+            <a:r>
+              <a:rPr b="0" lang="en-US" sz="2200" spc="-1" strike="noStrike">
+                <a:solidFill>
+                  <a:srgbClr val="bb6688"/>
+                </a:solidFill>
+                <a:latin typeface="Arial"/>
+              </a:rPr>
+              <a:t>}</a:t>
+            </a:r>
+            <a:r>
+              <a:rPr b="0" lang="en-US" sz="2200" spc="-1" strike="noStrike">
+                <a:solidFill>
+                  <a:srgbClr val="ba2121"/>
+                </a:solidFill>
+                <a:latin typeface="Arial"/>
+              </a:rPr>
+              <a:t>!`</a:t>
+            </a:r>
+            <a:r>
+              <a:rPr b="0" lang="en-US" sz="2200" spc="-1" strike="noStrike">
+                <a:solidFill>
+                  <a:srgbClr val="000000"/>
+                </a:solidFill>
+                <a:latin typeface="Arial"/>
+              </a:rPr>
+              <a:t>);</a:t>
             </a:r>
             <a:endParaRPr b="0" lang="en-US" sz="2200" spc="-1" strike="noStrike">
               <a:latin typeface="Arial"/>
@@ -13878,130 +14149,13 @@
                 </a:solidFill>
                 <a:latin typeface="Arial"/>
               </a:rPr>
-              <a:t>  </a:t>
-            </a:r>
-            <a:r>
-              <a:rPr b="0" lang="en-US" sz="2200" spc="-1" strike="noStrike">
-                <a:solidFill>
-                  <a:srgbClr val="008000"/>
-                </a:solidFill>
-                <a:latin typeface="Arial"/>
-              </a:rPr>
-              <a:t>console</a:t>
-            </a:r>
-            <a:r>
-              <a:rPr b="0" lang="en-US" sz="2200" spc="-1" strike="noStrike">
-                <a:solidFill>
-                  <a:srgbClr val="000000"/>
-                </a:solidFill>
-                <a:latin typeface="Arial"/>
-              </a:rPr>
-              <a:t>.log(</a:t>
-            </a:r>
-            <a:r>
-              <a:rPr b="0" lang="en-US" sz="2200" spc="-1" strike="noStrike">
-                <a:solidFill>
-                  <a:srgbClr val="ba2121"/>
-                </a:solidFill>
-                <a:latin typeface="Arial"/>
-              </a:rPr>
-              <a:t>`Hello, my name is </a:t>
-            </a:r>
-            <a:r>
-              <a:rPr b="0" lang="en-US" sz="2200" spc="-1" strike="noStrike">
-                <a:solidFill>
-                  <a:srgbClr val="bb6688"/>
-                </a:solidFill>
-                <a:latin typeface="Arial"/>
-              </a:rPr>
-              <a:t>${</a:t>
-            </a:r>
-            <a:r>
-              <a:rPr b="0" lang="en-US" sz="2200" spc="-1" strike="noStrike">
-                <a:solidFill>
-                  <a:srgbClr val="008000"/>
-                </a:solidFill>
-                <a:latin typeface="Arial"/>
-              </a:rPr>
-              <a:t>this</a:t>
-            </a:r>
-            <a:r>
-              <a:rPr b="0" lang="en-US" sz="2200" spc="-1" strike="noStrike">
-                <a:solidFill>
-                  <a:srgbClr val="000000"/>
-                </a:solidFill>
-                <a:latin typeface="Arial"/>
-              </a:rPr>
-              <a:t>.name </a:t>
-            </a:r>
-            <a:r>
-              <a:rPr b="0" lang="en-US" sz="2200" spc="-1" strike="noStrike">
-                <a:solidFill>
-                  <a:srgbClr val="666666"/>
-                </a:solidFill>
-                <a:latin typeface="Arial"/>
-              </a:rPr>
-              <a:t>||</a:t>
-            </a:r>
-            <a:r>
-              <a:rPr b="0" lang="en-US" sz="2200" spc="-1" strike="noStrike">
-                <a:solidFill>
-                  <a:srgbClr val="000000"/>
-                </a:solidFill>
-                <a:latin typeface="Arial"/>
-              </a:rPr>
-              <a:t> </a:t>
-            </a:r>
-            <a:r>
-              <a:rPr b="0" lang="en-US" sz="2200" spc="-1" strike="noStrike">
-                <a:solidFill>
-                  <a:srgbClr val="ba2121"/>
-                </a:solidFill>
-                <a:latin typeface="Arial"/>
-              </a:rPr>
-              <a:t>'Unnamed'</a:t>
-            </a:r>
-            <a:r>
-              <a:rPr b="0" lang="en-US" sz="2200" spc="-1" strike="noStrike">
-                <a:solidFill>
-                  <a:srgbClr val="bb6688"/>
-                </a:solidFill>
-                <a:latin typeface="Arial"/>
-              </a:rPr>
               <a:t>}</a:t>
-            </a:r>
-            <a:r>
-              <a:rPr b="0" lang="en-US" sz="2200" spc="-1" strike="noStrike">
-                <a:solidFill>
-                  <a:srgbClr val="ba2121"/>
-                </a:solidFill>
-                <a:latin typeface="Arial"/>
-              </a:rPr>
-              <a:t>!`</a:t>
-            </a:r>
-            <a:r>
-              <a:rPr b="0" lang="en-US" sz="2200" spc="-1" strike="noStrike">
-                <a:solidFill>
-                  <a:srgbClr val="000000"/>
-                </a:solidFill>
-                <a:latin typeface="Arial"/>
-              </a:rPr>
-              <a:t>);</a:t>
             </a:r>
             <a:endParaRPr b="0" lang="en-US" sz="2200" spc="-1" strike="noStrike">
               <a:latin typeface="Arial"/>
             </a:endParaRPr>
           </a:p>
           <a:p>
-            <a:r>
-              <a:rPr b="0" lang="en-US" sz="2200" spc="-1" strike="noStrike">
-                <a:solidFill>
-                  <a:srgbClr val="000000"/>
-                </a:solidFill>
-                <a:latin typeface="Arial"/>
-              </a:rPr>
-              <a:t>};</a:t>
-            </a:r>
             <a:endParaRPr b="0" lang="en-US" sz="2200" spc="-1" strike="noStrike">
               <a:latin typeface="Arial"/>
             </a:endParaRPr>
@@ -14010,88 +14164,11 @@
             <a:r>
               <a:rPr b="0" lang="en-US" sz="2200" spc="-1" strike="noStrike">
                 <a:solidFill>
-                  <a:srgbClr val="008000"/>
-                </a:solidFill>
-                <a:latin typeface="Arial"/>
-              </a:rPr>
-              <a:t>var</a:t>
-            </a:r>
-            <a:r>
-              <a:rPr b="0" lang="en-US" sz="2200" spc="-1" strike="noStrike">
-                <a:solidFill>
-                  <a:srgbClr val="000000"/>
-                </a:solidFill>
-                <a:latin typeface="Arial"/>
-              </a:rPr>
-              <a:t> bourbonPerson </a:t>
-            </a:r>
-            <a:r>
-              <a:rPr b="0" lang="en-US" sz="2200" spc="-1" strike="noStrike">
-                <a:solidFill>
-                  <a:srgbClr val="666666"/>
-                </a:solidFill>
-                <a:latin typeface="Arial"/>
-              </a:rPr>
-              <a:t>=</a:t>
-            </a:r>
-            <a:r>
-              <a:rPr b="0" lang="en-US" sz="2200" spc="-1" strike="noStrike">
-                <a:solidFill>
-                  <a:srgbClr val="000000"/>
-                </a:solidFill>
-                <a:latin typeface="Arial"/>
-              </a:rPr>
-              <a:t> </a:t>
-            </a:r>
-            <a:r>
-              <a:rPr b="0" lang="en-US" sz="2200" spc="-1" strike="noStrike">
-                <a:solidFill>
-                  <a:srgbClr val="008000"/>
-                </a:solidFill>
-                <a:latin typeface="Arial"/>
-              </a:rPr>
-              <a:t>new</a:t>
-            </a:r>
-            <a:r>
-              <a:rPr b="0" lang="en-US" sz="2200" spc="-1" strike="noStrike">
-                <a:solidFill>
-                  <a:srgbClr val="000000"/>
-                </a:solidFill>
-                <a:latin typeface="Arial"/>
-              </a:rPr>
-              <a:t> Person(</a:t>
-            </a:r>
-            <a:r>
-              <a:rPr b="0" lang="en-US" sz="2200" spc="-1" strike="noStrike">
-                <a:solidFill>
-                  <a:srgbClr val="ba2121"/>
-                </a:solidFill>
-                <a:latin typeface="Arial"/>
-              </a:rPr>
-              <a:t>'Jim Beam'</a:t>
-            </a:r>
-            <a:r>
-              <a:rPr b="0" lang="en-US" sz="2200" spc="-1" strike="noStrike">
-                <a:solidFill>
-                  <a:srgbClr val="000000"/>
-                </a:solidFill>
-                <a:latin typeface="Arial"/>
-              </a:rPr>
-              <a:t>);</a:t>
-            </a:r>
-            <a:endParaRPr b="0" lang="en-US" sz="2200" spc="-1" strike="noStrike">
-              <a:latin typeface="Arial"/>
-            </a:endParaRPr>
-          </a:p>
-          <a:p>
-            <a:r>
-              <a:rPr b="0" lang="en-US" sz="2200" spc="-1" strike="noStrike">
-                <a:solidFill>
-                  <a:srgbClr val="000000"/>
-                </a:solidFill>
-                <a:latin typeface="Arial"/>
-              </a:rPr>
-              <a:t>bourbonPerson.greeting();</a:t>
+                  <a:srgbClr val="000000"/>
+                </a:solidFill>
+                <a:latin typeface="Arial"/>
+              </a:rPr>
+              <a:t>tequilaPerson.greeting();</a:t>
             </a:r>
             <a:endParaRPr b="0" lang="en-US" sz="2200" spc="-1" strike="noStrike">
               <a:latin typeface="Arial"/>
@@ -14107,10 +14184,10 @@
   <p:timing>
     <p:tnLst>
       <p:par>
-        <p:cTn id="53" dur="indefinite" restart="never" nodeType="tmRoot">
+        <p:cTn id="93" dur="indefinite" restart="never" nodeType="tmRoot">
           <p:childTnLst>
             <p:seq>
-              <p:cTn id="54" dur="indefinite" nodeType="mainSeq"/>
+              <p:cTn id="94" dur="indefinite" nodeType="mainSeq"/>
               <p:prevCondLst>
                 <p:cond delay="0" evt="onPrev">
                   <p:tgtEl>
@@ -14197,7 +14274,7 @@
                 </a:solidFill>
                 <a:latin typeface="Proxima Nova Semibold"/>
               </a:rPr>
-              <a:t>Prototypal Inheritance (shadowing)</a:t>
+              <a:t>Prototypal Inheritance (objects)</a:t>
             </a:r>
             <a:endParaRPr b="0" lang="en-US" sz="3200" spc="-1" strike="noStrike">
               <a:solidFill>
@@ -14216,8 +14293,8 @@
         </p:nvSpPr>
         <p:spPr>
           <a:xfrm>
-            <a:off x="761760" y="1280160"/>
-            <a:ext cx="8930880" cy="3840480"/>
+            <a:off x="640080" y="1280160"/>
+            <a:ext cx="8930880" cy="4112280"/>
           </a:xfrm>
           <a:prstGeom prst="rect">
             <a:avLst/>
@@ -14246,7 +14323,7 @@
                 </a:solidFill>
                 <a:latin typeface="Arial"/>
               </a:rPr>
-              <a:t> tequilaPerson </a:t>
+              <a:t> Person </a:t>
             </a:r>
             <a:r>
               <a:rPr b="0" lang="en-US" sz="2200" spc="-1" strike="noStrike">
@@ -14264,49 +14341,67 @@
                 </a:solidFill>
                 <a:latin typeface="Arial"/>
               </a:rPr>
-              <a:t> </a:t>
-            </a:r>
-            <a:r>
-              <a:rPr b="0" lang="en-US" sz="2200" spc="-1" strike="noStrike">
-                <a:solidFill>
-                  <a:srgbClr val="008000"/>
-                </a:solidFill>
-                <a:latin typeface="Arial"/>
-              </a:rPr>
-              <a:t>new</a:t>
-            </a:r>
-            <a:r>
-              <a:rPr b="0" lang="en-US" sz="2200" spc="-1" strike="noStrike">
-                <a:solidFill>
-                  <a:srgbClr val="000000"/>
-                </a:solidFill>
-                <a:latin typeface="Arial"/>
-              </a:rPr>
-              <a:t> Person(</a:t>
-            </a:r>
-            <a:r>
-              <a:rPr b="0" lang="en-US" sz="2200" spc="-1" strike="noStrike">
-                <a:solidFill>
-                  <a:srgbClr val="ba2121"/>
-                </a:solidFill>
-                <a:latin typeface="Arial"/>
-              </a:rPr>
-              <a:t>'Jose Cuervo'</a:t>
-            </a:r>
-            <a:r>
-              <a:rPr b="0" lang="en-US" sz="2200" spc="-1" strike="noStrike">
-                <a:solidFill>
-                  <a:srgbClr val="000000"/>
-                </a:solidFill>
-                <a:latin typeface="Arial"/>
-              </a:rPr>
-              <a:t>);</a:t>
+              <a:t> {</a:t>
             </a:r>
             <a:endParaRPr b="0" lang="en-US" sz="2200" spc="-1" strike="noStrike">
               <a:latin typeface="Arial"/>
             </a:endParaRPr>
           </a:p>
           <a:p>
+            <a:r>
+              <a:rPr b="0" lang="en-US" sz="2200" spc="-1" strike="noStrike">
+                <a:solidFill>
+                  <a:srgbClr val="000000"/>
+                </a:solidFill>
+                <a:latin typeface="Arial"/>
+              </a:rPr>
+              <a:t>    </a:t>
+            </a:r>
+            <a:r>
+              <a:rPr b="0" lang="en-US" sz="2200" spc="-1" strike="noStrike">
+                <a:solidFill>
+                  <a:srgbClr val="000000"/>
+                </a:solidFill>
+                <a:latin typeface="Arial"/>
+              </a:rPr>
+              <a:t>name</a:t>
+            </a:r>
+            <a:r>
+              <a:rPr b="0" lang="en-US" sz="2200" spc="-1" strike="noStrike">
+                <a:solidFill>
+                  <a:srgbClr val="666666"/>
+                </a:solidFill>
+                <a:latin typeface="Arial"/>
+              </a:rPr>
+              <a:t>:</a:t>
+            </a:r>
+            <a:r>
+              <a:rPr b="0" lang="en-US" sz="2200" spc="-1" strike="noStrike">
+                <a:solidFill>
+                  <a:srgbClr val="000000"/>
+                </a:solidFill>
+                <a:latin typeface="Arial"/>
+              </a:rPr>
+              <a:t> </a:t>
+            </a:r>
+            <a:r>
+              <a:rPr b="0" lang="en-US" sz="2200" spc="-1" strike="noStrike">
+                <a:solidFill>
+                  <a:srgbClr val="ba2121"/>
+                </a:solidFill>
+                <a:latin typeface="Arial"/>
+              </a:rPr>
+              <a:t>'Unnamed'</a:t>
+            </a:r>
+            <a:r>
+              <a:rPr b="0" lang="en-US" sz="2200" spc="-1" strike="noStrike">
+                <a:solidFill>
+                  <a:srgbClr val="000000"/>
+                </a:solidFill>
+                <a:latin typeface="Arial"/>
+              </a:rPr>
+              <a:t>,</a:t>
+            </a:r>
             <a:endParaRPr b="0" lang="en-US" sz="2200" spc="-1" strike="noStrike">
               <a:latin typeface="Arial"/>
             </a:endParaRPr>
@@ -14319,7 +14414,16 @@
                 </a:solidFill>
                 <a:latin typeface="Arial"/>
               </a:rPr>
-              <a:t>tequilaPerson.greeting </a:t>
+              <a:t>    </a:t>
+            </a:r>
+            <a:r>
+              <a:rPr b="0" lang="en-US" sz="2200" spc="-1" strike="noStrike">
+                <a:solidFill>
+                  <a:srgbClr val="000000"/>
+                </a:solidFill>
+                <a:latin typeface="Arial"/>
+              </a:rPr>
+              <a:t>greeting</a:t>
             </a:r>
             <a:r>
               <a:rPr b="0" lang="en-US" sz="2200" spc="-1" strike="noStrike">
@@ -14328,7 +14432,7 @@
                 </a:solidFill>
                 <a:latin typeface="Arial"/>
               </a:rPr>
-              <a:t>=</a:t>
+              <a:t>:</a:t>
             </a:r>
             <a:r>
               <a:rPr b="0" lang="en-US" sz="2200" spc="-1" strike="noStrike">
@@ -14369,7 +14473,7 @@
                 </a:solidFill>
                 <a:latin typeface="Arial"/>
               </a:rPr>
-              <a:t>  </a:t>
+              <a:t>      </a:t>
             </a:r>
             <a:r>
               <a:rPr b="0" lang="en-US" sz="2200" spc="-1" strike="noStrike">
@@ -14396,7 +14500,7 @@
                 </a:solidFill>
                 <a:latin typeface="Arial"/>
               </a:rPr>
-              <a:t>`Hola, mi nobre es </a:t>
+              <a:t>`Hello, my name is </a:t>
             </a:r>
             <a:r>
               <a:rPr b="0" lang="en-US" sz="2200" spc="-1" strike="noStrike">
@@ -14423,7 +14527,34 @@
                 </a:solidFill>
                 <a:latin typeface="Arial"/>
               </a:rPr>
-              <a:t>.name</a:t>
+              <a:t>.name </a:t>
+            </a:r>
+            <a:r>
+              <a:rPr b="0" lang="en-US" sz="2200" spc="-1" strike="noStrike">
+                <a:solidFill>
+                  <a:srgbClr val="666666"/>
+                </a:solidFill>
+                <a:latin typeface="Arial"/>
+              </a:rPr>
+              <a:t>||</a:t>
+            </a:r>
+            <a:r>
+              <a:rPr b="0" lang="en-US" sz="2200" spc="-1" strike="noStrike">
+                <a:solidFill>
+                  <a:srgbClr val="000000"/>
+                </a:solidFill>
+                <a:latin typeface="Arial"/>
+              </a:rPr>
+              <a:t> </a:t>
+            </a:r>
+            <a:r>
+              <a:rPr b="0" lang="en-US" sz="2200" spc="-1" strike="noStrike">
+                <a:solidFill>
+                  <a:srgbClr val="ba2121"/>
+                </a:solidFill>
+                <a:latin typeface="Arial"/>
+              </a:rPr>
+              <a:t>'Unnamed'</a:t>
             </a:r>
             <a:r>
               <a:rPr b="0" lang="en-US" sz="2200" spc="-1" strike="noStrike">
@@ -14464,6 +14595,15 @@
                 </a:solidFill>
                 <a:latin typeface="Arial"/>
               </a:rPr>
+              <a:t>    </a:t>
+            </a:r>
+            <a:r>
+              <a:rPr b="0" lang="en-US" sz="2200" spc="-1" strike="noStrike">
+                <a:solidFill>
+                  <a:srgbClr val="000000"/>
+                </a:solidFill>
+                <a:latin typeface="Arial"/>
+              </a:rPr>
               <a:t>}</a:t>
             </a:r>
             <a:endParaRPr b="0" lang="en-US" sz="2200" spc="-1" strike="noStrike">
@@ -14471,6 +14611,15 @@
             </a:endParaRPr>
           </a:p>
           <a:p>
+            <a:r>
+              <a:rPr b="0" lang="en-US" sz="2200" spc="-1" strike="noStrike">
+                <a:solidFill>
+                  <a:srgbClr val="000000"/>
+                </a:solidFill>
+                <a:latin typeface="Arial"/>
+              </a:rPr>
+              <a:t>};</a:t>
+            </a:r>
             <a:endParaRPr b="0" lang="en-US" sz="2200" spc="-1" strike="noStrike">
               <a:latin typeface="Arial"/>
             </a:endParaRPr>
@@ -14479,11 +14628,120 @@
             <a:r>
               <a:rPr b="0" lang="en-US" sz="2200" spc="-1" strike="noStrike">
                 <a:solidFill>
-                  <a:srgbClr val="000000"/>
-                </a:solidFill>
-                <a:latin typeface="Arial"/>
-              </a:rPr>
-              <a:t>tequilaPerson.greeting();</a:t>
+                  <a:srgbClr val="008000"/>
+                </a:solidFill>
+                <a:latin typeface="Arial"/>
+              </a:rPr>
+              <a:t>var</a:t>
+            </a:r>
+            <a:r>
+              <a:rPr b="0" lang="en-US" sz="2200" spc="-1" strike="noStrike">
+                <a:solidFill>
+                  <a:srgbClr val="000000"/>
+                </a:solidFill>
+                <a:latin typeface="Arial"/>
+              </a:rPr>
+              <a:t> bourbonPerson </a:t>
+            </a:r>
+            <a:r>
+              <a:rPr b="0" lang="en-US" sz="2200" spc="-1" strike="noStrike">
+                <a:solidFill>
+                  <a:srgbClr val="666666"/>
+                </a:solidFill>
+                <a:latin typeface="Arial"/>
+              </a:rPr>
+              <a:t>=</a:t>
+            </a:r>
+            <a:r>
+              <a:rPr b="0" lang="en-US" sz="2200" spc="-1" strike="noStrike">
+                <a:solidFill>
+                  <a:srgbClr val="000000"/>
+                </a:solidFill>
+                <a:latin typeface="Arial"/>
+              </a:rPr>
+              <a:t> </a:t>
+            </a:r>
+            <a:r>
+              <a:rPr b="0" lang="en-US" sz="2200" spc="-1" strike="noStrike">
+                <a:solidFill>
+                  <a:srgbClr val="008000"/>
+                </a:solidFill>
+                <a:latin typeface="Arial"/>
+              </a:rPr>
+              <a:t>Object</a:t>
+            </a:r>
+            <a:r>
+              <a:rPr b="0" lang="en-US" sz="2200" spc="-1" strike="noStrike">
+                <a:solidFill>
+                  <a:srgbClr val="000000"/>
+                </a:solidFill>
+                <a:latin typeface="Arial"/>
+              </a:rPr>
+              <a:t>.create(Person);</a:t>
+            </a:r>
+            <a:endParaRPr b="0" lang="en-US" sz="2200" spc="-1" strike="noStrike">
+              <a:latin typeface="Arial"/>
+            </a:endParaRPr>
+          </a:p>
+          <a:p>
+            <a:r>
+              <a:rPr b="0" lang="en-US" sz="2200" spc="-1" strike="noStrike">
+                <a:solidFill>
+                  <a:srgbClr val="000000"/>
+                </a:solidFill>
+                <a:latin typeface="Arial"/>
+              </a:rPr>
+              <a:t>bourbonPerson.name </a:t>
+            </a:r>
+            <a:r>
+              <a:rPr b="0" lang="en-US" sz="2200" spc="-1" strike="noStrike">
+                <a:solidFill>
+                  <a:srgbClr val="666666"/>
+                </a:solidFill>
+                <a:latin typeface="Arial"/>
+              </a:rPr>
+              <a:t>=</a:t>
+            </a:r>
+            <a:r>
+              <a:rPr b="0" lang="en-US" sz="2200" spc="-1" strike="noStrike">
+                <a:solidFill>
+                  <a:srgbClr val="000000"/>
+                </a:solidFill>
+                <a:latin typeface="Arial"/>
+              </a:rPr>
+              <a:t> </a:t>
+            </a:r>
+            <a:r>
+              <a:rPr b="0" lang="en-US" sz="2200" spc="-1" strike="noStrike">
+                <a:solidFill>
+                  <a:srgbClr val="ba2121"/>
+                </a:solidFill>
+                <a:latin typeface="Arial"/>
+              </a:rPr>
+              <a:t>'Jim Beam'</a:t>
+            </a:r>
+            <a:r>
+              <a:rPr b="0" lang="en-US" sz="2200" spc="-1" strike="noStrike">
+                <a:solidFill>
+                  <a:srgbClr val="000000"/>
+                </a:solidFill>
+                <a:latin typeface="Arial"/>
+              </a:rPr>
+              <a:t>;</a:t>
+            </a:r>
+            <a:endParaRPr b="0" lang="en-US" sz="2200" spc="-1" strike="noStrike">
+              <a:latin typeface="Arial"/>
+            </a:endParaRPr>
+          </a:p>
+          <a:p>
+            <a:r>
+              <a:rPr b="0" lang="en-US" sz="2200" spc="-1" strike="noStrike">
+                <a:solidFill>
+                  <a:srgbClr val="000000"/>
+                </a:solidFill>
+                <a:latin typeface="Arial"/>
+              </a:rPr>
+              <a:t>bourbonPerson.greeting();</a:t>
             </a:r>
             <a:endParaRPr b="0" lang="en-US" sz="2200" spc="-1" strike="noStrike">
               <a:latin typeface="Arial"/>
@@ -14499,10 +14757,10 @@
   <p:timing>
     <p:tnLst>
       <p:par>
-        <p:cTn id="55" dur="indefinite" restart="never" nodeType="tmRoot">
+        <p:cTn id="95" dur="indefinite" restart="never" nodeType="tmRoot">
           <p:childTnLst>
             <p:seq>
-              <p:cTn id="56" dur="indefinite" nodeType="mainSeq"/>
+              <p:cTn id="96" dur="indefinite" nodeType="mainSeq"/>
               <p:prevCondLst>
                 <p:cond delay="0" evt="onPrev">
                   <p:tgtEl>
@@ -14589,7 +14847,7 @@
                 </a:solidFill>
                 <a:latin typeface="Proxima Nova Semibold"/>
               </a:rPr>
-              <a:t>Prototypal Inheritance (objects)</a:t>
+              <a:t>Prototypal Inheritance (es2015)</a:t>
             </a:r>
             <a:endParaRPr b="0" lang="en-US" sz="3200" spc="-1" strike="noStrike">
               <a:solidFill>
@@ -14608,8 +14866,8 @@
         </p:nvSpPr>
         <p:spPr>
           <a:xfrm>
-            <a:off x="640080" y="1280160"/>
-            <a:ext cx="8930880" cy="4112280"/>
+            <a:off x="401760" y="920160"/>
+            <a:ext cx="8930880" cy="4575960"/>
           </a:xfrm>
           <a:prstGeom prst="rect">
             <a:avLst/>
@@ -14622,6 +14880,17 @@
         <p:txBody>
           <a:bodyPr lIns="90000" rIns="90000" tIns="45000" bIns="45000"/>
           <a:p>
+            <a:pPr>
+              <a:lnSpc>
+                <a:spcPct val="100000"/>
+              </a:lnSpc>
+              <a:spcBef>
+                <a:spcPts val="1191"/>
+              </a:spcBef>
+              <a:spcAft>
+                <a:spcPts val="992"/>
+              </a:spcAft>
+            </a:pPr>
             <a:r>
               <a:rPr b="0" lang="en-US" sz="2200" spc="-1" strike="noStrike">
                 <a:solidFill>
@@ -14629,99 +14898,67 @@
                 </a:solidFill>
                 <a:latin typeface="Arial"/>
               </a:rPr>
-              <a:t>var</a:t>
-            </a:r>
-            <a:r>
-              <a:rPr b="0" lang="en-US" sz="2200" spc="-1" strike="noStrike">
-                <a:solidFill>
-                  <a:srgbClr val="000000"/>
-                </a:solidFill>
-                <a:latin typeface="Arial"/>
-              </a:rPr>
-              <a:t> Person </a:t>
-            </a:r>
-            <a:r>
-              <a:rPr b="0" lang="en-US" sz="2200" spc="-1" strike="noStrike">
-                <a:solidFill>
-                  <a:srgbClr val="666666"/>
-                </a:solidFill>
-                <a:latin typeface="Arial"/>
-              </a:rPr>
-              <a:t>=</a:t>
-            </a:r>
-            <a:r>
-              <a:rPr b="0" lang="en-US" sz="2200" spc="-1" strike="noStrike">
-                <a:solidFill>
-                  <a:srgbClr val="000000"/>
-                </a:solidFill>
-                <a:latin typeface="Arial"/>
-              </a:rPr>
-              <a:t> {</a:t>
+              <a:t>class</a:t>
+            </a:r>
+            <a:r>
+              <a:rPr b="0" lang="en-US" sz="2200" spc="-1" strike="noStrike">
+                <a:solidFill>
+                  <a:srgbClr val="000000"/>
+                </a:solidFill>
+                <a:latin typeface="Arial"/>
+              </a:rPr>
+              <a:t> Person{</a:t>
             </a:r>
             <a:endParaRPr b="0" lang="en-US" sz="2200" spc="-1" strike="noStrike">
               <a:latin typeface="Arial"/>
             </a:endParaRPr>
           </a:p>
           <a:p>
-            <a:r>
-              <a:rPr b="0" lang="en-US" sz="2200" spc="-1" strike="noStrike">
-                <a:solidFill>
-                  <a:srgbClr val="000000"/>
-                </a:solidFill>
-                <a:latin typeface="Arial"/>
-              </a:rPr>
-              <a:t>    </a:t>
-            </a:r>
-            <a:r>
-              <a:rPr b="0" lang="en-US" sz="2200" spc="-1" strike="noStrike">
-                <a:solidFill>
-                  <a:srgbClr val="000000"/>
-                </a:solidFill>
-                <a:latin typeface="Arial"/>
-              </a:rPr>
-              <a:t>name</a:t>
-            </a:r>
-            <a:r>
-              <a:rPr b="0" lang="en-US" sz="2200" spc="-1" strike="noStrike">
-                <a:solidFill>
-                  <a:srgbClr val="666666"/>
-                </a:solidFill>
-                <a:latin typeface="Arial"/>
-              </a:rPr>
-              <a:t>:</a:t>
-            </a:r>
-            <a:r>
-              <a:rPr b="0" lang="en-US" sz="2200" spc="-1" strike="noStrike">
-                <a:solidFill>
-                  <a:srgbClr val="000000"/>
-                </a:solidFill>
-                <a:latin typeface="Arial"/>
-              </a:rPr>
-              <a:t> </a:t>
-            </a:r>
-            <a:r>
-              <a:rPr b="0" lang="en-US" sz="2200" spc="-1" strike="noStrike">
-                <a:solidFill>
-                  <a:srgbClr val="ba2121"/>
-                </a:solidFill>
-                <a:latin typeface="Arial"/>
-              </a:rPr>
-              <a:t>'Unnamed'</a:t>
-            </a:r>
-            <a:r>
-              <a:rPr b="0" lang="en-US" sz="2200" spc="-1" strike="noStrike">
-                <a:solidFill>
-                  <a:srgbClr val="000000"/>
-                </a:solidFill>
-                <a:latin typeface="Arial"/>
-              </a:rPr>
-              <a:t>,</a:t>
+            <a:pPr>
+              <a:lnSpc>
+                <a:spcPct val="100000"/>
+              </a:lnSpc>
+              <a:spcBef>
+                <a:spcPts val="1191"/>
+              </a:spcBef>
+              <a:spcAft>
+                <a:spcPts val="992"/>
+              </a:spcAft>
+            </a:pPr>
+            <a:r>
+              <a:rPr b="0" lang="en-US" sz="2200" spc="-1" strike="noStrike">
+                <a:solidFill>
+                  <a:srgbClr val="000000"/>
+                </a:solidFill>
+                <a:latin typeface="Arial"/>
+              </a:rPr>
+              <a:t>  </a:t>
+            </a:r>
+            <a:r>
+              <a:rPr b="0" lang="en-US" sz="2200" spc="-1" strike="noStrike">
+                <a:solidFill>
+                  <a:srgbClr val="000000"/>
+                </a:solidFill>
+                <a:latin typeface="Arial"/>
+              </a:rPr>
+              <a:t>constructor(name){</a:t>
             </a:r>
             <a:endParaRPr b="0" lang="en-US" sz="2200" spc="-1" strike="noStrike">
               <a:latin typeface="Arial"/>
             </a:endParaRPr>
           </a:p>
           <a:p>
+            <a:pPr>
+              <a:lnSpc>
+                <a:spcPct val="100000"/>
+              </a:lnSpc>
+              <a:spcBef>
+                <a:spcPts val="1191"/>
+              </a:spcBef>
+              <a:spcAft>
+                <a:spcPts val="992"/>
+              </a:spcAft>
+            </a:pPr>
             <a:r>
               <a:rPr b="0" lang="en-US" sz="2200" spc="-1" strike="noStrike">
                 <a:solidFill>
@@ -14734,11 +14971,20 @@
             <a:r>
               <a:rPr b="0" lang="en-US" sz="2200" spc="-1" strike="noStrike">
                 <a:solidFill>
-                  <a:srgbClr val="000000"/>
-                </a:solidFill>
-                <a:latin typeface="Arial"/>
-              </a:rPr>
-              <a:t>greeting</a:t>
+                  <a:srgbClr val="008000"/>
+                </a:solidFill>
+                <a:latin typeface="Arial"/>
+              </a:rPr>
+              <a:t>this</a:t>
+            </a:r>
+            <a:r>
+              <a:rPr b="0" lang="en-US" sz="2200" spc="-1" strike="noStrike">
+                <a:solidFill>
+                  <a:srgbClr val="000000"/>
+                </a:solidFill>
+                <a:latin typeface="Arial"/>
+              </a:rPr>
+              <a:t>.name </a:t>
             </a:r>
             <a:r>
               <a:rPr b="0" lang="en-US" sz="2200" spc="-1" strike="noStrike">
@@ -14747,308 +14993,381 @@
                 </a:solidFill>
                 <a:latin typeface="Arial"/>
               </a:rPr>
-              <a:t>:</a:t>
-            </a:r>
-            <a:r>
-              <a:rPr b="0" lang="en-US" sz="2200" spc="-1" strike="noStrike">
-                <a:solidFill>
-                  <a:srgbClr val="000000"/>
-                </a:solidFill>
-                <a:latin typeface="Arial"/>
-              </a:rPr>
-              <a:t> </a:t>
-            </a:r>
-            <a:r>
-              <a:rPr b="0" lang="en-US" sz="2200" spc="-1" strike="noStrike">
-                <a:solidFill>
-                  <a:srgbClr val="008000"/>
-                </a:solidFill>
-                <a:latin typeface="Arial"/>
-              </a:rPr>
-              <a:t>function</a:t>
-            </a:r>
-            <a:r>
-              <a:rPr b="0" lang="en-US" sz="2200" spc="-1" strike="noStrike">
-                <a:solidFill>
-                  <a:srgbClr val="000000"/>
-                </a:solidFill>
-                <a:latin typeface="Arial"/>
-              </a:rPr>
-              <a:t>(){</a:t>
+              <a:t>=</a:t>
+            </a:r>
+            <a:r>
+              <a:rPr b="0" lang="en-US" sz="2200" spc="-1" strike="noStrike">
+                <a:solidFill>
+                  <a:srgbClr val="000000"/>
+                </a:solidFill>
+                <a:latin typeface="Arial"/>
+              </a:rPr>
+              <a:t> name;</a:t>
             </a:r>
             <a:endParaRPr b="0" lang="en-US" sz="2200" spc="-1" strike="noStrike">
               <a:latin typeface="Arial"/>
             </a:endParaRPr>
           </a:p>
           <a:p>
-            <a:r>
-              <a:rPr b="0" lang="en-US" sz="2200" spc="-1" strike="noStrike">
-                <a:solidFill>
-                  <a:srgbClr val="000000"/>
-                </a:solidFill>
-                <a:latin typeface="Arial"/>
-              </a:rPr>
-              <a:t>      </a:t>
-            </a:r>
-            <a:r>
-              <a:rPr b="0" lang="en-US" sz="2200" spc="-1" strike="noStrike">
-                <a:solidFill>
-                  <a:srgbClr val="008000"/>
-                </a:solidFill>
-                <a:latin typeface="Arial"/>
-              </a:rPr>
-              <a:t>console</a:t>
-            </a:r>
-            <a:r>
-              <a:rPr b="0" lang="en-US" sz="2200" spc="-1" strike="noStrike">
-                <a:solidFill>
-                  <a:srgbClr val="000000"/>
-                </a:solidFill>
-                <a:latin typeface="Arial"/>
-              </a:rPr>
-              <a:t>.log(</a:t>
-            </a:r>
-            <a:r>
-              <a:rPr b="0" lang="en-US" sz="2200" spc="-1" strike="noStrike">
-                <a:solidFill>
-                  <a:srgbClr val="ba2121"/>
-                </a:solidFill>
-                <a:latin typeface="Arial"/>
-              </a:rPr>
-              <a:t>`Hello, my name is </a:t>
-            </a:r>
-            <a:r>
-              <a:rPr b="0" lang="en-US" sz="2200" spc="-1" strike="noStrike">
-                <a:solidFill>
-                  <a:srgbClr val="bb6688"/>
-                </a:solidFill>
-                <a:latin typeface="Arial"/>
-              </a:rPr>
-              <a:t>${</a:t>
-            </a:r>
-            <a:r>
-              <a:rPr b="0" lang="en-US" sz="2200" spc="-1" strike="noStrike">
-                <a:solidFill>
-                  <a:srgbClr val="008000"/>
-                </a:solidFill>
-                <a:latin typeface="Arial"/>
-              </a:rPr>
-              <a:t>this</a:t>
-            </a:r>
-            <a:r>
-              <a:rPr b="0" lang="en-US" sz="2200" spc="-1" strike="noStrike">
-                <a:solidFill>
-                  <a:srgbClr val="000000"/>
-                </a:solidFill>
-                <a:latin typeface="Arial"/>
-              </a:rPr>
-              <a:t>.name </a:t>
-            </a:r>
-            <a:r>
-              <a:rPr b="0" lang="en-US" sz="2200" spc="-1" strike="noStrike">
-                <a:solidFill>
-                  <a:srgbClr val="666666"/>
-                </a:solidFill>
-                <a:latin typeface="Arial"/>
-              </a:rPr>
-              <a:t>||</a:t>
-            </a:r>
-            <a:r>
-              <a:rPr b="0" lang="en-US" sz="2200" spc="-1" strike="noStrike">
-                <a:solidFill>
-                  <a:srgbClr val="000000"/>
-                </a:solidFill>
-                <a:latin typeface="Arial"/>
-              </a:rPr>
-              <a:t> </a:t>
-            </a:r>
-            <a:r>
-              <a:rPr b="0" lang="en-US" sz="2200" spc="-1" strike="noStrike">
-                <a:solidFill>
-                  <a:srgbClr val="ba2121"/>
-                </a:solidFill>
-                <a:latin typeface="Arial"/>
-              </a:rPr>
-              <a:t>'Unnamed'</a:t>
-            </a:r>
-            <a:r>
-              <a:rPr b="0" lang="en-US" sz="2200" spc="-1" strike="noStrike">
-                <a:solidFill>
-                  <a:srgbClr val="bb6688"/>
+            <a:pPr>
+              <a:lnSpc>
+                <a:spcPct val="100000"/>
+              </a:lnSpc>
+              <a:spcBef>
+                <a:spcPts val="1191"/>
+              </a:spcBef>
+              <a:spcAft>
+                <a:spcPts val="992"/>
+              </a:spcAft>
+            </a:pPr>
+            <a:r>
+              <a:rPr b="0" lang="en-US" sz="2200" spc="-1" strike="noStrike">
+                <a:solidFill>
+                  <a:srgbClr val="000000"/>
+                </a:solidFill>
+                <a:latin typeface="Arial"/>
+              </a:rPr>
+              <a:t>  </a:t>
+            </a:r>
+            <a:r>
+              <a:rPr b="0" lang="en-US" sz="2200" spc="-1" strike="noStrike">
+                <a:solidFill>
+                  <a:srgbClr val="000000"/>
                 </a:solidFill>
                 <a:latin typeface="Arial"/>
               </a:rPr>
               <a:t>}</a:t>
-            </a:r>
-            <a:r>
-              <a:rPr b="0" lang="en-US" sz="2200" spc="-1" strike="noStrike">
-                <a:solidFill>
-                  <a:srgbClr val="ba2121"/>
-                </a:solidFill>
-                <a:latin typeface="Arial"/>
-              </a:rPr>
-              <a:t>!`</a:t>
-            </a:r>
-            <a:r>
-              <a:rPr b="0" lang="en-US" sz="2200" spc="-1" strike="noStrike">
-                <a:solidFill>
-                  <a:srgbClr val="000000"/>
-                </a:solidFill>
-                <a:latin typeface="Arial"/>
-              </a:rPr>
-              <a:t>);</a:t>
             </a:r>
             <a:endParaRPr b="0" lang="en-US" sz="2200" spc="-1" strike="noStrike">
               <a:latin typeface="Arial"/>
             </a:endParaRPr>
           </a:p>
           <a:p>
-            <a:r>
-              <a:rPr b="0" lang="en-US" sz="2200" spc="-1" strike="noStrike">
-                <a:solidFill>
-                  <a:srgbClr val="000000"/>
-                </a:solidFill>
-                <a:latin typeface="Arial"/>
-              </a:rPr>
-              <a:t>    </a:t>
-            </a:r>
-            <a:r>
-              <a:rPr b="0" lang="en-US" sz="2200" spc="-1" strike="noStrike">
-                <a:solidFill>
-                  <a:srgbClr val="000000"/>
-                </a:solidFill>
-                <a:latin typeface="Arial"/>
-              </a:rPr>
-              <a:t>}</a:t>
+            <a:pPr>
+              <a:lnSpc>
+                <a:spcPct val="100000"/>
+              </a:lnSpc>
+              <a:spcBef>
+                <a:spcPts val="1191"/>
+              </a:spcBef>
+              <a:spcAft>
+                <a:spcPts val="992"/>
+              </a:spcAft>
+            </a:pPr>
+            <a:r>
+              <a:rPr b="0" lang="en-US" sz="2200" spc="-1" strike="noStrike">
+                <a:solidFill>
+                  <a:srgbClr val="000000"/>
+                </a:solidFill>
+                <a:latin typeface="Arial"/>
+              </a:rPr>
+              <a:t>  </a:t>
+            </a:r>
+            <a:r>
+              <a:rPr b="0" lang="en-US" sz="2200" spc="-1" strike="noStrike">
+                <a:solidFill>
+                  <a:srgbClr val="000000"/>
+                </a:solidFill>
+                <a:latin typeface="Arial"/>
+              </a:rPr>
+              <a:t>greeting() {</a:t>
             </a:r>
             <a:endParaRPr b="0" lang="en-US" sz="2200" spc="-1" strike="noStrike">
               <a:latin typeface="Arial"/>
             </a:endParaRPr>
           </a:p>
           <a:p>
-            <a:r>
-              <a:rPr b="0" lang="en-US" sz="2200" spc="-1" strike="noStrike">
-                <a:solidFill>
-                  <a:srgbClr val="000000"/>
-                </a:solidFill>
-                <a:latin typeface="Arial"/>
-              </a:rPr>
-              <a:t>};</a:t>
+            <a:pPr>
+              <a:lnSpc>
+                <a:spcPct val="100000"/>
+              </a:lnSpc>
+              <a:spcBef>
+                <a:spcPts val="1191"/>
+              </a:spcBef>
+              <a:spcAft>
+                <a:spcPts val="992"/>
+              </a:spcAft>
+            </a:pPr>
+            <a:r>
+              <a:rPr b="0" lang="en-US" sz="2200" spc="-1" strike="noStrike">
+                <a:solidFill>
+                  <a:srgbClr val="000000"/>
+                </a:solidFill>
+                <a:latin typeface="Arial"/>
+              </a:rPr>
+              <a:t>    </a:t>
+            </a:r>
+            <a:r>
+              <a:rPr b="0" lang="en-US" sz="2200" spc="-1" strike="noStrike">
+                <a:solidFill>
+                  <a:srgbClr val="008000"/>
+                </a:solidFill>
+                <a:latin typeface="Arial"/>
+              </a:rPr>
+              <a:t>console</a:t>
+            </a:r>
+            <a:r>
+              <a:rPr b="0" lang="en-US" sz="2200" spc="-1" strike="noStrike">
+                <a:solidFill>
+                  <a:srgbClr val="000000"/>
+                </a:solidFill>
+                <a:latin typeface="Arial"/>
+              </a:rPr>
+              <a:t>.log(</a:t>
+            </a:r>
+            <a:r>
+              <a:rPr b="0" lang="en-US" sz="2200" spc="-1" strike="noStrike">
+                <a:solidFill>
+                  <a:srgbClr val="ba2121"/>
+                </a:solidFill>
+                <a:latin typeface="Arial"/>
+              </a:rPr>
+              <a:t>`Hello, my name is </a:t>
+            </a:r>
+            <a:r>
+              <a:rPr b="0" lang="en-US" sz="2200" spc="-1" strike="noStrike">
+                <a:solidFill>
+                  <a:srgbClr val="bb6688"/>
+                </a:solidFill>
+                <a:latin typeface="Arial"/>
+              </a:rPr>
+              <a:t>${</a:t>
+            </a:r>
+            <a:r>
+              <a:rPr b="0" lang="en-US" sz="2200" spc="-1" strike="noStrike">
+                <a:solidFill>
+                  <a:srgbClr val="008000"/>
+                </a:solidFill>
+                <a:latin typeface="Arial"/>
+              </a:rPr>
+              <a:t>this</a:t>
+            </a:r>
+            <a:r>
+              <a:rPr b="0" lang="en-US" sz="2200" spc="-1" strike="noStrike">
+                <a:solidFill>
+                  <a:srgbClr val="000000"/>
+                </a:solidFill>
+                <a:latin typeface="Arial"/>
+              </a:rPr>
+              <a:t>.name </a:t>
+            </a:r>
+            <a:r>
+              <a:rPr b="0" lang="en-US" sz="2200" spc="-1" strike="noStrike">
+                <a:solidFill>
+                  <a:srgbClr val="666666"/>
+                </a:solidFill>
+                <a:latin typeface="Arial"/>
+              </a:rPr>
+              <a:t>||</a:t>
+            </a:r>
+            <a:r>
+              <a:rPr b="0" lang="en-US" sz="2200" spc="-1" strike="noStrike">
+                <a:solidFill>
+                  <a:srgbClr val="000000"/>
+                </a:solidFill>
+                <a:latin typeface="Arial"/>
+              </a:rPr>
+              <a:t> </a:t>
+            </a:r>
+            <a:r>
+              <a:rPr b="0" lang="en-US" sz="2200" spc="-1" strike="noStrike">
+                <a:solidFill>
+                  <a:srgbClr val="ba2121"/>
+                </a:solidFill>
+                <a:latin typeface="Arial"/>
+              </a:rPr>
+              <a:t>'Unnamed'</a:t>
+            </a:r>
+            <a:r>
+              <a:rPr b="0" lang="en-US" sz="2200" spc="-1" strike="noStrike">
+                <a:solidFill>
+                  <a:srgbClr val="bb6688"/>
+                </a:solidFill>
+                <a:latin typeface="Arial"/>
+              </a:rPr>
+              <a:t>}</a:t>
+            </a:r>
+            <a:r>
+              <a:rPr b="0" lang="en-US" sz="2200" spc="-1" strike="noStrike">
+                <a:solidFill>
+                  <a:srgbClr val="ba2121"/>
+                </a:solidFill>
+                <a:latin typeface="Arial"/>
+              </a:rPr>
+              <a:t>!`</a:t>
+            </a:r>
+            <a:r>
+              <a:rPr b="0" lang="en-US" sz="2200" spc="-1" strike="noStrike">
+                <a:solidFill>
+                  <a:srgbClr val="000000"/>
+                </a:solidFill>
+                <a:latin typeface="Arial"/>
+              </a:rPr>
+              <a:t>);</a:t>
             </a:r>
             <a:endParaRPr b="0" lang="en-US" sz="2200" spc="-1" strike="noStrike">
               <a:latin typeface="Arial"/>
             </a:endParaRPr>
           </a:p>
           <a:p>
-            <a:r>
-              <a:rPr b="0" lang="en-US" sz="2200" spc="-1" strike="noStrike">
-                <a:solidFill>
-                  <a:srgbClr val="008000"/>
-                </a:solidFill>
-                <a:latin typeface="Arial"/>
-              </a:rPr>
-              <a:t>var</a:t>
-            </a:r>
-            <a:r>
-              <a:rPr b="0" lang="en-US" sz="2200" spc="-1" strike="noStrike">
-                <a:solidFill>
-                  <a:srgbClr val="000000"/>
-                </a:solidFill>
-                <a:latin typeface="Arial"/>
-              </a:rPr>
-              <a:t> bourbonPerson </a:t>
-            </a:r>
-            <a:r>
-              <a:rPr b="0" lang="en-US" sz="2200" spc="-1" strike="noStrike">
-                <a:solidFill>
-                  <a:srgbClr val="666666"/>
-                </a:solidFill>
-                <a:latin typeface="Arial"/>
-              </a:rPr>
-              <a:t>=</a:t>
-            </a:r>
-            <a:r>
-              <a:rPr b="0" lang="en-US" sz="2200" spc="-1" strike="noStrike">
-                <a:solidFill>
-                  <a:srgbClr val="000000"/>
-                </a:solidFill>
-                <a:latin typeface="Arial"/>
-              </a:rPr>
-              <a:t> </a:t>
-            </a:r>
-            <a:r>
-              <a:rPr b="0" lang="en-US" sz="2200" spc="-1" strike="noStrike">
-                <a:solidFill>
-                  <a:srgbClr val="008000"/>
-                </a:solidFill>
-                <a:latin typeface="Arial"/>
-              </a:rPr>
-              <a:t>Object</a:t>
-            </a:r>
-            <a:r>
-              <a:rPr b="0" lang="en-US" sz="2200" spc="-1" strike="noStrike">
-                <a:solidFill>
-                  <a:srgbClr val="000000"/>
-                </a:solidFill>
-                <a:latin typeface="Arial"/>
-              </a:rPr>
-              <a:t>.create(Person);</a:t>
+            <a:pPr>
+              <a:lnSpc>
+                <a:spcPct val="100000"/>
+              </a:lnSpc>
+              <a:spcBef>
+                <a:spcPts val="1191"/>
+              </a:spcBef>
+              <a:spcAft>
+                <a:spcPts val="992"/>
+              </a:spcAft>
+            </a:pPr>
+            <a:r>
+              <a:rPr b="0" lang="en-US" sz="2200" spc="-1" strike="noStrike">
+                <a:solidFill>
+                  <a:srgbClr val="000000"/>
+                </a:solidFill>
+                <a:latin typeface="Arial"/>
+              </a:rPr>
+              <a:t>  </a:t>
+            </a:r>
+            <a:r>
+              <a:rPr b="0" lang="en-US" sz="2200" spc="-1" strike="noStrike">
+                <a:solidFill>
+                  <a:srgbClr val="000000"/>
+                </a:solidFill>
+                <a:latin typeface="Arial"/>
+              </a:rPr>
+              <a:t>}</a:t>
             </a:r>
             <a:endParaRPr b="0" lang="en-US" sz="2200" spc="-1" strike="noStrike">
               <a:latin typeface="Arial"/>
             </a:endParaRPr>
           </a:p>
           <a:p>
-            <a:r>
-              <a:rPr b="0" lang="en-US" sz="2200" spc="-1" strike="noStrike">
-                <a:solidFill>
-                  <a:srgbClr val="000000"/>
-                </a:solidFill>
-                <a:latin typeface="Arial"/>
-              </a:rPr>
-              <a:t>bourbonPerson.name </a:t>
-            </a:r>
-            <a:r>
-              <a:rPr b="0" lang="en-US" sz="2200" spc="-1" strike="noStrike">
-                <a:solidFill>
-                  <a:srgbClr val="666666"/>
-                </a:solidFill>
-                <a:latin typeface="Arial"/>
-              </a:rPr>
-              <a:t>=</a:t>
-            </a:r>
-            <a:r>
-              <a:rPr b="0" lang="en-US" sz="2200" spc="-1" strike="noStrike">
-                <a:solidFill>
-                  <a:srgbClr val="000000"/>
-                </a:solidFill>
-                <a:latin typeface="Arial"/>
-              </a:rPr>
-              <a:t> </a:t>
-            </a:r>
-            <a:r>
-              <a:rPr b="0" lang="en-US" sz="2200" spc="-1" strike="noStrike">
-                <a:solidFill>
-                  <a:srgbClr val="ba2121"/>
-                </a:solidFill>
-                <a:latin typeface="Arial"/>
-              </a:rPr>
-              <a:t>'Jim Beam'</a:t>
-            </a:r>
-            <a:r>
-              <a:rPr b="0" lang="en-US" sz="2200" spc="-1" strike="noStrike">
-                <a:solidFill>
-                  <a:srgbClr val="000000"/>
-                </a:solidFill>
-                <a:latin typeface="Arial"/>
-              </a:rPr>
-              <a:t>;</a:t>
+            <a:pPr>
+              <a:lnSpc>
+                <a:spcPct val="100000"/>
+              </a:lnSpc>
+              <a:spcBef>
+                <a:spcPts val="1191"/>
+              </a:spcBef>
+              <a:spcAft>
+                <a:spcPts val="992"/>
+              </a:spcAft>
+            </a:pPr>
+            <a:r>
+              <a:rPr b="0" lang="en-US" sz="2200" spc="-1" strike="noStrike">
+                <a:solidFill>
+                  <a:srgbClr val="000000"/>
+                </a:solidFill>
+                <a:latin typeface="Arial"/>
+              </a:rPr>
+              <a:t>};</a:t>
             </a:r>
             <a:endParaRPr b="0" lang="en-US" sz="2200" spc="-1" strike="noStrike">
               <a:latin typeface="Arial"/>
             </a:endParaRPr>
           </a:p>
           <a:p>
+            <a:pPr>
+              <a:lnSpc>
+                <a:spcPct val="100000"/>
+              </a:lnSpc>
+              <a:spcBef>
+                <a:spcPts val="1191"/>
+              </a:spcBef>
+              <a:spcAft>
+                <a:spcPts val="992"/>
+              </a:spcAft>
+            </a:pPr>
+            <a:r>
+              <a:rPr b="0" lang="en-US" sz="2200" spc="-1" strike="noStrike">
+                <a:solidFill>
+                  <a:srgbClr val="008000"/>
+                </a:solidFill>
+                <a:latin typeface="Arial"/>
+              </a:rPr>
+              <a:t>let</a:t>
+            </a:r>
+            <a:r>
+              <a:rPr b="0" lang="en-US" sz="2200" spc="-1" strike="noStrike">
+                <a:solidFill>
+                  <a:srgbClr val="000000"/>
+                </a:solidFill>
+                <a:latin typeface="Arial"/>
+              </a:rPr>
+              <a:t> bourbonPerson </a:t>
+            </a:r>
+            <a:r>
+              <a:rPr b="0" lang="en-US" sz="2200" spc="-1" strike="noStrike">
+                <a:solidFill>
+                  <a:srgbClr val="666666"/>
+                </a:solidFill>
+                <a:latin typeface="Arial"/>
+              </a:rPr>
+              <a:t>=</a:t>
+            </a:r>
+            <a:r>
+              <a:rPr b="0" lang="en-US" sz="2200" spc="-1" strike="noStrike">
+                <a:solidFill>
+                  <a:srgbClr val="000000"/>
+                </a:solidFill>
+                <a:latin typeface="Arial"/>
+              </a:rPr>
+              <a:t> </a:t>
+            </a:r>
+            <a:r>
+              <a:rPr b="0" lang="en-US" sz="2200" spc="-1" strike="noStrike">
+                <a:solidFill>
+                  <a:srgbClr val="008000"/>
+                </a:solidFill>
+                <a:latin typeface="Arial"/>
+              </a:rPr>
+              <a:t>new</a:t>
+            </a:r>
+            <a:r>
+              <a:rPr b="0" lang="en-US" sz="2200" spc="-1" strike="noStrike">
+                <a:solidFill>
+                  <a:srgbClr val="000000"/>
+                </a:solidFill>
+                <a:latin typeface="Arial"/>
+              </a:rPr>
+              <a:t> Person(</a:t>
+            </a:r>
+            <a:r>
+              <a:rPr b="0" lang="en-US" sz="2200" spc="-1" strike="noStrike">
+                <a:solidFill>
+                  <a:srgbClr val="ba2121"/>
+                </a:solidFill>
+                <a:latin typeface="Arial"/>
+              </a:rPr>
+              <a:t>'Jim Beam'</a:t>
+            </a:r>
+            <a:r>
+              <a:rPr b="0" lang="en-US" sz="2200" spc="-1" strike="noStrike">
+                <a:solidFill>
+                  <a:srgbClr val="000000"/>
+                </a:solidFill>
+                <a:latin typeface="Arial"/>
+              </a:rPr>
+              <a:t>);</a:t>
+            </a:r>
+            <a:endParaRPr b="0" lang="en-US" sz="2200" spc="-1" strike="noStrike">
+              <a:latin typeface="Arial"/>
+            </a:endParaRPr>
+          </a:p>
+          <a:p>
+            <a:pPr>
+              <a:lnSpc>
+                <a:spcPct val="100000"/>
+              </a:lnSpc>
+              <a:spcBef>
+                <a:spcPts val="1191"/>
+              </a:spcBef>
+              <a:spcAft>
+                <a:spcPts val="992"/>
+              </a:spcAft>
+            </a:pPr>
             <a:r>
               <a:rPr b="0" lang="en-US" sz="2200" spc="-1" strike="noStrike">
                 <a:solidFill>
@@ -15072,10 +15391,10 @@
   <p:timing>
     <p:tnLst>
       <p:par>
-        <p:cTn id="57" dur="indefinite" restart="never" nodeType="tmRoot">
+        <p:cTn id="97" dur="indefinite" restart="never" nodeType="tmRoot">
           <p:childTnLst>
             <p:seq>
-              <p:cTn id="58" dur="indefinite" nodeType="mainSeq"/>
+              <p:cTn id="98" dur="indefinite" nodeType="mainSeq"/>
               <p:prevCondLst>
                 <p:cond delay="0" evt="onPrev">
                   <p:tgtEl>
@@ -15162,7 +15481,7 @@
                 </a:solidFill>
                 <a:latin typeface="Proxima Nova Semibold"/>
               </a:rPr>
-              <a:t>Prototypal Inheritance (es2015)</a:t>
+              <a:t>Prototypal Inheritance</a:t>
             </a:r>
             <a:endParaRPr b="0" lang="en-US" sz="3200" spc="-1" strike="noStrike">
               <a:solidFill>
@@ -15175,641 +15494,7 @@
       </p:sp>
       <p:sp>
         <p:nvSpPr>
-          <p:cNvPr id="311" name="TextShape 2"/>
-          <p:cNvSpPr txBox="1"/>
-          <p:nvPr/>
-        </p:nvSpPr>
-        <p:spPr>
-          <a:xfrm>
-            <a:off x="401760" y="920160"/>
-            <a:ext cx="8930880" cy="4575960"/>
-          </a:xfrm>
-          <a:prstGeom prst="rect">
-            <a:avLst/>
-          </a:prstGeom>
-          <a:noFill/>
-          <a:ln>
-            <a:noFill/>
-          </a:ln>
-        </p:spPr>
-        <p:txBody>
-          <a:bodyPr lIns="90000" rIns="90000" tIns="45000" bIns="45000"/>
-          <a:p>
-            <a:pPr>
-              <a:lnSpc>
-                <a:spcPct val="100000"/>
-              </a:lnSpc>
-              <a:spcBef>
-                <a:spcPts val="1191"/>
-              </a:spcBef>
-              <a:spcAft>
-                <a:spcPts val="992"/>
-              </a:spcAft>
-            </a:pPr>
-            <a:r>
-              <a:rPr b="0" lang="en-US" sz="2200" spc="-1" strike="noStrike">
-                <a:solidFill>
-                  <a:srgbClr val="008000"/>
-                </a:solidFill>
-                <a:latin typeface="Arial"/>
-              </a:rPr>
-              <a:t>class</a:t>
-            </a:r>
-            <a:r>
-              <a:rPr b="0" lang="en-US" sz="2200" spc="-1" strike="noStrike">
-                <a:solidFill>
-                  <a:srgbClr val="000000"/>
-                </a:solidFill>
-                <a:latin typeface="Arial"/>
-              </a:rPr>
-              <a:t> Person{</a:t>
-            </a:r>
-            <a:endParaRPr b="0" lang="en-US" sz="2200" spc="-1" strike="noStrike">
-              <a:latin typeface="Arial"/>
-            </a:endParaRPr>
-          </a:p>
-          <a:p>
-            <a:pPr>
-              <a:lnSpc>
-                <a:spcPct val="100000"/>
-              </a:lnSpc>
-              <a:spcBef>
-                <a:spcPts val="1191"/>
-              </a:spcBef>
-              <a:spcAft>
-                <a:spcPts val="992"/>
-              </a:spcAft>
-            </a:pPr>
-            <a:r>
-              <a:rPr b="0" lang="en-US" sz="2200" spc="-1" strike="noStrike">
-                <a:solidFill>
-                  <a:srgbClr val="000000"/>
-                </a:solidFill>
-                <a:latin typeface="Arial"/>
-              </a:rPr>
-              <a:t>  </a:t>
-            </a:r>
-            <a:r>
-              <a:rPr b="0" lang="en-US" sz="2200" spc="-1" strike="noStrike">
-                <a:solidFill>
-                  <a:srgbClr val="000000"/>
-                </a:solidFill>
-                <a:latin typeface="Arial"/>
-              </a:rPr>
-              <a:t>constructor(name){</a:t>
-            </a:r>
-            <a:endParaRPr b="0" lang="en-US" sz="2200" spc="-1" strike="noStrike">
-              <a:latin typeface="Arial"/>
-            </a:endParaRPr>
-          </a:p>
-          <a:p>
-            <a:pPr>
-              <a:lnSpc>
-                <a:spcPct val="100000"/>
-              </a:lnSpc>
-              <a:spcBef>
-                <a:spcPts val="1191"/>
-              </a:spcBef>
-              <a:spcAft>
-                <a:spcPts val="992"/>
-              </a:spcAft>
-            </a:pPr>
-            <a:r>
-              <a:rPr b="0" lang="en-US" sz="2200" spc="-1" strike="noStrike">
-                <a:solidFill>
-                  <a:srgbClr val="000000"/>
-                </a:solidFill>
-                <a:latin typeface="Arial"/>
-              </a:rPr>
-              <a:t>    </a:t>
-            </a:r>
-            <a:r>
-              <a:rPr b="0" lang="en-US" sz="2200" spc="-1" strike="noStrike">
-                <a:solidFill>
-                  <a:srgbClr val="008000"/>
-                </a:solidFill>
-                <a:latin typeface="Arial"/>
-              </a:rPr>
-              <a:t>this</a:t>
-            </a:r>
-            <a:r>
-              <a:rPr b="0" lang="en-US" sz="2200" spc="-1" strike="noStrike">
-                <a:solidFill>
-                  <a:srgbClr val="000000"/>
-                </a:solidFill>
-                <a:latin typeface="Arial"/>
-              </a:rPr>
-              <a:t>.name </a:t>
-            </a:r>
-            <a:r>
-              <a:rPr b="0" lang="en-US" sz="2200" spc="-1" strike="noStrike">
-                <a:solidFill>
-                  <a:srgbClr val="666666"/>
-                </a:solidFill>
-                <a:latin typeface="Arial"/>
-              </a:rPr>
-              <a:t>=</a:t>
-            </a:r>
-            <a:r>
-              <a:rPr b="0" lang="en-US" sz="2200" spc="-1" strike="noStrike">
-                <a:solidFill>
-                  <a:srgbClr val="000000"/>
-                </a:solidFill>
-                <a:latin typeface="Arial"/>
-              </a:rPr>
-              <a:t> name;</a:t>
-            </a:r>
-            <a:endParaRPr b="0" lang="en-US" sz="2200" spc="-1" strike="noStrike">
-              <a:latin typeface="Arial"/>
-            </a:endParaRPr>
-          </a:p>
-          <a:p>
-            <a:pPr>
-              <a:lnSpc>
-                <a:spcPct val="100000"/>
-              </a:lnSpc>
-              <a:spcBef>
-                <a:spcPts val="1191"/>
-              </a:spcBef>
-              <a:spcAft>
-                <a:spcPts val="992"/>
-              </a:spcAft>
-            </a:pPr>
-            <a:r>
-              <a:rPr b="0" lang="en-US" sz="2200" spc="-1" strike="noStrike">
-                <a:solidFill>
-                  <a:srgbClr val="000000"/>
-                </a:solidFill>
-                <a:latin typeface="Arial"/>
-              </a:rPr>
-              <a:t>  </a:t>
-            </a:r>
-            <a:r>
-              <a:rPr b="0" lang="en-US" sz="2200" spc="-1" strike="noStrike">
-                <a:solidFill>
-                  <a:srgbClr val="000000"/>
-                </a:solidFill>
-                <a:latin typeface="Arial"/>
-              </a:rPr>
-              <a:t>}</a:t>
-            </a:r>
-            <a:endParaRPr b="0" lang="en-US" sz="2200" spc="-1" strike="noStrike">
-              <a:latin typeface="Arial"/>
-            </a:endParaRPr>
-          </a:p>
-          <a:p>
-            <a:pPr>
-              <a:lnSpc>
-                <a:spcPct val="100000"/>
-              </a:lnSpc>
-              <a:spcBef>
-                <a:spcPts val="1191"/>
-              </a:spcBef>
-              <a:spcAft>
-                <a:spcPts val="992"/>
-              </a:spcAft>
-            </a:pPr>
-            <a:r>
-              <a:rPr b="0" lang="en-US" sz="2200" spc="-1" strike="noStrike">
-                <a:solidFill>
-                  <a:srgbClr val="000000"/>
-                </a:solidFill>
-                <a:latin typeface="Arial"/>
-              </a:rPr>
-              <a:t>  </a:t>
-            </a:r>
-            <a:r>
-              <a:rPr b="0" lang="en-US" sz="2200" spc="-1" strike="noStrike">
-                <a:solidFill>
-                  <a:srgbClr val="000000"/>
-                </a:solidFill>
-                <a:latin typeface="Arial"/>
-              </a:rPr>
-              <a:t>greeting() {</a:t>
-            </a:r>
-            <a:endParaRPr b="0" lang="en-US" sz="2200" spc="-1" strike="noStrike">
-              <a:latin typeface="Arial"/>
-            </a:endParaRPr>
-          </a:p>
-          <a:p>
-            <a:pPr>
-              <a:lnSpc>
-                <a:spcPct val="100000"/>
-              </a:lnSpc>
-              <a:spcBef>
-                <a:spcPts val="1191"/>
-              </a:spcBef>
-              <a:spcAft>
-                <a:spcPts val="992"/>
-              </a:spcAft>
-            </a:pPr>
-            <a:r>
-              <a:rPr b="0" lang="en-US" sz="2200" spc="-1" strike="noStrike">
-                <a:solidFill>
-                  <a:srgbClr val="000000"/>
-                </a:solidFill>
-                <a:latin typeface="Arial"/>
-              </a:rPr>
-              <a:t>    </a:t>
-            </a:r>
-            <a:r>
-              <a:rPr b="0" lang="en-US" sz="2200" spc="-1" strike="noStrike">
-                <a:solidFill>
-                  <a:srgbClr val="008000"/>
-                </a:solidFill>
-                <a:latin typeface="Arial"/>
-              </a:rPr>
-              <a:t>console</a:t>
-            </a:r>
-            <a:r>
-              <a:rPr b="0" lang="en-US" sz="2200" spc="-1" strike="noStrike">
-                <a:solidFill>
-                  <a:srgbClr val="000000"/>
-                </a:solidFill>
-                <a:latin typeface="Arial"/>
-              </a:rPr>
-              <a:t>.log(</a:t>
-            </a:r>
-            <a:r>
-              <a:rPr b="0" lang="en-US" sz="2200" spc="-1" strike="noStrike">
-                <a:solidFill>
-                  <a:srgbClr val="ba2121"/>
-                </a:solidFill>
-                <a:latin typeface="Arial"/>
-              </a:rPr>
-              <a:t>`Hello, my name is </a:t>
-            </a:r>
-            <a:r>
-              <a:rPr b="0" lang="en-US" sz="2200" spc="-1" strike="noStrike">
-                <a:solidFill>
-                  <a:srgbClr val="bb6688"/>
-                </a:solidFill>
-                <a:latin typeface="Arial"/>
-              </a:rPr>
-              <a:t>${</a:t>
-            </a:r>
-            <a:r>
-              <a:rPr b="0" lang="en-US" sz="2200" spc="-1" strike="noStrike">
-                <a:solidFill>
-                  <a:srgbClr val="008000"/>
-                </a:solidFill>
-                <a:latin typeface="Arial"/>
-              </a:rPr>
-              <a:t>this</a:t>
-            </a:r>
-            <a:r>
-              <a:rPr b="0" lang="en-US" sz="2200" spc="-1" strike="noStrike">
-                <a:solidFill>
-                  <a:srgbClr val="000000"/>
-                </a:solidFill>
-                <a:latin typeface="Arial"/>
-              </a:rPr>
-              <a:t>.name </a:t>
-            </a:r>
-            <a:r>
-              <a:rPr b="0" lang="en-US" sz="2200" spc="-1" strike="noStrike">
-                <a:solidFill>
-                  <a:srgbClr val="666666"/>
-                </a:solidFill>
-                <a:latin typeface="Arial"/>
-              </a:rPr>
-              <a:t>||</a:t>
-            </a:r>
-            <a:r>
-              <a:rPr b="0" lang="en-US" sz="2200" spc="-1" strike="noStrike">
-                <a:solidFill>
-                  <a:srgbClr val="000000"/>
-                </a:solidFill>
-                <a:latin typeface="Arial"/>
-              </a:rPr>
-              <a:t> </a:t>
-            </a:r>
-            <a:r>
-              <a:rPr b="0" lang="en-US" sz="2200" spc="-1" strike="noStrike">
-                <a:solidFill>
-                  <a:srgbClr val="ba2121"/>
-                </a:solidFill>
-                <a:latin typeface="Arial"/>
-              </a:rPr>
-              <a:t>'Unnamed'</a:t>
-            </a:r>
-            <a:r>
-              <a:rPr b="0" lang="en-US" sz="2200" spc="-1" strike="noStrike">
-                <a:solidFill>
-                  <a:srgbClr val="bb6688"/>
-                </a:solidFill>
-                <a:latin typeface="Arial"/>
-              </a:rPr>
-              <a:t>}</a:t>
-            </a:r>
-            <a:r>
-              <a:rPr b="0" lang="en-US" sz="2200" spc="-1" strike="noStrike">
-                <a:solidFill>
-                  <a:srgbClr val="ba2121"/>
-                </a:solidFill>
-                <a:latin typeface="Arial"/>
-              </a:rPr>
-              <a:t>!`</a:t>
-            </a:r>
-            <a:r>
-              <a:rPr b="0" lang="en-US" sz="2200" spc="-1" strike="noStrike">
-                <a:solidFill>
-                  <a:srgbClr val="000000"/>
-                </a:solidFill>
-                <a:latin typeface="Arial"/>
-              </a:rPr>
-              <a:t>);</a:t>
-            </a:r>
-            <a:endParaRPr b="0" lang="en-US" sz="2200" spc="-1" strike="noStrike">
-              <a:latin typeface="Arial"/>
-            </a:endParaRPr>
-          </a:p>
-          <a:p>
-            <a:pPr>
-              <a:lnSpc>
-                <a:spcPct val="100000"/>
-              </a:lnSpc>
-              <a:spcBef>
-                <a:spcPts val="1191"/>
-              </a:spcBef>
-              <a:spcAft>
-                <a:spcPts val="992"/>
-              </a:spcAft>
-            </a:pPr>
-            <a:r>
-              <a:rPr b="0" lang="en-US" sz="2200" spc="-1" strike="noStrike">
-                <a:solidFill>
-                  <a:srgbClr val="000000"/>
-                </a:solidFill>
-                <a:latin typeface="Arial"/>
-              </a:rPr>
-              <a:t>  </a:t>
-            </a:r>
-            <a:r>
-              <a:rPr b="0" lang="en-US" sz="2200" spc="-1" strike="noStrike">
-                <a:solidFill>
-                  <a:srgbClr val="000000"/>
-                </a:solidFill>
-                <a:latin typeface="Arial"/>
-              </a:rPr>
-              <a:t>}</a:t>
-            </a:r>
-            <a:endParaRPr b="0" lang="en-US" sz="2200" spc="-1" strike="noStrike">
-              <a:latin typeface="Arial"/>
-            </a:endParaRPr>
-          </a:p>
-          <a:p>
-            <a:pPr>
-              <a:lnSpc>
-                <a:spcPct val="100000"/>
-              </a:lnSpc>
-              <a:spcBef>
-                <a:spcPts val="1191"/>
-              </a:spcBef>
-              <a:spcAft>
-                <a:spcPts val="992"/>
-              </a:spcAft>
-            </a:pPr>
-            <a:r>
-              <a:rPr b="0" lang="en-US" sz="2200" spc="-1" strike="noStrike">
-                <a:solidFill>
-                  <a:srgbClr val="000000"/>
-                </a:solidFill>
-                <a:latin typeface="Arial"/>
-              </a:rPr>
-              <a:t>};</a:t>
-            </a:r>
-            <a:endParaRPr b="0" lang="en-US" sz="2200" spc="-1" strike="noStrike">
-              <a:latin typeface="Arial"/>
-            </a:endParaRPr>
-          </a:p>
-          <a:p>
-            <a:pPr>
-              <a:lnSpc>
-                <a:spcPct val="100000"/>
-              </a:lnSpc>
-              <a:spcBef>
-                <a:spcPts val="1191"/>
-              </a:spcBef>
-              <a:spcAft>
-                <a:spcPts val="992"/>
-              </a:spcAft>
-            </a:pPr>
-            <a:r>
-              <a:rPr b="0" lang="en-US" sz="2200" spc="-1" strike="noStrike">
-                <a:solidFill>
-                  <a:srgbClr val="008000"/>
-                </a:solidFill>
-                <a:latin typeface="Arial"/>
-              </a:rPr>
-              <a:t>let</a:t>
-            </a:r>
-            <a:r>
-              <a:rPr b="0" lang="en-US" sz="2200" spc="-1" strike="noStrike">
-                <a:solidFill>
-                  <a:srgbClr val="000000"/>
-                </a:solidFill>
-                <a:latin typeface="Arial"/>
-              </a:rPr>
-              <a:t> bourbonPerson </a:t>
-            </a:r>
-            <a:r>
-              <a:rPr b="0" lang="en-US" sz="2200" spc="-1" strike="noStrike">
-                <a:solidFill>
-                  <a:srgbClr val="666666"/>
-                </a:solidFill>
-                <a:latin typeface="Arial"/>
-              </a:rPr>
-              <a:t>=</a:t>
-            </a:r>
-            <a:r>
-              <a:rPr b="0" lang="en-US" sz="2200" spc="-1" strike="noStrike">
-                <a:solidFill>
-                  <a:srgbClr val="000000"/>
-                </a:solidFill>
-                <a:latin typeface="Arial"/>
-              </a:rPr>
-              <a:t> </a:t>
-            </a:r>
-            <a:r>
-              <a:rPr b="0" lang="en-US" sz="2200" spc="-1" strike="noStrike">
-                <a:solidFill>
-                  <a:srgbClr val="008000"/>
-                </a:solidFill>
-                <a:latin typeface="Arial"/>
-              </a:rPr>
-              <a:t>new</a:t>
-            </a:r>
-            <a:r>
-              <a:rPr b="0" lang="en-US" sz="2200" spc="-1" strike="noStrike">
-                <a:solidFill>
-                  <a:srgbClr val="000000"/>
-                </a:solidFill>
-                <a:latin typeface="Arial"/>
-              </a:rPr>
-              <a:t> Person(</a:t>
-            </a:r>
-            <a:r>
-              <a:rPr b="0" lang="en-US" sz="2200" spc="-1" strike="noStrike">
-                <a:solidFill>
-                  <a:srgbClr val="ba2121"/>
-                </a:solidFill>
-                <a:latin typeface="Arial"/>
-              </a:rPr>
-              <a:t>'Jim Beam'</a:t>
-            </a:r>
-            <a:r>
-              <a:rPr b="0" lang="en-US" sz="2200" spc="-1" strike="noStrike">
-                <a:solidFill>
-                  <a:srgbClr val="000000"/>
-                </a:solidFill>
-                <a:latin typeface="Arial"/>
-              </a:rPr>
-              <a:t>);</a:t>
-            </a:r>
-            <a:endParaRPr b="0" lang="en-US" sz="2200" spc="-1" strike="noStrike">
-              <a:latin typeface="Arial"/>
-            </a:endParaRPr>
-          </a:p>
-          <a:p>
-            <a:pPr>
-              <a:lnSpc>
-                <a:spcPct val="100000"/>
-              </a:lnSpc>
-              <a:spcBef>
-                <a:spcPts val="1191"/>
-              </a:spcBef>
-              <a:spcAft>
-                <a:spcPts val="992"/>
-              </a:spcAft>
-            </a:pPr>
-            <a:r>
-              <a:rPr b="0" lang="en-US" sz="2200" spc="-1" strike="noStrike">
-                <a:solidFill>
-                  <a:srgbClr val="000000"/>
-                </a:solidFill>
-                <a:latin typeface="Arial"/>
-              </a:rPr>
-              <a:t>bourbonPerson.greeting();</a:t>
-            </a:r>
-            <a:endParaRPr b="0" lang="en-US" sz="2200" spc="-1" strike="noStrike">
-              <a:latin typeface="Arial"/>
-            </a:endParaRPr>
-          </a:p>
-        </p:txBody>
-      </p:sp>
-    </p:spTree>
-  </p:cSld>
-  <p:transition spd="med">
-    <p:fade/>
-  </p:transition>
-  <p:timing>
-    <p:tnLst>
-      <p:par>
-        <p:cTn id="59" dur="indefinite" restart="never" nodeType="tmRoot">
-          <p:childTnLst>
-            <p:seq>
-              <p:cTn id="60" dur="indefinite" nodeType="mainSeq"/>
-              <p:prevCondLst>
-                <p:cond delay="0" evt="onPrev">
-                  <p:tgtEl>
-                    <p:sldTgt/>
-                  </p:tgtEl>
-                </p:cond>
-              </p:prevCondLst>
-              <p:nextCondLst>
-                <p:cond delay="0" evt="onNext">
-                  <p:tgtEl>
-                    <p:sldTgt/>
-                  </p:tgtEl>
-                </p:cond>
-              </p:nextCondLst>
-            </p:seq>
-          </p:childTnLst>
-        </p:cTn>
-      </p:par>
-    </p:tnLst>
-  </p:timing>
-</p:sld>
-</file>
-
-<file path=ppt/slides/slide16.xml><?xml version="1.0" encoding="utf-8"?>
-<p:sld xmlns:a="http://schemas.openxmlformats.org/drawingml/2006/main" xmlns:p="http://schemas.openxmlformats.org/presentationml/2006/main" xmlns:r="http://schemas.openxmlformats.org/officeDocument/2006/relationships" xmlns:p14="http://schemas.microsoft.com/office/powerpoint/2010/main" xmlns:p15="http://schemas.microsoft.com/office/powerpoint/2012/main" xmlns:mc="http://schemas.openxmlformats.org/markup-compatibility/2006">
-  <p:cSld>
-    <p:bg>
-      <p:bgPr>
-        <a:solidFill>
-          <a:srgbClr val="ffffff"/>
-        </a:solidFill>
-      </p:bgPr>
-    </p:bg>
-    <p:spTree>
-      <p:nvGrpSpPr>
-        <p:cNvPr id="1" name=""/>
-        <p:cNvGrpSpPr/>
-        <p:nvPr/>
-      </p:nvGrpSpPr>
-      <p:grpSpPr>
-        <a:xfrm>
-          <a:off x="0" y="0"/>
-          <a:ext cx="0" cy="0"/>
-          <a:chOff x="0" y="0"/>
-          <a:chExt cx="0" cy="0"/>
-        </a:xfrm>
-      </p:grpSpPr>
-      <p:sp>
-        <p:nvSpPr>
-          <p:cNvPr id="312" name="TextShape 1"/>
-          <p:cNvSpPr txBox="1"/>
-          <p:nvPr/>
-        </p:nvSpPr>
-        <p:spPr>
-          <a:xfrm>
-            <a:off x="274320" y="352440"/>
-            <a:ext cx="6211440" cy="561960"/>
-          </a:xfrm>
-          <a:prstGeom prst="rect">
-            <a:avLst/>
-          </a:prstGeom>
-          <a:noFill/>
-          <a:ln>
-            <a:noFill/>
-          </a:ln>
-        </p:spPr>
-        <p:txBody>
-          <a:bodyPr rIns="0" anchor="b">
-            <a:normAutofit/>
-          </a:bodyPr>
-          <a:p>
-            <a:pPr>
-              <a:lnSpc>
-                <a:spcPct val="90000"/>
-              </a:lnSpc>
-              <a:spcBef>
-                <a:spcPts val="601"/>
-              </a:spcBef>
-            </a:pPr>
-            <a:r>
-              <a:rPr b="0" lang="en-US" sz="3200" spc="-1" strike="noStrike">
-                <a:solidFill>
-                  <a:srgbClr val="007dc1"/>
-                </a:solidFill>
-                <a:latin typeface="Proxima Nova Semibold"/>
-              </a:rPr>
-              <a:t>Prototypal Inheritance</a:t>
-            </a:r>
-            <a:endParaRPr b="0" lang="en-US" sz="3200" spc="-1" strike="noStrike">
-              <a:solidFill>
-                <a:srgbClr val="5d5d5d"/>
-              </a:solidFill>
-              <a:latin typeface="Proxima Nova"/>
-            </a:endParaRPr>
-          </a:p>
-        </p:txBody>
-      </p:sp>
-      <p:sp>
-        <p:nvSpPr>
-          <p:cNvPr id="313" name="CustomShape 2"/>
+          <p:cNvPr id="311" name="CustomShape 2"/>
           <p:cNvSpPr/>
           <p:nvPr/>
         </p:nvSpPr>
@@ -15854,7 +15539,7 @@
       </p:sp>
       <p:sp>
         <p:nvSpPr>
-          <p:cNvPr id="314" name="CustomShape 3"/>
+          <p:cNvPr id="312" name="CustomShape 3"/>
           <p:cNvSpPr/>
           <p:nvPr/>
         </p:nvSpPr>
@@ -15899,7 +15584,7 @@
       </p:sp>
       <p:sp>
         <p:nvSpPr>
-          <p:cNvPr id="315" name="TextShape 4"/>
+          <p:cNvPr id="313" name="TextShape 4"/>
           <p:cNvSpPr txBox="1"/>
           <p:nvPr/>
         </p:nvSpPr>
@@ -15933,7 +15618,7 @@
       </p:sp>
       <p:sp>
         <p:nvSpPr>
-          <p:cNvPr id="316" name="CustomShape 5"/>
+          <p:cNvPr id="314" name="CustomShape 5"/>
           <p:cNvSpPr/>
           <p:nvPr/>
         </p:nvSpPr>
@@ -15978,7 +15663,7 @@
       </p:sp>
       <p:sp>
         <p:nvSpPr>
-          <p:cNvPr id="317" name="CustomShape 6"/>
+          <p:cNvPr id="315" name="CustomShape 6"/>
           <p:cNvSpPr/>
           <p:nvPr/>
         </p:nvSpPr>
@@ -16046,7 +15731,7 @@
       </p:sp>
       <p:sp>
         <p:nvSpPr>
-          <p:cNvPr id="318" name="CustomShape 7"/>
+          <p:cNvPr id="316" name="CustomShape 7"/>
           <p:cNvSpPr/>
           <p:nvPr/>
         </p:nvSpPr>
@@ -16114,10 +15799,10 @@
       </p:sp>
       <p:cxnSp>
         <p:nvCxnSpPr>
-          <p:cNvPr id="319" name="Line 8"/>
+          <p:cNvPr id="317" name="Line 8"/>
           <p:cNvCxnSpPr>
-            <a:stCxn id="317" idx="1"/>
-            <a:endCxn id="314" idx="3"/>
+            <a:stCxn id="315" idx="1"/>
+            <a:endCxn id="312" idx="3"/>
           </p:cNvCxnSpPr>
           <p:nvPr/>
         </p:nvCxnSpPr>
@@ -16139,10 +15824,10 @@
       </p:cxnSp>
       <p:cxnSp>
         <p:nvCxnSpPr>
-          <p:cNvPr id="320" name="Line 9"/>
+          <p:cNvPr id="318" name="Line 9"/>
           <p:cNvCxnSpPr>
-            <a:stCxn id="314" idx="0"/>
-            <a:endCxn id="313" idx="3"/>
+            <a:stCxn id="312" idx="0"/>
+            <a:endCxn id="311" idx="3"/>
           </p:cNvCxnSpPr>
           <p:nvPr/>
         </p:nvCxnSpPr>
@@ -16164,10 +15849,10 @@
       </p:cxnSp>
       <p:cxnSp>
         <p:nvCxnSpPr>
-          <p:cNvPr id="321" name="Line 10"/>
+          <p:cNvPr id="319" name="Line 10"/>
           <p:cNvCxnSpPr>
-            <a:stCxn id="318" idx="1"/>
-            <a:endCxn id="316" idx="3"/>
+            <a:stCxn id="316" idx="1"/>
+            <a:endCxn id="314" idx="3"/>
           </p:cNvCxnSpPr>
           <p:nvPr/>
         </p:nvCxnSpPr>
@@ -16189,7 +15874,7 @@
       </p:cxnSp>
       <p:sp>
         <p:nvSpPr>
-          <p:cNvPr id="322" name="CustomShape 11"/>
+          <p:cNvPr id="320" name="CustomShape 11"/>
           <p:cNvSpPr/>
           <p:nvPr/>
         </p:nvSpPr>
@@ -16260,10 +15945,10 @@
       </p:sp>
       <p:cxnSp>
         <p:nvCxnSpPr>
-          <p:cNvPr id="323" name="Line 12"/>
+          <p:cNvPr id="321" name="Line 12"/>
           <p:cNvCxnSpPr>
-            <a:stCxn id="322" idx="1"/>
-            <a:endCxn id="316" idx="2"/>
+            <a:stCxn id="320" idx="1"/>
+            <a:endCxn id="314" idx="2"/>
           </p:cNvCxnSpPr>
           <p:nvPr/>
         </p:nvCxnSpPr>
@@ -16285,10 +15970,10 @@
       </p:cxnSp>
       <p:cxnSp>
         <p:nvCxnSpPr>
-          <p:cNvPr id="324" name="Line 13"/>
+          <p:cNvPr id="322" name="Line 13"/>
           <p:cNvCxnSpPr>
-            <a:stCxn id="316" idx="0"/>
-            <a:endCxn id="313" idx="2"/>
+            <a:stCxn id="314" idx="0"/>
+            <a:endCxn id="311" idx="2"/>
           </p:cNvCxnSpPr>
           <p:nvPr/>
         </p:nvCxnSpPr>
@@ -16316,10 +16001,170 @@
   <p:timing>
     <p:tnLst>
       <p:par>
-        <p:cTn id="61" dur="indefinite" restart="never" nodeType="tmRoot">
+        <p:cTn id="99" dur="indefinite" restart="never" nodeType="tmRoot">
           <p:childTnLst>
             <p:seq>
-              <p:cTn id="62" dur="indefinite" nodeType="mainSeq"/>
+              <p:cTn id="100" dur="indefinite" nodeType="mainSeq"/>
+              <p:prevCondLst>
+                <p:cond delay="0" evt="onPrev">
+                  <p:tgtEl>
+                    <p:sldTgt/>
+                  </p:tgtEl>
+                </p:cond>
+              </p:prevCondLst>
+              <p:nextCondLst>
+                <p:cond delay="0" evt="onNext">
+                  <p:tgtEl>
+                    <p:sldTgt/>
+                  </p:tgtEl>
+                </p:cond>
+              </p:nextCondLst>
+            </p:seq>
+          </p:childTnLst>
+        </p:cTn>
+      </p:par>
+    </p:tnLst>
+  </p:timing>
+</p:sld>
+</file>
+
+<file path=ppt/slides/slide16.xml><?xml version="1.0" encoding="utf-8"?>
+<p:sld xmlns:a="http://schemas.openxmlformats.org/drawingml/2006/main" xmlns:p="http://schemas.openxmlformats.org/presentationml/2006/main" xmlns:r="http://schemas.openxmlformats.org/officeDocument/2006/relationships" xmlns:p14="http://schemas.microsoft.com/office/powerpoint/2010/main" xmlns:p15="http://schemas.microsoft.com/office/powerpoint/2012/main" xmlns:mc="http://schemas.openxmlformats.org/markup-compatibility/2006">
+  <p:cSld>
+    <p:spTree>
+      <p:nvGrpSpPr>
+        <p:cNvPr id="1" name=""/>
+        <p:cNvGrpSpPr/>
+        <p:nvPr/>
+      </p:nvGrpSpPr>
+      <p:grpSpPr>
+        <a:xfrm>
+          <a:off x="0" y="0"/>
+          <a:ext cx="0" cy="0"/>
+          <a:chOff x="0" y="0"/>
+          <a:chExt cx="0" cy="0"/>
+        </a:xfrm>
+      </p:grpSpPr>
+      <p:pic>
+        <p:nvPicPr>
+          <p:cNvPr id="323" name="" descr=""/>
+          <p:cNvPicPr/>
+          <p:nvPr/>
+        </p:nvPicPr>
+        <p:blipFill>
+          <a:blip r:embed="rId1"/>
+          <a:stretch/>
+        </p:blipFill>
+        <p:spPr>
+          <a:xfrm>
+            <a:off x="731520" y="244080"/>
+            <a:ext cx="8595360" cy="4480560"/>
+          </a:xfrm>
+          <a:prstGeom prst="rect">
+            <a:avLst/>
+          </a:prstGeom>
+          <a:ln>
+            <a:noFill/>
+          </a:ln>
+          <a:effectLst>
+            <a:outerShdw dist="25560" dir="5400000">
+              <a:srgbClr val="000000">
+                <a:alpha val="50000"/>
+              </a:srgbClr>
+            </a:outerShdw>
+          </a:effectLst>
+        </p:spPr>
+      </p:pic>
+      <p:pic>
+        <p:nvPicPr>
+          <p:cNvPr id="324" name="Joker-Why-So-Serious.jpg" descr=""/>
+          <p:cNvPicPr/>
+          <p:nvPr/>
+        </p:nvPicPr>
+        <p:blipFill>
+          <a:blip r:embed="rId2"/>
+          <a:stretch/>
+        </p:blipFill>
+        <p:spPr>
+          <a:xfrm>
+            <a:off x="3360240" y="395640"/>
+            <a:ext cx="3357720" cy="4140720"/>
+          </a:xfrm>
+          <a:prstGeom prst="rect">
+            <a:avLst/>
+          </a:prstGeom>
+          <a:ln w="12600">
+            <a:noFill/>
+          </a:ln>
+        </p:spPr>
+      </p:pic>
+      <p:sp>
+        <p:nvSpPr>
+          <p:cNvPr id="325" name="TextShape 1"/>
+          <p:cNvSpPr txBox="1"/>
+          <p:nvPr/>
+        </p:nvSpPr>
+        <p:spPr>
+          <a:xfrm>
+            <a:off x="2194560" y="4760640"/>
+            <a:ext cx="6492240" cy="817200"/>
+          </a:xfrm>
+          <a:prstGeom prst="rect">
+            <a:avLst/>
+          </a:prstGeom>
+          <a:noFill/>
+          <a:ln>
+            <a:noFill/>
+          </a:ln>
+        </p:spPr>
+        <p:txBody>
+          <a:bodyPr lIns="90000" rIns="90000" tIns="45000" bIns="45000"/>
+          <a:p>
+            <a:r>
+              <a:rPr b="0" lang="en-US" sz="4400" spc="-1" strike="noStrike">
+                <a:solidFill>
+                  <a:srgbClr val="ffffff"/>
+                </a:solidFill>
+                <a:latin typeface="Arial"/>
+              </a:rPr>
+              <a:t>Why so </a:t>
+            </a:r>
+            <a:r>
+              <a:rPr b="0" lang="en-US" sz="4400" spc="-1" strike="noStrike">
+                <a:solidFill>
+                  <a:srgbClr val="00508f"/>
+                </a:solidFill>
+                <a:latin typeface="Arial"/>
+              </a:rPr>
+              <a:t>Async</a:t>
+            </a:r>
+            <a:r>
+              <a:rPr b="0" lang="en-US" sz="4400" spc="-1" strike="noStrike">
+                <a:solidFill>
+                  <a:srgbClr val="ffffff"/>
+                </a:solidFill>
+                <a:latin typeface="Arial"/>
+              </a:rPr>
+              <a:t>hronous?</a:t>
+            </a:r>
+            <a:endParaRPr b="0" lang="en-US" sz="4400" spc="-1" strike="noStrike">
+              <a:latin typeface="Arial"/>
+            </a:endParaRPr>
+          </a:p>
+        </p:txBody>
+      </p:sp>
+    </p:spTree>
+  </p:cSld>
+  <p:transition spd="med">
+    <p:fade/>
+  </p:transition>
+  <p:timing>
+    <p:tnLst>
+      <p:par>
+        <p:cTn id="101" dur="indefinite" restart="never" nodeType="tmRoot">
+          <p:childTnLst>
+            <p:seq>
+              <p:cTn id="102" dur="indefinite" nodeType="mainSeq"/>
               <p:prevCondLst>
                 <p:cond delay="0" evt="onPrev">
                   <p:tgtEl>
@@ -16369,7 +16214,7 @@
       </p:grpSpPr>
       <p:sp>
         <p:nvSpPr>
-          <p:cNvPr id="325" name="TextShape 1"/>
+          <p:cNvPr id="326" name="TextShape 1"/>
           <p:cNvSpPr txBox="1"/>
           <p:nvPr/>
         </p:nvSpPr>
@@ -16419,7 +16264,7 @@
       </p:sp>
       <p:sp>
         <p:nvSpPr>
-          <p:cNvPr id="326" name="TextShape 2"/>
+          <p:cNvPr id="327" name="TextShape 2"/>
           <p:cNvSpPr txBox="1"/>
           <p:nvPr/>
         </p:nvSpPr>
@@ -16961,10 +16806,10 @@
   <p:timing>
     <p:tnLst>
       <p:par>
-        <p:cTn id="63" dur="indefinite" restart="never" nodeType="tmRoot">
+        <p:cTn id="103" dur="indefinite" restart="never" nodeType="tmRoot">
           <p:childTnLst>
             <p:seq>
-              <p:cTn id="64" dur="indefinite" nodeType="mainSeq"/>
+              <p:cTn id="104" dur="indefinite" nodeType="mainSeq"/>
               <p:prevCondLst>
                 <p:cond delay="0" evt="onPrev">
                   <p:tgtEl>
@@ -17014,7 +16859,7 @@
       </p:grpSpPr>
       <p:sp>
         <p:nvSpPr>
-          <p:cNvPr id="327" name="TextShape 1"/>
+          <p:cNvPr id="328" name="TextShape 1"/>
           <p:cNvSpPr txBox="1"/>
           <p:nvPr/>
         </p:nvSpPr>
@@ -17082,7 +16927,7 @@
       </p:sp>
       <p:sp>
         <p:nvSpPr>
-          <p:cNvPr id="328" name="TextShape 2"/>
+          <p:cNvPr id="329" name="TextShape 2"/>
           <p:cNvSpPr txBox="1"/>
           <p:nvPr/>
         </p:nvSpPr>
@@ -17486,10 +17331,10 @@
   <p:timing>
     <p:tnLst>
       <p:par>
-        <p:cTn id="65" dur="indefinite" restart="never" nodeType="tmRoot">
+        <p:cTn id="105" dur="indefinite" restart="never" nodeType="tmRoot">
           <p:childTnLst>
             <p:seq>
-              <p:cTn id="66" dur="indefinite" nodeType="mainSeq"/>
+              <p:cTn id="106" dur="indefinite" nodeType="mainSeq"/>
               <p:prevCondLst>
                 <p:cond delay="0" evt="onPrev">
                   <p:tgtEl>
@@ -17539,7 +17384,7 @@
       </p:grpSpPr>
       <p:sp>
         <p:nvSpPr>
-          <p:cNvPr id="329" name="TextShape 1"/>
+          <p:cNvPr id="330" name="TextShape 1"/>
           <p:cNvSpPr txBox="1"/>
           <p:nvPr/>
         </p:nvSpPr>
@@ -17589,13 +17434,13 @@
       </p:sp>
       <p:sp>
         <p:nvSpPr>
-          <p:cNvPr id="330" name="CustomShape 2"/>
+          <p:cNvPr id="331" name="CustomShape 2"/>
           <p:cNvSpPr/>
           <p:nvPr/>
         </p:nvSpPr>
         <p:spPr>
           <a:xfrm>
-            <a:off x="182880" y="737280"/>
+            <a:off x="326880" y="737280"/>
             <a:ext cx="11993760" cy="1320120"/>
           </a:xfrm>
           <a:prstGeom prst="rect">
@@ -17658,13 +17503,13 @@
       </p:sp>
       <p:sp>
         <p:nvSpPr>
-          <p:cNvPr id="331" name="CustomShape 3"/>
+          <p:cNvPr id="332" name="CustomShape 3"/>
           <p:cNvSpPr/>
           <p:nvPr/>
         </p:nvSpPr>
         <p:spPr>
           <a:xfrm>
-            <a:off x="182880" y="1753200"/>
+            <a:off x="362880" y="1753200"/>
             <a:ext cx="11993760" cy="1839600"/>
           </a:xfrm>
           <a:prstGeom prst="rect">
@@ -17807,13 +17652,13 @@
       </p:sp>
       <p:sp>
         <p:nvSpPr>
-          <p:cNvPr id="332" name="CustomShape 4"/>
+          <p:cNvPr id="333" name="CustomShape 4"/>
           <p:cNvSpPr/>
           <p:nvPr/>
         </p:nvSpPr>
         <p:spPr>
           <a:xfrm>
-            <a:off x="182880" y="3429360"/>
+            <a:off x="326880" y="3429360"/>
             <a:ext cx="11993760" cy="1839600"/>
           </a:xfrm>
           <a:prstGeom prst="rect">
@@ -17972,10 +17817,10 @@
   <p:timing>
     <p:tnLst>
       <p:par>
-        <p:cTn id="67" dur="indefinite" restart="never" nodeType="tmRoot">
+        <p:cTn id="107" dur="indefinite" restart="never" nodeType="tmRoot">
           <p:childTnLst>
             <p:seq>
-              <p:cTn id="68" dur="indefinite" nodeType="mainSeq"/>
+              <p:cTn id="108" dur="indefinite" nodeType="mainSeq"/>
               <p:prevCondLst>
                 <p:cond delay="0" evt="onPrev">
                   <p:tgtEl>
@@ -18137,7 +17982,7 @@
       </p:grpSpPr>
       <p:sp>
         <p:nvSpPr>
-          <p:cNvPr id="333" name="TextShape 1"/>
+          <p:cNvPr id="334" name="TextShape 1"/>
           <p:cNvSpPr txBox="1"/>
           <p:nvPr/>
         </p:nvSpPr>
@@ -18187,7 +18032,7 @@
       </p:sp>
       <p:sp>
         <p:nvSpPr>
-          <p:cNvPr id="334" name="CustomShape 2"/>
+          <p:cNvPr id="335" name="CustomShape 2"/>
           <p:cNvSpPr/>
           <p:nvPr/>
         </p:nvSpPr>
@@ -18346,7 +18191,7 @@
       </p:sp>
       <p:sp>
         <p:nvSpPr>
-          <p:cNvPr id="335" name="TextShape 3"/>
+          <p:cNvPr id="336" name="TextShape 3"/>
           <p:cNvSpPr txBox="1"/>
           <p:nvPr/>
         </p:nvSpPr>
@@ -18471,10 +18316,10 @@
   <p:timing>
     <p:tnLst>
       <p:par>
-        <p:cTn id="69" dur="indefinite" restart="never" nodeType="tmRoot">
+        <p:cTn id="109" dur="indefinite" restart="never" nodeType="tmRoot">
           <p:childTnLst>
             <p:seq>
-              <p:cTn id="70" dur="indefinite" nodeType="mainSeq"/>
+              <p:cTn id="110" dur="indefinite" nodeType="mainSeq"/>
               <p:prevCondLst>
                 <p:cond delay="0" evt="onPrev">
                   <p:tgtEl>
@@ -18524,7 +18369,7 @@
       </p:grpSpPr>
       <p:sp>
         <p:nvSpPr>
-          <p:cNvPr id="336" name="TextShape 1"/>
+          <p:cNvPr id="337" name="TextShape 1"/>
           <p:cNvSpPr txBox="1"/>
           <p:nvPr/>
         </p:nvSpPr>
@@ -18574,7 +18419,7 @@
       </p:sp>
       <p:sp>
         <p:nvSpPr>
-          <p:cNvPr id="337" name="TextShape 2"/>
+          <p:cNvPr id="338" name="TextShape 2"/>
           <p:cNvSpPr txBox="1"/>
           <p:nvPr/>
         </p:nvSpPr>
@@ -18884,10 +18729,10 @@
   <p:timing>
     <p:tnLst>
       <p:par>
-        <p:cTn id="71" dur="indefinite" restart="never" nodeType="tmRoot">
+        <p:cTn id="111" dur="indefinite" restart="never" nodeType="tmRoot">
           <p:childTnLst>
             <p:seq>
-              <p:cTn id="72" dur="indefinite" nodeType="mainSeq"/>
+              <p:cTn id="112" dur="indefinite" nodeType="mainSeq"/>
               <p:prevCondLst>
                 <p:cond delay="0" evt="onPrev">
                   <p:tgtEl>
@@ -18937,7 +18782,7 @@
       </p:grpSpPr>
       <p:sp>
         <p:nvSpPr>
-          <p:cNvPr id="338" name="TextShape 1"/>
+          <p:cNvPr id="339" name="TextShape 1"/>
           <p:cNvSpPr txBox="1"/>
           <p:nvPr/>
         </p:nvSpPr>
@@ -18987,7 +18832,7 @@
       </p:sp>
       <p:sp>
         <p:nvSpPr>
-          <p:cNvPr id="339" name="TextShape 2"/>
+          <p:cNvPr id="340" name="TextShape 2"/>
           <p:cNvSpPr txBox="1"/>
           <p:nvPr/>
         </p:nvSpPr>
@@ -19257,10 +19102,10 @@
   <p:timing>
     <p:tnLst>
       <p:par>
-        <p:cTn id="73" dur="indefinite" restart="never" nodeType="tmRoot">
+        <p:cTn id="113" dur="indefinite" restart="never" nodeType="tmRoot">
           <p:childTnLst>
             <p:seq>
-              <p:cTn id="74" dur="indefinite" nodeType="mainSeq"/>
+              <p:cTn id="114" dur="indefinite" nodeType="mainSeq"/>
               <p:prevCondLst>
                 <p:cond delay="0" evt="onPrev">
                   <p:tgtEl>
@@ -19310,7 +19155,7 @@
       </p:grpSpPr>
       <p:sp>
         <p:nvSpPr>
-          <p:cNvPr id="340" name="TextShape 1"/>
+          <p:cNvPr id="341" name="TextShape 1"/>
           <p:cNvSpPr txBox="1"/>
           <p:nvPr/>
         </p:nvSpPr>
@@ -19360,7 +19205,7 @@
       </p:sp>
       <p:sp>
         <p:nvSpPr>
-          <p:cNvPr id="341" name="TextShape 2"/>
+          <p:cNvPr id="342" name="TextShape 2"/>
           <p:cNvSpPr txBox="1"/>
           <p:nvPr/>
         </p:nvSpPr>
@@ -19612,10 +19457,10 @@
   <p:timing>
     <p:tnLst>
       <p:par>
-        <p:cTn id="75" dur="indefinite" restart="never" nodeType="tmRoot">
+        <p:cTn id="115" dur="indefinite" restart="never" nodeType="tmRoot">
           <p:childTnLst>
             <p:seq>
-              <p:cTn id="76" dur="indefinite" nodeType="mainSeq"/>
+              <p:cTn id="116" dur="indefinite" nodeType="mainSeq"/>
               <p:prevCondLst>
                 <p:cond delay="0" evt="onPrev">
                   <p:tgtEl>
@@ -19642,13 +19487,6 @@
 <file path=ppt/slides/slide24.xml><?xml version="1.0" encoding="utf-8"?>
 <p:sld xmlns:a="http://schemas.openxmlformats.org/drawingml/2006/main" xmlns:p="http://schemas.openxmlformats.org/presentationml/2006/main" xmlns:r="http://schemas.openxmlformats.org/officeDocument/2006/relationships" xmlns:p14="http://schemas.microsoft.com/office/powerpoint/2010/main" xmlns:p15="http://schemas.microsoft.com/office/powerpoint/2012/main" xmlns:mc="http://schemas.openxmlformats.org/markup-compatibility/2006">
   <p:cSld>
-    <p:bg>
-      <p:bgPr>
-        <a:solidFill>
-          <a:srgbClr val="ffffff"/>
-        </a:solidFill>
-      </p:bgPr>
-    </p:bg>
     <p:spTree>
       <p:nvGrpSpPr>
         <p:cNvPr id="1" name=""/>
@@ -19665,14 +19503,14 @@
       </p:grpSpPr>
       <p:sp>
         <p:nvSpPr>
-          <p:cNvPr id="342" name="TextShape 1"/>
+          <p:cNvPr id="343" name="TextShape 1"/>
           <p:cNvSpPr txBox="1"/>
           <p:nvPr/>
         </p:nvSpPr>
         <p:spPr>
           <a:xfrm>
-            <a:off x="274320" y="352440"/>
-            <a:ext cx="6211440" cy="561960"/>
+            <a:off x="2360880" y="2377440"/>
+            <a:ext cx="5760720" cy="855360"/>
           </a:xfrm>
           <a:prstGeom prst="rect">
             <a:avLst/>
@@ -19683,332 +19521,19 @@
           </a:ln>
         </p:spPr>
         <p:txBody>
-          <a:bodyPr rIns="0" anchor="b">
-            <a:normAutofit/>
-          </a:bodyPr>
-          <a:p>
-            <a:pPr>
-              <a:lnSpc>
-                <a:spcPct val="90000"/>
-              </a:lnSpc>
-              <a:spcBef>
-                <a:spcPts val="601"/>
-              </a:spcBef>
-            </a:pPr>
-            <a:r>
-              <a:rPr b="0" lang="en-US" sz="3200" spc="-1" strike="noStrike">
-                <a:solidFill>
-                  <a:srgbClr val="007dc1"/>
-                </a:solidFill>
-                <a:latin typeface="Proxima Nova Semibold"/>
-              </a:rPr>
-              <a:t>All Together Now</a:t>
-            </a:r>
-            <a:endParaRPr b="0" lang="en-US" sz="3200" spc="-1" strike="noStrike">
-              <a:solidFill>
-                <a:srgbClr val="5d5d5d"/>
-              </a:solidFill>
-              <a:latin typeface="Proxima Nova"/>
-            </a:endParaRPr>
-          </a:p>
-        </p:txBody>
-      </p:sp>
-      <p:sp>
-        <p:nvSpPr>
-          <p:cNvPr id="343" name="TextShape 2"/>
-          <p:cNvSpPr txBox="1"/>
-          <p:nvPr/>
-        </p:nvSpPr>
-        <p:spPr>
-          <a:xfrm>
-            <a:off x="3006000" y="1881720"/>
-            <a:ext cx="3749040" cy="3184920"/>
-          </a:xfrm>
-          <a:prstGeom prst="rect">
-            <a:avLst/>
-          </a:prstGeom>
-          <a:noFill/>
-          <a:ln>
-            <a:noFill/>
-          </a:ln>
-        </p:spPr>
-        <p:txBody>
           <a:bodyPr lIns="90000" rIns="90000" tIns="45000" bIns="45000"/>
           <a:p>
-            <a:r>
-              <a:rPr b="0" lang="en-US" sz="2200" spc="-1" strike="noStrike">
-                <a:solidFill>
-                  <a:srgbClr val="008000"/>
-                </a:solidFill>
-                <a:latin typeface="Arial"/>
-              </a:rPr>
-              <a:t>let</a:t>
-            </a:r>
-            <a:r>
-              <a:rPr b="0" lang="en-US" sz="2200" spc="-1" strike="noStrike">
-                <a:solidFill>
-                  <a:srgbClr val="000000"/>
-                </a:solidFill>
-                <a:latin typeface="Arial"/>
-              </a:rPr>
-              <a:t> numbers </a:t>
-            </a:r>
-            <a:r>
-              <a:rPr b="0" lang="en-US" sz="2200" spc="-1" strike="noStrike">
-                <a:solidFill>
-                  <a:srgbClr val="666666"/>
-                </a:solidFill>
-                <a:latin typeface="Arial"/>
-              </a:rPr>
-              <a:t>=</a:t>
-            </a:r>
-            <a:r>
-              <a:rPr b="0" lang="en-US" sz="2200" spc="-1" strike="noStrike">
-                <a:solidFill>
-                  <a:srgbClr val="000000"/>
-                </a:solidFill>
-                <a:latin typeface="Arial"/>
-              </a:rPr>
-              <a:t> [</a:t>
-            </a:r>
-            <a:r>
-              <a:rPr b="0" lang="en-US" sz="2200" spc="-1" strike="noStrike">
-                <a:solidFill>
-                  <a:srgbClr val="666666"/>
-                </a:solidFill>
-                <a:latin typeface="Arial"/>
-              </a:rPr>
-              <a:t>1</a:t>
-            </a:r>
-            <a:r>
-              <a:rPr b="0" lang="en-US" sz="2200" spc="-1" strike="noStrike">
-                <a:solidFill>
-                  <a:srgbClr val="000000"/>
-                </a:solidFill>
-                <a:latin typeface="Arial"/>
-              </a:rPr>
-              <a:t>, </a:t>
-            </a:r>
-            <a:r>
-              <a:rPr b="0" lang="en-US" sz="2200" spc="-1" strike="noStrike">
-                <a:solidFill>
-                  <a:srgbClr val="666666"/>
-                </a:solidFill>
-                <a:latin typeface="Arial"/>
-              </a:rPr>
-              <a:t>2</a:t>
-            </a:r>
-            <a:r>
-              <a:rPr b="0" lang="en-US" sz="2200" spc="-1" strike="noStrike">
-                <a:solidFill>
-                  <a:srgbClr val="000000"/>
-                </a:solidFill>
-                <a:latin typeface="Arial"/>
-              </a:rPr>
-              <a:t>, </a:t>
-            </a:r>
-            <a:r>
-              <a:rPr b="0" lang="en-US" sz="2200" spc="-1" strike="noStrike">
-                <a:solidFill>
-                  <a:srgbClr val="666666"/>
-                </a:solidFill>
-                <a:latin typeface="Arial"/>
-              </a:rPr>
-              <a:t>3</a:t>
-            </a:r>
-            <a:r>
-              <a:rPr b="0" lang="en-US" sz="2200" spc="-1" strike="noStrike">
-                <a:solidFill>
-                  <a:srgbClr val="000000"/>
-                </a:solidFill>
-                <a:latin typeface="Arial"/>
-              </a:rPr>
-              <a:t>, </a:t>
-            </a:r>
-            <a:r>
-              <a:rPr b="0" lang="en-US" sz="2200" spc="-1" strike="noStrike">
-                <a:solidFill>
-                  <a:srgbClr val="666666"/>
-                </a:solidFill>
-                <a:latin typeface="Arial"/>
-              </a:rPr>
-              <a:t>4</a:t>
-            </a:r>
-            <a:r>
-              <a:rPr b="0" lang="en-US" sz="2200" spc="-1" strike="noStrike">
-                <a:solidFill>
-                  <a:srgbClr val="000000"/>
-                </a:solidFill>
-                <a:latin typeface="Arial"/>
-              </a:rPr>
-              <a:t>, </a:t>
-            </a:r>
-            <a:r>
-              <a:rPr b="0" lang="en-US" sz="2200" spc="-1" strike="noStrike">
-                <a:solidFill>
-                  <a:srgbClr val="666666"/>
-                </a:solidFill>
-                <a:latin typeface="Arial"/>
-              </a:rPr>
-              <a:t>5</a:t>
-            </a:r>
-            <a:r>
-              <a:rPr b="0" lang="en-US" sz="2200" spc="-1" strike="noStrike">
-                <a:solidFill>
-                  <a:srgbClr val="000000"/>
-                </a:solidFill>
-                <a:latin typeface="Arial"/>
-              </a:rPr>
-              <a:t>];</a:t>
-            </a:r>
-            <a:endParaRPr b="0" lang="en-US" sz="2200" spc="-1" strike="noStrike">
-              <a:latin typeface="Arial"/>
-            </a:endParaRPr>
-          </a:p>
-          <a:p>
-            <a:r>
-              <a:rPr b="0" lang="en-US" sz="2200" spc="-1" strike="noStrike">
-                <a:solidFill>
-                  <a:srgbClr val="008000"/>
-                </a:solidFill>
-                <a:latin typeface="Arial"/>
-              </a:rPr>
-              <a:t>let</a:t>
-            </a:r>
-            <a:r>
-              <a:rPr b="0" lang="en-US" sz="2200" spc="-1" strike="noStrike">
-                <a:solidFill>
-                  <a:srgbClr val="000000"/>
-                </a:solidFill>
-                <a:latin typeface="Arial"/>
-              </a:rPr>
-              <a:t> [a, b, ...c] </a:t>
-            </a:r>
-            <a:r>
-              <a:rPr b="0" lang="en-US" sz="2200" spc="-1" strike="noStrike">
-                <a:solidFill>
-                  <a:srgbClr val="666666"/>
-                </a:solidFill>
-                <a:latin typeface="Arial"/>
-              </a:rPr>
-              <a:t>=</a:t>
-            </a:r>
-            <a:r>
-              <a:rPr b="0" lang="en-US" sz="2200" spc="-1" strike="noStrike">
-                <a:solidFill>
-                  <a:srgbClr val="000000"/>
-                </a:solidFill>
-                <a:latin typeface="Arial"/>
-              </a:rPr>
-              <a:t> numbers</a:t>
-            </a:r>
-            <a:endParaRPr b="0" lang="en-US" sz="2200" spc="-1" strike="noStrike">
-              <a:latin typeface="Arial"/>
-            </a:endParaRPr>
-          </a:p>
-          <a:p>
-            <a:endParaRPr b="0" lang="en-US" sz="2200" spc="-1" strike="noStrike">
-              <a:latin typeface="Arial"/>
-            </a:endParaRPr>
-          </a:p>
-          <a:p>
-            <a:r>
-              <a:rPr b="0" lang="en-US" sz="2200" spc="-1" strike="noStrike">
-                <a:solidFill>
-                  <a:srgbClr val="008000"/>
-                </a:solidFill>
-                <a:latin typeface="Arial"/>
-              </a:rPr>
-              <a:t>console</a:t>
-            </a:r>
-            <a:r>
-              <a:rPr b="0" lang="en-US" sz="2200" spc="-1" strike="noStrike">
-                <a:solidFill>
-                  <a:srgbClr val="000000"/>
-                </a:solidFill>
-                <a:latin typeface="Arial"/>
-              </a:rPr>
-              <a:t>.log(a); </a:t>
-            </a:r>
-            <a:r>
-              <a:rPr b="0" lang="en-US" sz="2200" spc="-1" strike="noStrike">
-                <a:solidFill>
-                  <a:srgbClr val="408080"/>
-                </a:solidFill>
-                <a:latin typeface="Arial"/>
-              </a:rPr>
-              <a:t>// 1</a:t>
-            </a:r>
-            <a:endParaRPr b="0" lang="en-US" sz="2200" spc="-1" strike="noStrike">
-              <a:latin typeface="Arial"/>
-            </a:endParaRPr>
-          </a:p>
-          <a:p>
-            <a:r>
-              <a:rPr b="0" lang="en-US" sz="2200" spc="-1" strike="noStrike">
-                <a:solidFill>
-                  <a:srgbClr val="008000"/>
-                </a:solidFill>
-                <a:latin typeface="Arial"/>
-              </a:rPr>
-              <a:t>console</a:t>
-            </a:r>
-            <a:r>
-              <a:rPr b="0" lang="en-US" sz="2200" spc="-1" strike="noStrike">
-                <a:solidFill>
-                  <a:srgbClr val="000000"/>
-                </a:solidFill>
-                <a:latin typeface="Arial"/>
-              </a:rPr>
-              <a:t>.log(b); </a:t>
-            </a:r>
-            <a:r>
-              <a:rPr b="0" lang="en-US" sz="2200" spc="-1" strike="noStrike">
-                <a:solidFill>
-                  <a:srgbClr val="408080"/>
-                </a:solidFill>
-                <a:latin typeface="Arial"/>
-              </a:rPr>
-              <a:t>// 2</a:t>
-            </a:r>
-            <a:endParaRPr b="0" lang="en-US" sz="2200" spc="-1" strike="noStrike">
-              <a:latin typeface="Arial"/>
-            </a:endParaRPr>
-          </a:p>
-          <a:p>
-            <a:r>
-              <a:rPr b="0" lang="en-US" sz="2200" spc="-1" strike="noStrike">
-                <a:solidFill>
-                  <a:srgbClr val="008000"/>
-                </a:solidFill>
-                <a:latin typeface="Arial"/>
-              </a:rPr>
-              <a:t>console</a:t>
-            </a:r>
-            <a:r>
-              <a:rPr b="0" lang="en-US" sz="2200" spc="-1" strike="noStrike">
-                <a:solidFill>
-                  <a:srgbClr val="000000"/>
-                </a:solidFill>
-                <a:latin typeface="Arial"/>
-              </a:rPr>
-              <a:t>.log(c); </a:t>
-            </a:r>
-            <a:r>
-              <a:rPr b="0" lang="en-US" sz="2200" spc="-1" strike="noStrike">
-                <a:solidFill>
-                  <a:srgbClr val="408080"/>
-                </a:solidFill>
-                <a:latin typeface="Arial"/>
-              </a:rPr>
-              <a:t>// [3, 4, 5]</a:t>
-            </a:r>
-            <a:endParaRPr b="0" lang="en-US" sz="2200" spc="-1" strike="noStrike">
-              <a:latin typeface="Arial"/>
-            </a:endParaRPr>
-          </a:p>
-          <a:p>
-            <a:endParaRPr b="0" lang="en-US" sz="2200" spc="-1" strike="noStrike">
+            <a:pPr algn="ctr"/>
+            <a:r>
+              <a:rPr b="0" lang="en-US" sz="5400" spc="-1" strike="noStrike">
+                <a:solidFill>
+                  <a:srgbClr val="ffffff"/>
+                </a:solidFill>
+                <a:latin typeface="Arial"/>
+              </a:rPr>
+              <a:t>All Together Now!!</a:t>
+            </a:r>
+            <a:endParaRPr b="0" lang="en-US" sz="5400" spc="-1" strike="noStrike">
               <a:latin typeface="Arial"/>
             </a:endParaRPr>
           </a:p>
@@ -20022,10 +19547,10 @@
   <p:timing>
     <p:tnLst>
       <p:par>
-        <p:cTn id="77" dur="indefinite" restart="never" nodeType="tmRoot">
+        <p:cTn id="117" dur="indefinite" restart="never" nodeType="tmRoot">
           <p:childTnLst>
             <p:seq>
-              <p:cTn id="78" dur="indefinite" nodeType="mainSeq"/>
+              <p:cTn id="118" dur="indefinite" nodeType="mainSeq"/>
               <p:prevCondLst>
                 <p:cond delay="0" evt="onPrev">
                   <p:tgtEl>
@@ -20112,7 +19637,7 @@
                 </a:solidFill>
                 <a:latin typeface="Proxima Nova Semibold"/>
               </a:rPr>
-              <a:t>Lexical Scope</a:t>
+              <a:t>All Together Now[0]</a:t>
             </a:r>
             <a:endParaRPr b="0" lang="en-US" sz="3200" spc="-1" strike="noStrike">
               <a:solidFill>
@@ -20131,8 +19656,8 @@
         </p:nvSpPr>
         <p:spPr>
           <a:xfrm>
-            <a:off x="761760" y="1280160"/>
-            <a:ext cx="4023360" cy="3657600"/>
+            <a:off x="365760" y="1097280"/>
+            <a:ext cx="9326880" cy="4389120"/>
           </a:xfrm>
           <a:prstGeom prst="rect">
             <a:avLst/>
@@ -20152,16 +19677,34 @@
                 </a:solidFill>
                 <a:latin typeface="Arial"/>
               </a:rPr>
-              <a:t>function</a:t>
-            </a:r>
-            <a:r>
-              <a:rPr b="0" lang="en-US" sz="2200" spc="-1" strike="noStrike">
-                <a:solidFill>
-                  <a:srgbClr val="000000"/>
-                </a:solidFill>
-                <a:latin typeface="Arial"/>
-              </a:rPr>
-              <a:t> outerFunction() { </a:t>
+              <a:t>const</a:t>
+            </a:r>
+            <a:r>
+              <a:rPr b="0" lang="en-US" sz="2200" spc="-1" strike="noStrike">
+                <a:solidFill>
+                  <a:srgbClr val="000000"/>
+                </a:solidFill>
+                <a:latin typeface="Arial"/>
+              </a:rPr>
+              <a:t> data </a:t>
+            </a:r>
+            <a:r>
+              <a:rPr b="0" lang="en-US" sz="2200" spc="-1" strike="noStrike">
+                <a:solidFill>
+                  <a:srgbClr val="666666"/>
+                </a:solidFill>
+                <a:latin typeface="Arial"/>
+              </a:rPr>
+              <a:t>=</a:t>
+            </a:r>
+            <a:r>
+              <a:rPr b="0" lang="en-US" sz="2200" spc="-1" strike="noStrike">
+                <a:solidFill>
+                  <a:srgbClr val="000000"/>
+                </a:solidFill>
+                <a:latin typeface="Arial"/>
+              </a:rPr>
+              <a:t> [{</a:t>
             </a:r>
             <a:endParaRPr b="0" lang="en-US" sz="2200" spc="-1" strike="noStrike">
               <a:latin typeface="Arial"/>
@@ -20175,25 +19718,16 @@
                 </a:solidFill>
                 <a:latin typeface="Arial"/>
               </a:rPr>
-              <a:t>	</a:t>
-            </a:r>
-            <a:r>
-              <a:rPr b="0" lang="en-US" sz="2200" spc="-1" strike="noStrike">
-                <a:solidFill>
-                  <a:srgbClr val="008000"/>
-                </a:solidFill>
-                <a:latin typeface="Arial"/>
-              </a:rPr>
-              <a:t>var</a:t>
-            </a:r>
-            <a:r>
-              <a:rPr b="0" lang="en-US" sz="2200" spc="-1" strike="noStrike">
-                <a:solidFill>
-                  <a:srgbClr val="000000"/>
-                </a:solidFill>
-                <a:latin typeface="Arial"/>
-              </a:rPr>
-              <a:t> foo </a:t>
+              <a:t>  </a:t>
+            </a:r>
+            <a:r>
+              <a:rPr b="0" lang="en-US" sz="2200" spc="-1" strike="noStrike">
+                <a:solidFill>
+                  <a:srgbClr val="000000"/>
+                </a:solidFill>
+                <a:latin typeface="Arial"/>
+              </a:rPr>
+              <a:t>firstName</a:t>
             </a:r>
             <a:r>
               <a:rPr b="0" lang="en-US" sz="2200" spc="-1" strike="noStrike">
@@ -20202,7 +19736,7 @@
                 </a:solidFill>
                 <a:latin typeface="Arial"/>
               </a:rPr>
-              <a:t>=</a:t>
+              <a:t>:</a:t>
             </a:r>
             <a:r>
               <a:rPr b="0" lang="en-US" sz="2200" spc="-1" strike="noStrike">
@@ -20216,20 +19750,20 @@
             <a:r>
               <a:rPr b="0" lang="en-US" sz="2200" spc="-1" strike="noStrike">
                 <a:solidFill>
-                  <a:srgbClr val="666666"/>
-                </a:solidFill>
-                <a:latin typeface="Arial"/>
-              </a:rPr>
-              <a:t>5</a:t>
-            </a:r>
-            <a:r>
-              <a:rPr b="0" lang="en-US" sz="2200" spc="-1" strike="noStrike">
-                <a:solidFill>
-                  <a:srgbClr val="000000"/>
-                </a:solidFill>
-                <a:latin typeface="Arial"/>
-              </a:rPr>
-              <a:t>;</a:t>
+                  <a:srgbClr val="ba2121"/>
+                </a:solidFill>
+                <a:latin typeface="Arial"/>
+              </a:rPr>
+              <a:t>'Jim'</a:t>
+            </a:r>
+            <a:r>
+              <a:rPr b="0" lang="en-US" sz="2200" spc="-1" strike="noStrike">
+                <a:solidFill>
+                  <a:srgbClr val="000000"/>
+                </a:solidFill>
+                <a:latin typeface="Arial"/>
+              </a:rPr>
+              <a:t>,</a:t>
             </a:r>
             <a:endParaRPr b="0" lang="en-US" sz="2200" spc="-1" strike="noStrike">
               <a:latin typeface="Arial"/>
@@ -20243,25 +19777,52 @@
                 </a:solidFill>
                 <a:latin typeface="Arial"/>
               </a:rPr>
-              <a:t>	</a:t>
-            </a:r>
-            <a:r>
-              <a:rPr b="0" lang="en-US" sz="2200" spc="-1" strike="noStrike">
-                <a:solidFill>
-                  <a:srgbClr val="008000"/>
-                </a:solidFill>
-                <a:latin typeface="Arial"/>
-              </a:rPr>
-              <a:t>function</a:t>
-            </a:r>
-            <a:r>
-              <a:rPr b="0" lang="en-US" sz="2200" spc="-1" strike="noStrike">
-                <a:solidFill>
-                  <a:srgbClr val="000000"/>
-                </a:solidFill>
-                <a:latin typeface="Arial"/>
-              </a:rPr>
-              <a:t> innerFunction() {</a:t>
+              <a:t>  </a:t>
+            </a:r>
+            <a:r>
+              <a:rPr b="0" lang="en-US" sz="2200" spc="-1" strike="noStrike">
+                <a:solidFill>
+                  <a:srgbClr val="000000"/>
+                </a:solidFill>
+                <a:latin typeface="Arial"/>
+              </a:rPr>
+              <a:t>lastName</a:t>
+            </a:r>
+            <a:r>
+              <a:rPr b="0" lang="en-US" sz="2200" spc="-1" strike="noStrike">
+                <a:solidFill>
+                  <a:srgbClr val="666666"/>
+                </a:solidFill>
+                <a:latin typeface="Arial"/>
+              </a:rPr>
+              <a:t>:</a:t>
+            </a:r>
+            <a:r>
+              <a:rPr b="0" lang="en-US" sz="2200" spc="-1" strike="noStrike">
+                <a:solidFill>
+                  <a:srgbClr val="000000"/>
+                </a:solidFill>
+                <a:latin typeface="Arial"/>
+              </a:rPr>
+              <a:t> </a:t>
+            </a:r>
+            <a:r>
+              <a:rPr b="0" lang="en-US" sz="2200" spc="-1" strike="noStrike">
+                <a:solidFill>
+                  <a:srgbClr val="ba2121"/>
+                </a:solidFill>
+                <a:latin typeface="Arial"/>
+              </a:rPr>
+              <a:t>'Beam'</a:t>
+            </a:r>
+            <a:r>
+              <a:rPr b="0" lang="en-US" sz="2200" spc="-1" strike="noStrike">
+                <a:solidFill>
+                  <a:srgbClr val="000000"/>
+                </a:solidFill>
+                <a:latin typeface="Arial"/>
+              </a:rPr>
+              <a:t>,</a:t>
             </a:r>
             <a:endParaRPr b="0" lang="en-US" sz="2200" spc="-1" strike="noStrike">
               <a:latin typeface="Arial"/>
@@ -20275,25 +19836,16 @@
                 </a:solidFill>
                 <a:latin typeface="Arial"/>
               </a:rPr>
-              <a:t>	</a:t>
-            </a:r>
-            <a:r>
-              <a:rPr b="0" lang="en-US" sz="2200" spc="-1" strike="noStrike">
-                <a:solidFill>
-                  <a:srgbClr val="000000"/>
-                </a:solidFill>
-                <a:latin typeface="Arial"/>
-              </a:rPr>
-              <a:t>	</a:t>
-            </a:r>
-            <a:r>
-              <a:rPr b="0" lang="en-US" sz="2200" spc="-1" strike="noStrike">
-                <a:solidFill>
-                  <a:srgbClr val="000000"/>
-                </a:solidFill>
-                <a:latin typeface="Arial"/>
-              </a:rPr>
-              <a:t>foo</a:t>
+              <a:t>  </a:t>
+            </a:r>
+            <a:r>
+              <a:rPr b="0" lang="en-US" sz="2200" spc="-1" strike="noStrike">
+                <a:solidFill>
+                  <a:srgbClr val="000000"/>
+                </a:solidFill>
+                <a:latin typeface="Arial"/>
+              </a:rPr>
+              <a:t>phoneNumbers</a:t>
             </a:r>
             <a:r>
               <a:rPr b="0" lang="en-US" sz="2200" spc="-1" strike="noStrike">
@@ -20302,16 +19854,70 @@
                 </a:solidFill>
                 <a:latin typeface="Arial"/>
               </a:rPr>
-              <a:t>++</a:t>
-            </a:r>
-            <a:r>
-              <a:rPr b="0" lang="en-US" sz="2200" spc="-1" strike="noStrike">
-                <a:solidFill>
-                  <a:srgbClr val="000000"/>
-                </a:solidFill>
-                <a:latin typeface="Arial"/>
-              </a:rPr>
-              <a:t>; </a:t>
+              <a:t>:</a:t>
+            </a:r>
+            <a:r>
+              <a:rPr b="0" lang="en-US" sz="2200" spc="-1" strike="noStrike">
+                <a:solidFill>
+                  <a:srgbClr val="000000"/>
+                </a:solidFill>
+                <a:latin typeface="Arial"/>
+              </a:rPr>
+              <a:t> [</a:t>
+            </a:r>
+            <a:r>
+              <a:rPr b="0" lang="en-US" sz="2200" spc="-1" strike="noStrike">
+                <a:solidFill>
+                  <a:srgbClr val="666666"/>
+                </a:solidFill>
+                <a:latin typeface="Arial"/>
+              </a:rPr>
+              <a:t>1234567890</a:t>
+            </a:r>
+            <a:r>
+              <a:rPr b="0" lang="en-US" sz="2200" spc="-1" strike="noStrike">
+                <a:solidFill>
+                  <a:srgbClr val="000000"/>
+                </a:solidFill>
+                <a:latin typeface="Arial"/>
+              </a:rPr>
+              <a:t>, </a:t>
+            </a:r>
+            <a:r>
+              <a:rPr b="0" lang="en-US" sz="2200" spc="-1" strike="noStrike">
+                <a:solidFill>
+                  <a:srgbClr val="666666"/>
+                </a:solidFill>
+                <a:latin typeface="Arial"/>
+              </a:rPr>
+              <a:t>9876543210</a:t>
+            </a:r>
+            <a:r>
+              <a:rPr b="0" lang="en-US" sz="2200" spc="-1" strike="noStrike">
+                <a:solidFill>
+                  <a:srgbClr val="000000"/>
+                </a:solidFill>
+                <a:latin typeface="Arial"/>
+              </a:rPr>
+              <a:t>, </a:t>
+            </a:r>
+            <a:r>
+              <a:rPr b="0" lang="en-US" sz="2200" spc="-1" strike="noStrike">
+                <a:solidFill>
+                  <a:srgbClr val="666666"/>
+                </a:solidFill>
+                <a:latin typeface="Arial"/>
+              </a:rPr>
+              <a:t>6789054321</a:t>
+            </a:r>
+            <a:r>
+              <a:rPr b="0" lang="en-US" sz="2200" spc="-1" strike="noStrike">
+                <a:solidFill>
+                  <a:srgbClr val="000000"/>
+                </a:solidFill>
+                <a:latin typeface="Arial"/>
+              </a:rPr>
+              <a:t>]</a:t>
             </a:r>
             <a:endParaRPr b="0" lang="en-US" sz="2200" spc="-1" strike="noStrike">
               <a:latin typeface="Arial"/>
@@ -20325,70 +19931,7 @@
                 </a:solidFill>
                 <a:latin typeface="Arial"/>
               </a:rPr>
-              <a:t>	</a:t>
-            </a:r>
-            <a:r>
-              <a:rPr b="0" lang="en-US" sz="2200" spc="-1" strike="noStrike">
-                <a:solidFill>
-                  <a:srgbClr val="000000"/>
-                </a:solidFill>
-                <a:latin typeface="Arial"/>
-              </a:rPr>
-              <a:t>	</a:t>
-            </a:r>
-            <a:r>
-              <a:rPr b="0" lang="en-US" sz="2200" spc="-1" strike="noStrike">
-                <a:solidFill>
-                  <a:srgbClr val="008000"/>
-                </a:solidFill>
-                <a:latin typeface="Arial"/>
-              </a:rPr>
-              <a:t>var</a:t>
-            </a:r>
-            <a:r>
-              <a:rPr b="0" lang="en-US" sz="2200" spc="-1" strike="noStrike">
-                <a:solidFill>
-                  <a:srgbClr val="000000"/>
-                </a:solidFill>
-                <a:latin typeface="Arial"/>
-              </a:rPr>
-              <a:t> bar </a:t>
-            </a:r>
-            <a:r>
-              <a:rPr b="0" lang="en-US" sz="2200" spc="-1" strike="noStrike">
-                <a:solidFill>
-                  <a:srgbClr val="666666"/>
-                </a:solidFill>
-                <a:latin typeface="Arial"/>
-              </a:rPr>
-              <a:t>=</a:t>
-            </a:r>
-            <a:r>
-              <a:rPr b="0" lang="en-US" sz="2200" spc="-1" strike="noStrike">
-                <a:solidFill>
-                  <a:srgbClr val="000000"/>
-                </a:solidFill>
-                <a:latin typeface="Arial"/>
-              </a:rPr>
-              <a:t> </a:t>
-            </a:r>
-            <a:r>
-              <a:rPr b="0" lang="en-US" sz="2200" spc="-1" strike="noStrike">
-                <a:solidFill>
-                  <a:srgbClr val="666666"/>
-                </a:solidFill>
-                <a:latin typeface="Arial"/>
-              </a:rPr>
-              <a:t>5</a:t>
-            </a:r>
-            <a:r>
-              <a:rPr b="0" lang="en-US" sz="2200" spc="-1" strike="noStrike">
-                <a:solidFill>
-                  <a:srgbClr val="000000"/>
-                </a:solidFill>
-                <a:latin typeface="Arial"/>
-              </a:rPr>
-              <a:t>; </a:t>
+              <a:t>},{</a:t>
             </a:r>
             <a:endParaRPr b="0" lang="en-US" sz="2200" spc="-1" strike="noStrike">
               <a:latin typeface="Arial"/>
@@ -20402,16 +19945,52 @@
                 </a:solidFill>
                 <a:latin typeface="Arial"/>
               </a:rPr>
-              <a:t>	</a:t>
-            </a:r>
-            <a:r>
-              <a:rPr b="0" lang="en-US" sz="2200" spc="-1" strike="noStrike">
-                <a:solidFill>
-                  <a:srgbClr val="000000"/>
-                </a:solidFill>
-                <a:latin typeface="Arial"/>
-              </a:rPr>
-              <a:t>}</a:t>
+              <a:t>  </a:t>
+            </a:r>
+            <a:r>
+              <a:rPr b="0" lang="en-US" sz="2200" spc="-1" strike="noStrike">
+                <a:solidFill>
+                  <a:srgbClr val="000000"/>
+                </a:solidFill>
+                <a:latin typeface="Arial"/>
+              </a:rPr>
+              <a:t>firstName</a:t>
+            </a:r>
+            <a:r>
+              <a:rPr b="0" lang="en-US" sz="2200" spc="-1" strike="noStrike">
+                <a:solidFill>
+                  <a:srgbClr val="666666"/>
+                </a:solidFill>
+                <a:latin typeface="Arial"/>
+              </a:rPr>
+              <a:t>:</a:t>
+            </a:r>
+            <a:r>
+              <a:rPr b="0" lang="en-US" sz="2200" spc="-1" strike="noStrike">
+                <a:solidFill>
+                  <a:srgbClr val="000000"/>
+                </a:solidFill>
+                <a:latin typeface="Arial"/>
+              </a:rPr>
+              <a:t> </a:t>
+            </a:r>
+            <a:r>
+              <a:rPr b="0" lang="en-US" sz="2200" spc="-1" strike="noStrike">
+                <a:solidFill>
+                  <a:srgbClr val="ba2121"/>
+                </a:solidFill>
+                <a:latin typeface="Arial"/>
+              </a:rPr>
+              <a:t>'Jack'</a:t>
+            </a:r>
+            <a:r>
+              <a:rPr b="0" lang="en-US" sz="2200" spc="-1" strike="noStrike">
+                <a:solidFill>
+                  <a:srgbClr val="000000"/>
+                </a:solidFill>
+                <a:latin typeface="Arial"/>
+              </a:rPr>
+              <a:t>,</a:t>
             </a:r>
             <a:endParaRPr b="0" lang="en-US" sz="2200" spc="-1" strike="noStrike">
               <a:latin typeface="Arial"/>
@@ -20425,16 +20004,52 @@
                 </a:solidFill>
                 <a:latin typeface="Arial"/>
               </a:rPr>
-              <a:t>	</a:t>
-            </a:r>
-            <a:r>
-              <a:rPr b="0" lang="en-US" sz="2200" spc="-1" strike="noStrike">
-                <a:solidFill>
-                  <a:srgbClr val="000000"/>
-                </a:solidFill>
-                <a:latin typeface="Arial"/>
-              </a:rPr>
-              <a:t>console.log(bar);</a:t>
+              <a:t>  </a:t>
+            </a:r>
+            <a:r>
+              <a:rPr b="0" lang="en-US" sz="2200" spc="-1" strike="noStrike">
+                <a:solidFill>
+                  <a:srgbClr val="000000"/>
+                </a:solidFill>
+                <a:latin typeface="Arial"/>
+              </a:rPr>
+              <a:t>lastName</a:t>
+            </a:r>
+            <a:r>
+              <a:rPr b="0" lang="en-US" sz="2200" spc="-1" strike="noStrike">
+                <a:solidFill>
+                  <a:srgbClr val="666666"/>
+                </a:solidFill>
+                <a:latin typeface="Arial"/>
+              </a:rPr>
+              <a:t>:</a:t>
+            </a:r>
+            <a:r>
+              <a:rPr b="0" lang="en-US" sz="2200" spc="-1" strike="noStrike">
+                <a:solidFill>
+                  <a:srgbClr val="000000"/>
+                </a:solidFill>
+                <a:latin typeface="Arial"/>
+              </a:rPr>
+              <a:t> </a:t>
+            </a:r>
+            <a:r>
+              <a:rPr b="0" lang="en-US" sz="2200" spc="-1" strike="noStrike">
+                <a:solidFill>
+                  <a:srgbClr val="ba2121"/>
+                </a:solidFill>
+                <a:latin typeface="Arial"/>
+              </a:rPr>
+              <a:t>'Daniels'</a:t>
+            </a:r>
+            <a:r>
+              <a:rPr b="0" lang="en-US" sz="2200" spc="-1" strike="noStrike">
+                <a:solidFill>
+                  <a:srgbClr val="000000"/>
+                </a:solidFill>
+                <a:latin typeface="Arial"/>
+              </a:rPr>
+              <a:t>,</a:t>
             </a:r>
             <a:endParaRPr b="0" lang="en-US" sz="2200" spc="-1" strike="noStrike">
               <a:latin typeface="Arial"/>
@@ -20448,7 +20063,66 @@
                 </a:solidFill>
                 <a:latin typeface="Arial"/>
               </a:rPr>
-              <a:t>}</a:t>
+              <a:t>  </a:t>
+            </a:r>
+            <a:r>
+              <a:rPr b="0" lang="en-US" sz="2200" spc="-1" strike="noStrike">
+                <a:solidFill>
+                  <a:srgbClr val="000000"/>
+                </a:solidFill>
+                <a:latin typeface="Arial"/>
+              </a:rPr>
+              <a:t>phoneNumbers</a:t>
+            </a:r>
+            <a:r>
+              <a:rPr b="0" lang="en-US" sz="2200" spc="-1" strike="noStrike">
+                <a:solidFill>
+                  <a:srgbClr val="666666"/>
+                </a:solidFill>
+                <a:latin typeface="Arial"/>
+              </a:rPr>
+              <a:t>:</a:t>
+            </a:r>
+            <a:r>
+              <a:rPr b="0" lang="en-US" sz="2200" spc="-1" strike="noStrike">
+                <a:solidFill>
+                  <a:srgbClr val="000000"/>
+                </a:solidFill>
+                <a:latin typeface="Arial"/>
+              </a:rPr>
+              <a:t> [</a:t>
+            </a:r>
+            <a:r>
+              <a:rPr b="0" lang="en-US" sz="2200" spc="-1" strike="noStrike">
+                <a:solidFill>
+                  <a:srgbClr val="666666"/>
+                </a:solidFill>
+                <a:latin typeface="Arial"/>
+              </a:rPr>
+              <a:t>5678987654</a:t>
+            </a:r>
+            <a:r>
+              <a:rPr b="0" lang="en-US" sz="2200" spc="-1" strike="noStrike">
+                <a:solidFill>
+                  <a:srgbClr val="000000"/>
+                </a:solidFill>
+                <a:latin typeface="Arial"/>
+              </a:rPr>
+              <a:t>]</a:t>
+            </a:r>
+            <a:endParaRPr b="0" lang="en-US" sz="2200" spc="-1" strike="noStrike">
+              <a:latin typeface="Arial"/>
+            </a:endParaRPr>
+          </a:p>
+          <a:p>
+            <a:r>
+              <a:rPr b="0" lang="en-US" sz="2200" spc="-1" strike="noStrike">
+                <a:solidFill>
+                  <a:srgbClr val="000000"/>
+                </a:solidFill>
+                <a:latin typeface="Arial"/>
+              </a:rPr>
+              <a:t>}];</a:t>
             </a:r>
             <a:endParaRPr b="0" lang="en-US" sz="2200" spc="-1" strike="noStrike">
               <a:latin typeface="Arial"/>
@@ -20464,10 +20138,10 @@
   <p:timing>
     <p:tnLst>
       <p:par>
-        <p:cTn id="79" dur="indefinite" restart="never" nodeType="tmRoot">
+        <p:cTn id="119" dur="indefinite" restart="never" nodeType="tmRoot">
           <p:childTnLst>
             <p:seq>
-              <p:cTn id="80" dur="indefinite" nodeType="mainSeq"/>
+              <p:cTn id="120" dur="indefinite" nodeType="mainSeq"/>
               <p:prevCondLst>
                 <p:cond delay="0" evt="onPrev">
                   <p:tgtEl>
@@ -20497,6 +20171,1421 @@
     <p:bg>
       <p:bgPr>
         <a:solidFill>
+          <a:srgbClr val="ffffff"/>
+        </a:solidFill>
+      </p:bgPr>
+    </p:bg>
+    <p:spTree>
+      <p:nvGrpSpPr>
+        <p:cNvPr id="1" name=""/>
+        <p:cNvGrpSpPr/>
+        <p:nvPr/>
+      </p:nvGrpSpPr>
+      <p:grpSpPr>
+        <a:xfrm>
+          <a:off x="0" y="0"/>
+          <a:ext cx="0" cy="0"/>
+          <a:chOff x="0" y="0"/>
+          <a:chExt cx="0" cy="0"/>
+        </a:xfrm>
+      </p:grpSpPr>
+      <p:sp>
+        <p:nvSpPr>
+          <p:cNvPr id="346" name="TextShape 1"/>
+          <p:cNvSpPr txBox="1"/>
+          <p:nvPr/>
+        </p:nvSpPr>
+        <p:spPr>
+          <a:xfrm>
+            <a:off x="274320" y="352440"/>
+            <a:ext cx="6211440" cy="561960"/>
+          </a:xfrm>
+          <a:prstGeom prst="rect">
+            <a:avLst/>
+          </a:prstGeom>
+          <a:noFill/>
+          <a:ln>
+            <a:noFill/>
+          </a:ln>
+        </p:spPr>
+        <p:txBody>
+          <a:bodyPr rIns="0" anchor="b">
+            <a:normAutofit/>
+          </a:bodyPr>
+          <a:p>
+            <a:pPr>
+              <a:lnSpc>
+                <a:spcPct val="90000"/>
+              </a:lnSpc>
+              <a:spcBef>
+                <a:spcPts val="601"/>
+              </a:spcBef>
+            </a:pPr>
+            <a:r>
+              <a:rPr b="0" lang="en-US" sz="3200" spc="-1" strike="noStrike">
+                <a:solidFill>
+                  <a:srgbClr val="007dc1"/>
+                </a:solidFill>
+                <a:latin typeface="Proxima Nova Semibold"/>
+              </a:rPr>
+              <a:t>All Together Now[1]</a:t>
+            </a:r>
+            <a:endParaRPr b="0" lang="en-US" sz="3200" spc="-1" strike="noStrike">
+              <a:solidFill>
+                <a:srgbClr val="5d5d5d"/>
+              </a:solidFill>
+              <a:latin typeface="Proxima Nova"/>
+            </a:endParaRPr>
+          </a:p>
+        </p:txBody>
+      </p:sp>
+      <p:sp>
+        <p:nvSpPr>
+          <p:cNvPr id="347" name="TextShape 2"/>
+          <p:cNvSpPr txBox="1"/>
+          <p:nvPr/>
+        </p:nvSpPr>
+        <p:spPr>
+          <a:xfrm>
+            <a:off x="365760" y="1097280"/>
+            <a:ext cx="9326880" cy="4389120"/>
+          </a:xfrm>
+          <a:prstGeom prst="rect">
+            <a:avLst/>
+          </a:prstGeom>
+          <a:noFill/>
+          <a:ln>
+            <a:noFill/>
+          </a:ln>
+        </p:spPr>
+        <p:txBody>
+          <a:bodyPr lIns="90000" rIns="90000" tIns="45000" bIns="45000"/>
+          <a:p>
+            <a:pPr>
+              <a:lnSpc>
+                <a:spcPct val="100000"/>
+              </a:lnSpc>
+              <a:spcBef>
+                <a:spcPts val="1191"/>
+              </a:spcBef>
+              <a:spcAft>
+                <a:spcPts val="992"/>
+              </a:spcAft>
+            </a:pPr>
+            <a:endParaRPr b="0" lang="en-US" sz="1800" spc="-1" strike="noStrike">
+              <a:latin typeface="Arial"/>
+            </a:endParaRPr>
+          </a:p>
+          <a:p>
+            <a:pPr>
+              <a:lnSpc>
+                <a:spcPct val="100000"/>
+              </a:lnSpc>
+              <a:spcBef>
+                <a:spcPts val="1191"/>
+              </a:spcBef>
+              <a:spcAft>
+                <a:spcPts val="992"/>
+              </a:spcAft>
+            </a:pPr>
+            <a:r>
+              <a:rPr b="0" lang="en-US" sz="2200" spc="-1" strike="noStrike">
+                <a:solidFill>
+                  <a:srgbClr val="008000"/>
+                </a:solidFill>
+                <a:latin typeface="Arial"/>
+              </a:rPr>
+              <a:t>cons</a:t>
+            </a:r>
+            <a:r>
+              <a:rPr b="0" lang="en-US" sz="2200" spc="-1" strike="noStrike">
+                <a:solidFill>
+                  <a:srgbClr val="000000"/>
+                </a:solidFill>
+                <a:latin typeface="Arial"/>
+              </a:rPr>
+              <a:t>t serverCall</a:t>
+            </a:r>
+            <a:r>
+              <a:rPr b="0" lang="en-US" sz="2200" spc="-1" strike="noStrike">
+                <a:solidFill>
+                  <a:srgbClr val="666666"/>
+                </a:solidFill>
+                <a:latin typeface="Arial"/>
+              </a:rPr>
+              <a:t> </a:t>
+            </a:r>
+            <a:r>
+              <a:rPr b="0" lang="en-US" sz="2200" spc="-1" strike="noStrike">
+                <a:solidFill>
+                  <a:srgbClr val="000000"/>
+                </a:solidFill>
+                <a:latin typeface="Arial"/>
+              </a:rPr>
+              <a:t>=</a:t>
+            </a:r>
+            <a:r>
+              <a:rPr b="0" lang="en-US" sz="2200" spc="-1" strike="noStrike">
+                <a:solidFill>
+                  <a:srgbClr val="008000"/>
+                </a:solidFill>
+                <a:latin typeface="Arial"/>
+              </a:rPr>
+              <a:t> ne</a:t>
+            </a:r>
+            <a:r>
+              <a:rPr b="0" lang="en-US" sz="2200" spc="-1" strike="noStrike">
+                <a:solidFill>
+                  <a:srgbClr val="000000"/>
+                </a:solidFill>
+                <a:latin typeface="Arial"/>
+              </a:rPr>
+              <a:t>w</a:t>
+            </a:r>
+            <a:r>
+              <a:rPr b="0" lang="en-US" sz="2200" spc="-1" strike="noStrike">
+                <a:solidFill>
+                  <a:srgbClr val="008000"/>
+                </a:solidFill>
+                <a:latin typeface="Arial"/>
+              </a:rPr>
+              <a:t> Promis</a:t>
+            </a:r>
+            <a:r>
+              <a:rPr b="0" lang="en-US" sz="2200" spc="-1" strike="noStrike">
+                <a:solidFill>
+                  <a:srgbClr val="000000"/>
+                </a:solidFill>
+                <a:latin typeface="Arial"/>
+              </a:rPr>
+              <a:t>e((resolve, reject) =&gt; {</a:t>
+            </a:r>
+            <a:endParaRPr b="0" lang="en-US" sz="2200" spc="-1" strike="noStrike">
+              <a:latin typeface="Arial"/>
+            </a:endParaRPr>
+          </a:p>
+          <a:p>
+            <a:pPr>
+              <a:lnSpc>
+                <a:spcPct val="100000"/>
+              </a:lnSpc>
+              <a:spcBef>
+                <a:spcPts val="1191"/>
+              </a:spcBef>
+              <a:spcAft>
+                <a:spcPts val="992"/>
+              </a:spcAft>
+            </a:pPr>
+            <a:r>
+              <a:rPr b="0" lang="en-US" sz="2200" spc="-1" strike="noStrike">
+                <a:solidFill>
+                  <a:srgbClr val="000000"/>
+                </a:solidFill>
+                <a:latin typeface="Arial"/>
+              </a:rPr>
+              <a:t> </a:t>
+            </a:r>
+            <a:r>
+              <a:rPr b="0" lang="en-US" sz="2200" spc="-1" strike="noStrike">
+                <a:solidFill>
+                  <a:srgbClr val="008000"/>
+                </a:solidFill>
+                <a:latin typeface="Arial"/>
+              </a:rPr>
+              <a:t> </a:t>
+            </a:r>
+            <a:r>
+              <a:rPr b="0" lang="en-US" sz="2200" spc="-1" strike="noStrike">
+                <a:solidFill>
+                  <a:srgbClr val="008000"/>
+                </a:solidFill>
+                <a:latin typeface="Arial"/>
+              </a:rPr>
+              <a:t>i</a:t>
+            </a:r>
+            <a:r>
+              <a:rPr b="0" lang="en-US" sz="2200" spc="-1" strike="noStrike">
+                <a:solidFill>
+                  <a:srgbClr val="000000"/>
+                </a:solidFill>
+                <a:latin typeface="Arial"/>
+              </a:rPr>
+              <a:t>f(data){</a:t>
+            </a:r>
+            <a:endParaRPr b="0" lang="en-US" sz="2200" spc="-1" strike="noStrike">
+              <a:latin typeface="Arial"/>
+            </a:endParaRPr>
+          </a:p>
+          <a:p>
+            <a:pPr>
+              <a:lnSpc>
+                <a:spcPct val="100000"/>
+              </a:lnSpc>
+              <a:spcBef>
+                <a:spcPts val="1191"/>
+              </a:spcBef>
+              <a:spcAft>
+                <a:spcPts val="992"/>
+              </a:spcAft>
+            </a:pPr>
+            <a:r>
+              <a:rPr b="0" lang="en-US" sz="2200" spc="-1" strike="noStrike">
+                <a:solidFill>
+                  <a:srgbClr val="000000"/>
+                </a:solidFill>
+                <a:latin typeface="Arial"/>
+              </a:rPr>
+              <a:t>    </a:t>
+            </a:r>
+            <a:r>
+              <a:rPr b="0" lang="en-US" sz="2200" spc="-1" strike="noStrike">
+                <a:solidFill>
+                  <a:srgbClr val="000000"/>
+                </a:solidFill>
+                <a:latin typeface="Arial"/>
+              </a:rPr>
+              <a:t>resolve(data);</a:t>
+            </a:r>
+            <a:endParaRPr b="0" lang="en-US" sz="2200" spc="-1" strike="noStrike">
+              <a:latin typeface="Arial"/>
+            </a:endParaRPr>
+          </a:p>
+          <a:p>
+            <a:pPr>
+              <a:lnSpc>
+                <a:spcPct val="100000"/>
+              </a:lnSpc>
+              <a:spcBef>
+                <a:spcPts val="1191"/>
+              </a:spcBef>
+              <a:spcAft>
+                <a:spcPts val="992"/>
+              </a:spcAft>
+            </a:pPr>
+            <a:r>
+              <a:rPr b="0" lang="en-US" sz="2200" spc="-1" strike="noStrike">
+                <a:solidFill>
+                  <a:srgbClr val="000000"/>
+                </a:solidFill>
+                <a:latin typeface="Arial"/>
+              </a:rPr>
+              <a:t>  </a:t>
+            </a:r>
+            <a:r>
+              <a:rPr b="0" lang="en-US" sz="2200" spc="-1" strike="noStrike">
+                <a:solidFill>
+                  <a:srgbClr val="008000"/>
+                </a:solidFill>
+                <a:latin typeface="Arial"/>
+              </a:rPr>
+              <a:t>}els</a:t>
+            </a:r>
+            <a:r>
+              <a:rPr b="0" lang="en-US" sz="2200" spc="-1" strike="noStrike">
+                <a:solidFill>
+                  <a:srgbClr val="000000"/>
+                </a:solidFill>
+                <a:latin typeface="Arial"/>
+              </a:rPr>
+              <a:t>e{</a:t>
+            </a:r>
+            <a:endParaRPr b="0" lang="en-US" sz="2200" spc="-1" strike="noStrike">
+              <a:latin typeface="Arial"/>
+            </a:endParaRPr>
+          </a:p>
+          <a:p>
+            <a:pPr>
+              <a:lnSpc>
+                <a:spcPct val="100000"/>
+              </a:lnSpc>
+              <a:spcBef>
+                <a:spcPts val="1191"/>
+              </a:spcBef>
+              <a:spcAft>
+                <a:spcPts val="992"/>
+              </a:spcAft>
+            </a:pPr>
+            <a:r>
+              <a:rPr b="0" lang="en-US" sz="2200" spc="-1" strike="noStrike">
+                <a:solidFill>
+                  <a:srgbClr val="000000"/>
+                </a:solidFill>
+                <a:latin typeface="Arial"/>
+              </a:rPr>
+              <a:t>    </a:t>
+            </a:r>
+            <a:r>
+              <a:rPr b="0" lang="en-US" sz="2200" spc="-1" strike="noStrike">
+                <a:solidFill>
+                  <a:srgbClr val="000000"/>
+                </a:solidFill>
+                <a:latin typeface="Arial"/>
+              </a:rPr>
+              <a:t>reject(data);</a:t>
+            </a:r>
+            <a:endParaRPr b="0" lang="en-US" sz="2200" spc="-1" strike="noStrike">
+              <a:latin typeface="Arial"/>
+            </a:endParaRPr>
+          </a:p>
+          <a:p>
+            <a:pPr>
+              <a:lnSpc>
+                <a:spcPct val="100000"/>
+              </a:lnSpc>
+              <a:spcBef>
+                <a:spcPts val="1191"/>
+              </a:spcBef>
+              <a:spcAft>
+                <a:spcPts val="992"/>
+              </a:spcAft>
+            </a:pPr>
+            <a:r>
+              <a:rPr b="0" lang="en-US" sz="2200" spc="-1" strike="noStrike">
+                <a:solidFill>
+                  <a:srgbClr val="000000"/>
+                </a:solidFill>
+                <a:latin typeface="Arial"/>
+              </a:rPr>
+              <a:t>  </a:t>
+            </a:r>
+            <a:r>
+              <a:rPr b="0" lang="en-US" sz="2200" spc="-1" strike="noStrike">
+                <a:solidFill>
+                  <a:srgbClr val="000000"/>
+                </a:solidFill>
+                <a:latin typeface="Arial"/>
+              </a:rPr>
+              <a:t>}</a:t>
+            </a:r>
+            <a:endParaRPr b="0" lang="en-US" sz="2200" spc="-1" strike="noStrike">
+              <a:latin typeface="Arial"/>
+            </a:endParaRPr>
+          </a:p>
+          <a:p>
+            <a:r>
+              <a:rPr b="0" lang="en-US" sz="2200" spc="-1" strike="noStrike">
+                <a:solidFill>
+                  <a:srgbClr val="000000"/>
+                </a:solidFill>
+                <a:latin typeface="Arial"/>
+              </a:rPr>
+              <a:t>});</a:t>
+            </a:r>
+            <a:endParaRPr b="0" lang="en-US" sz="2200" spc="-1" strike="noStrike">
+              <a:latin typeface="Arial"/>
+            </a:endParaRPr>
+          </a:p>
+        </p:txBody>
+      </p:sp>
+    </p:spTree>
+  </p:cSld>
+  <p:transition spd="med">
+    <p:fade/>
+  </p:transition>
+  <p:timing>
+    <p:tnLst>
+      <p:par>
+        <p:cTn id="121" dur="indefinite" restart="never" nodeType="tmRoot">
+          <p:childTnLst>
+            <p:seq>
+              <p:cTn id="122" dur="indefinite" nodeType="mainSeq"/>
+              <p:prevCondLst>
+                <p:cond delay="0" evt="onPrev">
+                  <p:tgtEl>
+                    <p:sldTgt/>
+                  </p:tgtEl>
+                </p:cond>
+              </p:prevCondLst>
+              <p:nextCondLst>
+                <p:cond delay="0" evt="onNext">
+                  <p:tgtEl>
+                    <p:sldTgt/>
+                  </p:tgtEl>
+                </p:cond>
+              </p:nextCondLst>
+            </p:seq>
+          </p:childTnLst>
+        </p:cTn>
+      </p:par>
+    </p:tnLst>
+  </p:timing>
+</p:sld>
+</file>
+
+<file path=ppt/slides/slide27.xml><?xml version="1.0" encoding="utf-8"?>
+<p:sld xmlns:a="http://schemas.openxmlformats.org/drawingml/2006/main" xmlns:p="http://schemas.openxmlformats.org/presentationml/2006/main" xmlns:r="http://schemas.openxmlformats.org/officeDocument/2006/relationships" xmlns:p14="http://schemas.microsoft.com/office/powerpoint/2010/main" xmlns:p15="http://schemas.microsoft.com/office/powerpoint/2012/main" xmlns:mc="http://schemas.openxmlformats.org/markup-compatibility/2006">
+  <p:cSld>
+    <p:bg>
+      <p:bgPr>
+        <a:solidFill>
+          <a:srgbClr val="ffffff"/>
+        </a:solidFill>
+      </p:bgPr>
+    </p:bg>
+    <p:spTree>
+      <p:nvGrpSpPr>
+        <p:cNvPr id="1" name=""/>
+        <p:cNvGrpSpPr/>
+        <p:nvPr/>
+      </p:nvGrpSpPr>
+      <p:grpSpPr>
+        <a:xfrm>
+          <a:off x="0" y="0"/>
+          <a:ext cx="0" cy="0"/>
+          <a:chOff x="0" y="0"/>
+          <a:chExt cx="0" cy="0"/>
+        </a:xfrm>
+      </p:grpSpPr>
+      <p:sp>
+        <p:nvSpPr>
+          <p:cNvPr id="348" name="TextShape 1"/>
+          <p:cNvSpPr txBox="1"/>
+          <p:nvPr/>
+        </p:nvSpPr>
+        <p:spPr>
+          <a:xfrm>
+            <a:off x="274320" y="352440"/>
+            <a:ext cx="6211440" cy="561960"/>
+          </a:xfrm>
+          <a:prstGeom prst="rect">
+            <a:avLst/>
+          </a:prstGeom>
+          <a:noFill/>
+          <a:ln>
+            <a:noFill/>
+          </a:ln>
+        </p:spPr>
+        <p:txBody>
+          <a:bodyPr rIns="0" anchor="b">
+            <a:normAutofit/>
+          </a:bodyPr>
+          <a:p>
+            <a:pPr>
+              <a:lnSpc>
+                <a:spcPct val="90000"/>
+              </a:lnSpc>
+              <a:spcBef>
+                <a:spcPts val="601"/>
+              </a:spcBef>
+            </a:pPr>
+            <a:r>
+              <a:rPr b="0" lang="en-US" sz="3200" spc="-1" strike="noStrike">
+                <a:solidFill>
+                  <a:srgbClr val="007dc1"/>
+                </a:solidFill>
+                <a:latin typeface="Proxima Nova Semibold"/>
+              </a:rPr>
+              <a:t>All Together Now[2]</a:t>
+            </a:r>
+            <a:endParaRPr b="0" lang="en-US" sz="3200" spc="-1" strike="noStrike">
+              <a:solidFill>
+                <a:srgbClr val="5d5d5d"/>
+              </a:solidFill>
+              <a:latin typeface="Proxima Nova"/>
+            </a:endParaRPr>
+          </a:p>
+        </p:txBody>
+      </p:sp>
+      <p:sp>
+        <p:nvSpPr>
+          <p:cNvPr id="349" name="TextShape 2"/>
+          <p:cNvSpPr txBox="1"/>
+          <p:nvPr/>
+        </p:nvSpPr>
+        <p:spPr>
+          <a:xfrm>
+            <a:off x="293760" y="953280"/>
+            <a:ext cx="9326880" cy="4575960"/>
+          </a:xfrm>
+          <a:prstGeom prst="rect">
+            <a:avLst/>
+          </a:prstGeom>
+          <a:noFill/>
+          <a:ln>
+            <a:noFill/>
+          </a:ln>
+        </p:spPr>
+        <p:txBody>
+          <a:bodyPr lIns="90000" rIns="90000" tIns="45000" bIns="45000"/>
+          <a:p>
+            <a:pPr>
+              <a:lnSpc>
+                <a:spcPct val="100000"/>
+              </a:lnSpc>
+              <a:spcBef>
+                <a:spcPts val="1191"/>
+              </a:spcBef>
+              <a:spcAft>
+                <a:spcPts val="992"/>
+              </a:spcAft>
+            </a:pPr>
+            <a:r>
+              <a:rPr b="0" lang="en-US" sz="2200" spc="-1" strike="noStrike">
+                <a:solidFill>
+                  <a:srgbClr val="000000"/>
+                </a:solidFill>
+                <a:latin typeface="Arial"/>
+              </a:rPr>
+              <a:t>serverCall</a:t>
+            </a:r>
+            <a:endParaRPr b="0" lang="en-US" sz="2200" spc="-1" strike="noStrike">
+              <a:latin typeface="Arial"/>
+            </a:endParaRPr>
+          </a:p>
+          <a:p>
+            <a:pPr>
+              <a:lnSpc>
+                <a:spcPct val="100000"/>
+              </a:lnSpc>
+              <a:spcBef>
+                <a:spcPts val="1191"/>
+              </a:spcBef>
+              <a:spcAft>
+                <a:spcPts val="992"/>
+              </a:spcAft>
+            </a:pPr>
+            <a:r>
+              <a:rPr b="0" lang="en-US" sz="2200" spc="-1" strike="noStrike">
+                <a:solidFill>
+                  <a:srgbClr val="000000"/>
+                </a:solidFill>
+                <a:latin typeface="Arial"/>
+              </a:rPr>
+              <a:t>.then(res =&gt; {</a:t>
+            </a:r>
+            <a:endParaRPr b="0" lang="en-US" sz="2200" spc="-1" strike="noStrike">
+              <a:latin typeface="Arial"/>
+            </a:endParaRPr>
+          </a:p>
+          <a:p>
+            <a:pPr>
+              <a:lnSpc>
+                <a:spcPct val="100000"/>
+              </a:lnSpc>
+              <a:spcBef>
+                <a:spcPts val="1191"/>
+              </a:spcBef>
+              <a:spcAft>
+                <a:spcPts val="992"/>
+              </a:spcAft>
+            </a:pPr>
+            <a:r>
+              <a:rPr b="0" lang="en-US" sz="2200" spc="-1" strike="noStrike">
+                <a:solidFill>
+                  <a:srgbClr val="000000"/>
+                </a:solidFill>
+                <a:latin typeface="Arial"/>
+              </a:rPr>
+              <a:t>  </a:t>
+            </a:r>
+            <a:r>
+              <a:rPr b="0" lang="en-US" sz="2200" spc="-1" strike="noStrike">
+                <a:solidFill>
+                  <a:srgbClr val="008000"/>
+                </a:solidFill>
+                <a:latin typeface="Arial"/>
+              </a:rPr>
+              <a:t>let</a:t>
+            </a:r>
+            <a:r>
+              <a:rPr b="0" lang="en-US" sz="2200" spc="-1" strike="noStrike">
+                <a:solidFill>
+                  <a:srgbClr val="000000"/>
+                </a:solidFill>
+                <a:latin typeface="Arial"/>
+              </a:rPr>
+              <a:t> callList </a:t>
+            </a:r>
+            <a:r>
+              <a:rPr b="0" lang="en-US" sz="2200" spc="-1" strike="noStrike">
+                <a:solidFill>
+                  <a:srgbClr val="666666"/>
+                </a:solidFill>
+                <a:latin typeface="Arial"/>
+              </a:rPr>
+              <a:t>=</a:t>
+            </a:r>
+            <a:r>
+              <a:rPr b="0" lang="en-US" sz="2200" spc="-1" strike="noStrike">
+                <a:solidFill>
+                  <a:srgbClr val="000000"/>
+                </a:solidFill>
+                <a:latin typeface="Arial"/>
+              </a:rPr>
+              <a:t> [];</a:t>
+            </a:r>
+            <a:endParaRPr b="0" lang="en-US" sz="2200" spc="-1" strike="noStrike">
+              <a:latin typeface="Arial"/>
+            </a:endParaRPr>
+          </a:p>
+          <a:p>
+            <a:pPr>
+              <a:lnSpc>
+                <a:spcPct val="100000"/>
+              </a:lnSpc>
+              <a:spcBef>
+                <a:spcPts val="1191"/>
+              </a:spcBef>
+              <a:spcAft>
+                <a:spcPts val="992"/>
+              </a:spcAft>
+            </a:pPr>
+            <a:endParaRPr b="0" lang="en-US" sz="2200" spc="-1" strike="noStrike">
+              <a:latin typeface="Arial"/>
+            </a:endParaRPr>
+          </a:p>
+          <a:p>
+            <a:pPr>
+              <a:lnSpc>
+                <a:spcPct val="100000"/>
+              </a:lnSpc>
+              <a:spcBef>
+                <a:spcPts val="1191"/>
+              </a:spcBef>
+              <a:spcAft>
+                <a:spcPts val="992"/>
+              </a:spcAft>
+            </a:pPr>
+            <a:r>
+              <a:rPr b="0" lang="en-US" sz="2200" spc="-1" strike="noStrike">
+                <a:solidFill>
+                  <a:srgbClr val="000000"/>
+                </a:solidFill>
+                <a:latin typeface="Arial"/>
+              </a:rPr>
+              <a:t>  </a:t>
+            </a:r>
+            <a:r>
+              <a:rPr b="0" lang="en-US" sz="2200" spc="-1" strike="noStrike">
+                <a:solidFill>
+                  <a:srgbClr val="008000"/>
+                </a:solidFill>
+                <a:latin typeface="Arial"/>
+              </a:rPr>
+              <a:t>for</a:t>
+            </a:r>
+            <a:r>
+              <a:rPr b="0" lang="en-US" sz="2200" spc="-1" strike="noStrike">
+                <a:solidFill>
+                  <a:srgbClr val="000000"/>
+                </a:solidFill>
+                <a:latin typeface="Arial"/>
+              </a:rPr>
+              <a:t>({firstName, lastName, phoneNumbers</a:t>
+            </a:r>
+            <a:r>
+              <a:rPr b="0" lang="en-US" sz="2200" spc="-1" strike="noStrike">
+                <a:solidFill>
+                  <a:srgbClr val="666666"/>
+                </a:solidFill>
+                <a:latin typeface="Arial"/>
+              </a:rPr>
+              <a:t>:</a:t>
+            </a:r>
+            <a:r>
+              <a:rPr b="0" lang="en-US" sz="2200" spc="-1" strike="noStrike">
+                <a:solidFill>
+                  <a:srgbClr val="000000"/>
+                </a:solidFill>
+                <a:latin typeface="Arial"/>
+              </a:rPr>
+              <a:t>[primaryPhone]} </a:t>
+            </a:r>
+            <a:r>
+              <a:rPr b="0" lang="en-US" sz="2200" spc="-1" strike="noStrike">
+                <a:solidFill>
+                  <a:srgbClr val="008000"/>
+                </a:solidFill>
+                <a:latin typeface="Arial"/>
+              </a:rPr>
+              <a:t>of</a:t>
+            </a:r>
+            <a:r>
+              <a:rPr b="0" lang="en-US" sz="2200" spc="-1" strike="noStrike">
+                <a:solidFill>
+                  <a:srgbClr val="000000"/>
+                </a:solidFill>
+                <a:latin typeface="Arial"/>
+              </a:rPr>
+              <a:t> res){</a:t>
+            </a:r>
+            <a:endParaRPr b="0" lang="en-US" sz="2200" spc="-1" strike="noStrike">
+              <a:latin typeface="Arial"/>
+            </a:endParaRPr>
+          </a:p>
+          <a:p>
+            <a:pPr>
+              <a:lnSpc>
+                <a:spcPct val="100000"/>
+              </a:lnSpc>
+              <a:spcBef>
+                <a:spcPts val="1191"/>
+              </a:spcBef>
+              <a:spcAft>
+                <a:spcPts val="992"/>
+              </a:spcAft>
+            </a:pPr>
+            <a:r>
+              <a:rPr b="0" lang="en-US" sz="2200" spc="-1" strike="noStrike">
+                <a:solidFill>
+                  <a:srgbClr val="000000"/>
+                </a:solidFill>
+                <a:latin typeface="Arial"/>
+              </a:rPr>
+              <a:t>    </a:t>
+            </a:r>
+            <a:r>
+              <a:rPr b="0" lang="en-US" sz="2200" spc="-1" strike="noStrike">
+                <a:solidFill>
+                  <a:srgbClr val="000000"/>
+                </a:solidFill>
+                <a:latin typeface="Arial"/>
+              </a:rPr>
+              <a:t>callList.push(</a:t>
+            </a:r>
+            <a:r>
+              <a:rPr b="0" lang="en-US" sz="2200" spc="-1" strike="noStrike">
+                <a:solidFill>
+                  <a:srgbClr val="ba2121"/>
+                </a:solidFill>
+                <a:latin typeface="Arial"/>
+              </a:rPr>
+              <a:t>`</a:t>
+            </a:r>
+            <a:r>
+              <a:rPr b="0" lang="en-US" sz="2200" spc="-1" strike="noStrike">
+                <a:solidFill>
+                  <a:srgbClr val="bb6688"/>
+                </a:solidFill>
+                <a:latin typeface="Arial"/>
+              </a:rPr>
+              <a:t>${</a:t>
+            </a:r>
+            <a:r>
+              <a:rPr b="0" lang="en-US" sz="2200" spc="-1" strike="noStrike">
+                <a:solidFill>
+                  <a:srgbClr val="000000"/>
+                </a:solidFill>
+                <a:latin typeface="Arial"/>
+              </a:rPr>
+              <a:t>firstName</a:t>
+            </a:r>
+            <a:r>
+              <a:rPr b="0" lang="en-US" sz="2200" spc="-1" strike="noStrike">
+                <a:solidFill>
+                  <a:srgbClr val="bb6688"/>
+                </a:solidFill>
+                <a:latin typeface="Arial"/>
+              </a:rPr>
+              <a:t>}</a:t>
+            </a:r>
+            <a:r>
+              <a:rPr b="0" lang="en-US" sz="2200" spc="-1" strike="noStrike">
+                <a:solidFill>
+                  <a:srgbClr val="ba2121"/>
+                </a:solidFill>
+                <a:latin typeface="Arial"/>
+              </a:rPr>
+              <a:t> </a:t>
+            </a:r>
+            <a:r>
+              <a:rPr b="0" lang="en-US" sz="2200" spc="-1" strike="noStrike">
+                <a:solidFill>
+                  <a:srgbClr val="bb6688"/>
+                </a:solidFill>
+                <a:latin typeface="Arial"/>
+              </a:rPr>
+              <a:t>${</a:t>
+            </a:r>
+            <a:r>
+              <a:rPr b="0" lang="en-US" sz="2200" spc="-1" strike="noStrike">
+                <a:solidFill>
+                  <a:srgbClr val="000000"/>
+                </a:solidFill>
+                <a:latin typeface="Arial"/>
+              </a:rPr>
+              <a:t>lastName</a:t>
+            </a:r>
+            <a:r>
+              <a:rPr b="0" lang="en-US" sz="2200" spc="-1" strike="noStrike">
+                <a:solidFill>
+                  <a:srgbClr val="bb6688"/>
+                </a:solidFill>
+                <a:latin typeface="Arial"/>
+              </a:rPr>
+              <a:t>}</a:t>
+            </a:r>
+            <a:r>
+              <a:rPr b="0" lang="en-US" sz="2200" spc="-1" strike="noStrike">
+                <a:solidFill>
+                  <a:srgbClr val="ba2121"/>
+                </a:solidFill>
+                <a:latin typeface="Arial"/>
+              </a:rPr>
+              <a:t> - </a:t>
+            </a:r>
+            <a:r>
+              <a:rPr b="0" lang="en-US" sz="2200" spc="-1" strike="noStrike">
+                <a:solidFill>
+                  <a:srgbClr val="bb6688"/>
+                </a:solidFill>
+                <a:latin typeface="Arial"/>
+              </a:rPr>
+              <a:t>${</a:t>
+            </a:r>
+            <a:r>
+              <a:rPr b="0" lang="en-US" sz="2200" spc="-1" strike="noStrike">
+                <a:solidFill>
+                  <a:srgbClr val="000000"/>
+                </a:solidFill>
+                <a:latin typeface="Arial"/>
+              </a:rPr>
+              <a:t>primaryPhone</a:t>
+            </a:r>
+            <a:r>
+              <a:rPr b="0" lang="en-US" sz="2200" spc="-1" strike="noStrike">
+                <a:solidFill>
+                  <a:srgbClr val="bb6688"/>
+                </a:solidFill>
+                <a:latin typeface="Arial"/>
+              </a:rPr>
+              <a:t>}</a:t>
+            </a:r>
+            <a:r>
+              <a:rPr b="0" lang="en-US" sz="2200" spc="-1" strike="noStrike">
+                <a:solidFill>
+                  <a:srgbClr val="ba2121"/>
+                </a:solidFill>
+                <a:latin typeface="Arial"/>
+              </a:rPr>
+              <a:t>`</a:t>
+            </a:r>
+            <a:r>
+              <a:rPr b="0" lang="en-US" sz="2200" spc="-1" strike="noStrike">
+                <a:solidFill>
+                  <a:srgbClr val="000000"/>
+                </a:solidFill>
+                <a:latin typeface="Arial"/>
+              </a:rPr>
+              <a:t>);</a:t>
+            </a:r>
+            <a:endParaRPr b="0" lang="en-US" sz="2200" spc="-1" strike="noStrike">
+              <a:latin typeface="Arial"/>
+            </a:endParaRPr>
+          </a:p>
+          <a:p>
+            <a:pPr>
+              <a:lnSpc>
+                <a:spcPct val="100000"/>
+              </a:lnSpc>
+              <a:spcBef>
+                <a:spcPts val="1191"/>
+              </a:spcBef>
+              <a:spcAft>
+                <a:spcPts val="992"/>
+              </a:spcAft>
+            </a:pPr>
+            <a:r>
+              <a:rPr b="0" lang="en-US" sz="2200" spc="-1" strike="noStrike">
+                <a:solidFill>
+                  <a:srgbClr val="000000"/>
+                </a:solidFill>
+                <a:latin typeface="Arial"/>
+              </a:rPr>
+              <a:t>  </a:t>
+            </a:r>
+            <a:r>
+              <a:rPr b="0" lang="en-US" sz="2200" spc="-1" strike="noStrike">
+                <a:solidFill>
+                  <a:srgbClr val="000000"/>
+                </a:solidFill>
+                <a:latin typeface="Arial"/>
+              </a:rPr>
+              <a:t>}</a:t>
+            </a:r>
+            <a:endParaRPr b="0" lang="en-US" sz="2200" spc="-1" strike="noStrike">
+              <a:latin typeface="Arial"/>
+            </a:endParaRPr>
+          </a:p>
+          <a:p>
+            <a:pPr>
+              <a:lnSpc>
+                <a:spcPct val="100000"/>
+              </a:lnSpc>
+              <a:spcBef>
+                <a:spcPts val="1191"/>
+              </a:spcBef>
+              <a:spcAft>
+                <a:spcPts val="992"/>
+              </a:spcAft>
+            </a:pPr>
+            <a:endParaRPr b="0" lang="en-US" sz="2200" spc="-1" strike="noStrike">
+              <a:latin typeface="Arial"/>
+            </a:endParaRPr>
+          </a:p>
+          <a:p>
+            <a:pPr>
+              <a:lnSpc>
+                <a:spcPct val="100000"/>
+              </a:lnSpc>
+              <a:spcBef>
+                <a:spcPts val="1191"/>
+              </a:spcBef>
+              <a:spcAft>
+                <a:spcPts val="992"/>
+              </a:spcAft>
+            </a:pPr>
+            <a:r>
+              <a:rPr b="0" lang="en-US" sz="2200" spc="-1" strike="noStrike">
+                <a:solidFill>
+                  <a:srgbClr val="000000"/>
+                </a:solidFill>
+                <a:latin typeface="Arial"/>
+              </a:rPr>
+              <a:t>  </a:t>
+            </a:r>
+            <a:r>
+              <a:rPr b="0" lang="en-US" sz="2200" spc="-1" strike="noStrike">
+                <a:solidFill>
+                  <a:srgbClr val="008000"/>
+                </a:solidFill>
+                <a:latin typeface="Arial"/>
+              </a:rPr>
+              <a:t>return</a:t>
+            </a:r>
+            <a:r>
+              <a:rPr b="0" lang="en-US" sz="2200" spc="-1" strike="noStrike">
+                <a:solidFill>
+                  <a:srgbClr val="000000"/>
+                </a:solidFill>
+                <a:latin typeface="Arial"/>
+              </a:rPr>
+              <a:t> callList;</a:t>
+            </a:r>
+            <a:endParaRPr b="0" lang="en-US" sz="2200" spc="-1" strike="noStrike">
+              <a:latin typeface="Arial"/>
+            </a:endParaRPr>
+          </a:p>
+          <a:p>
+            <a:pPr>
+              <a:lnSpc>
+                <a:spcPct val="100000"/>
+              </a:lnSpc>
+              <a:spcBef>
+                <a:spcPts val="1191"/>
+              </a:spcBef>
+              <a:spcAft>
+                <a:spcPts val="992"/>
+              </a:spcAft>
+            </a:pPr>
+            <a:r>
+              <a:rPr b="0" lang="en-US" sz="2200" spc="-1" strike="noStrike">
+                <a:solidFill>
+                  <a:srgbClr val="000000"/>
+                </a:solidFill>
+                <a:latin typeface="Arial"/>
+              </a:rPr>
+              <a:t>})</a:t>
+            </a:r>
+            <a:endParaRPr b="0" lang="en-US" sz="2200" spc="-1" strike="noStrike">
+              <a:latin typeface="Arial"/>
+            </a:endParaRPr>
+          </a:p>
+        </p:txBody>
+      </p:sp>
+    </p:spTree>
+  </p:cSld>
+  <p:transition spd="med">
+    <p:fade/>
+  </p:transition>
+  <p:timing>
+    <p:tnLst>
+      <p:par>
+        <p:cTn id="123" dur="indefinite" restart="never" nodeType="tmRoot">
+          <p:childTnLst>
+            <p:seq>
+              <p:cTn id="124" dur="indefinite" nodeType="mainSeq"/>
+              <p:prevCondLst>
+                <p:cond delay="0" evt="onPrev">
+                  <p:tgtEl>
+                    <p:sldTgt/>
+                  </p:tgtEl>
+                </p:cond>
+              </p:prevCondLst>
+              <p:nextCondLst>
+                <p:cond delay="0" evt="onNext">
+                  <p:tgtEl>
+                    <p:sldTgt/>
+                  </p:tgtEl>
+                </p:cond>
+              </p:nextCondLst>
+            </p:seq>
+          </p:childTnLst>
+        </p:cTn>
+      </p:par>
+    </p:tnLst>
+  </p:timing>
+</p:sld>
+</file>
+
+<file path=ppt/slides/slide28.xml><?xml version="1.0" encoding="utf-8"?>
+<p:sld xmlns:a="http://schemas.openxmlformats.org/drawingml/2006/main" xmlns:p="http://schemas.openxmlformats.org/presentationml/2006/main" xmlns:r="http://schemas.openxmlformats.org/officeDocument/2006/relationships" xmlns:p14="http://schemas.microsoft.com/office/powerpoint/2010/main" xmlns:p15="http://schemas.microsoft.com/office/powerpoint/2012/main" xmlns:mc="http://schemas.openxmlformats.org/markup-compatibility/2006">
+  <p:cSld>
+    <p:bg>
+      <p:bgPr>
+        <a:solidFill>
+          <a:srgbClr val="ffffff"/>
+        </a:solidFill>
+      </p:bgPr>
+    </p:bg>
+    <p:spTree>
+      <p:nvGrpSpPr>
+        <p:cNvPr id="1" name=""/>
+        <p:cNvGrpSpPr/>
+        <p:nvPr/>
+      </p:nvGrpSpPr>
+      <p:grpSpPr>
+        <a:xfrm>
+          <a:off x="0" y="0"/>
+          <a:ext cx="0" cy="0"/>
+          <a:chOff x="0" y="0"/>
+          <a:chExt cx="0" cy="0"/>
+        </a:xfrm>
+      </p:grpSpPr>
+      <p:sp>
+        <p:nvSpPr>
+          <p:cNvPr id="350" name="TextShape 1"/>
+          <p:cNvSpPr txBox="1"/>
+          <p:nvPr/>
+        </p:nvSpPr>
+        <p:spPr>
+          <a:xfrm>
+            <a:off x="274320" y="352440"/>
+            <a:ext cx="6211440" cy="561960"/>
+          </a:xfrm>
+          <a:prstGeom prst="rect">
+            <a:avLst/>
+          </a:prstGeom>
+          <a:noFill/>
+          <a:ln>
+            <a:noFill/>
+          </a:ln>
+        </p:spPr>
+        <p:txBody>
+          <a:bodyPr rIns="0" anchor="b">
+            <a:normAutofit/>
+          </a:bodyPr>
+          <a:p>
+            <a:pPr>
+              <a:lnSpc>
+                <a:spcPct val="90000"/>
+              </a:lnSpc>
+              <a:spcBef>
+                <a:spcPts val="601"/>
+              </a:spcBef>
+            </a:pPr>
+            <a:r>
+              <a:rPr b="0" lang="en-US" sz="3200" spc="-1" strike="noStrike">
+                <a:solidFill>
+                  <a:srgbClr val="007dc1"/>
+                </a:solidFill>
+                <a:latin typeface="Proxima Nova Semibold"/>
+              </a:rPr>
+              <a:t>All Together Now[3]</a:t>
+            </a:r>
+            <a:endParaRPr b="0" lang="en-US" sz="3200" spc="-1" strike="noStrike">
+              <a:solidFill>
+                <a:srgbClr val="5d5d5d"/>
+              </a:solidFill>
+              <a:latin typeface="Proxima Nova"/>
+            </a:endParaRPr>
+          </a:p>
+        </p:txBody>
+      </p:sp>
+      <p:sp>
+        <p:nvSpPr>
+          <p:cNvPr id="351" name="TextShape 2"/>
+          <p:cNvSpPr txBox="1"/>
+          <p:nvPr/>
+        </p:nvSpPr>
+        <p:spPr>
+          <a:xfrm>
+            <a:off x="293760" y="953280"/>
+            <a:ext cx="9326880" cy="4389120"/>
+          </a:xfrm>
+          <a:prstGeom prst="rect">
+            <a:avLst/>
+          </a:prstGeom>
+          <a:noFill/>
+          <a:ln>
+            <a:noFill/>
+          </a:ln>
+        </p:spPr>
+        <p:txBody>
+          <a:bodyPr lIns="90000" rIns="90000" tIns="45000" bIns="45000"/>
+          <a:p>
+            <a:pPr>
+              <a:lnSpc>
+                <a:spcPct val="100000"/>
+              </a:lnSpc>
+              <a:spcBef>
+                <a:spcPts val="1191"/>
+              </a:spcBef>
+              <a:spcAft>
+                <a:spcPts val="992"/>
+              </a:spcAft>
+            </a:pPr>
+            <a:r>
+              <a:rPr b="0" lang="en-US" sz="2200" spc="-1" strike="noStrike">
+                <a:solidFill>
+                  <a:srgbClr val="000000"/>
+                </a:solidFill>
+                <a:latin typeface="Arial"/>
+              </a:rPr>
+              <a:t>serverCall</a:t>
+            </a:r>
+            <a:endParaRPr b="0" lang="en-US" sz="2200" spc="-1" strike="noStrike">
+              <a:latin typeface="Arial"/>
+            </a:endParaRPr>
+          </a:p>
+          <a:p>
+            <a:pPr>
+              <a:lnSpc>
+                <a:spcPct val="100000"/>
+              </a:lnSpc>
+              <a:spcBef>
+                <a:spcPts val="1191"/>
+              </a:spcBef>
+              <a:spcAft>
+                <a:spcPts val="992"/>
+              </a:spcAft>
+            </a:pPr>
+            <a:r>
+              <a:rPr b="0" lang="en-US" sz="2200" spc="-1" strike="noStrike">
+                <a:solidFill>
+                  <a:srgbClr val="000000"/>
+                </a:solidFill>
+                <a:latin typeface="Arial"/>
+              </a:rPr>
+              <a:t>.then(callList =&gt; {</a:t>
+            </a:r>
+            <a:endParaRPr b="0" lang="en-US" sz="2200" spc="-1" strike="noStrike">
+              <a:latin typeface="Arial"/>
+            </a:endParaRPr>
+          </a:p>
+          <a:p>
+            <a:pPr>
+              <a:lnSpc>
+                <a:spcPct val="100000"/>
+              </a:lnSpc>
+              <a:spcBef>
+                <a:spcPts val="1191"/>
+              </a:spcBef>
+              <a:spcAft>
+                <a:spcPts val="992"/>
+              </a:spcAft>
+            </a:pPr>
+            <a:r>
+              <a:rPr b="0" lang="en-US" sz="2200" spc="-1" strike="noStrike">
+                <a:solidFill>
+                  <a:srgbClr val="000000"/>
+                </a:solidFill>
+                <a:latin typeface="Arial"/>
+              </a:rPr>
+              <a:t>  </a:t>
+            </a:r>
+            <a:r>
+              <a:rPr b="0" lang="en-US" sz="2200" spc="-1" strike="noStrike">
+                <a:solidFill>
+                  <a:srgbClr val="408080"/>
+                </a:solidFill>
+                <a:latin typeface="Arial"/>
+              </a:rPr>
+              <a:t>/* You would probably send </a:t>
+            </a:r>
+            <a:endParaRPr b="0" lang="en-US" sz="2200" spc="-1" strike="noStrike">
+              <a:latin typeface="Arial"/>
+            </a:endParaRPr>
+          </a:p>
+          <a:p>
+            <a:pPr>
+              <a:lnSpc>
+                <a:spcPct val="100000"/>
+              </a:lnSpc>
+              <a:spcBef>
+                <a:spcPts val="1191"/>
+              </a:spcBef>
+              <a:spcAft>
+                <a:spcPts val="992"/>
+              </a:spcAft>
+            </a:pPr>
+            <a:r>
+              <a:rPr b="0" lang="en-US" sz="2200" spc="-1" strike="noStrike">
+                <a:solidFill>
+                  <a:srgbClr val="408080"/>
+                </a:solidFill>
+                <a:latin typeface="Arial"/>
+              </a:rPr>
+              <a:t>     </a:t>
+            </a:r>
+            <a:r>
+              <a:rPr b="0" lang="en-US" sz="2200" spc="-1" strike="noStrike">
+                <a:solidFill>
+                  <a:srgbClr val="408080"/>
+                </a:solidFill>
+                <a:latin typeface="Arial"/>
+              </a:rPr>
+              <a:t>this to the UI to be displayed */</a:t>
+            </a:r>
+            <a:endParaRPr b="0" lang="en-US" sz="2200" spc="-1" strike="noStrike">
+              <a:latin typeface="Arial"/>
+            </a:endParaRPr>
+          </a:p>
+          <a:p>
+            <a:pPr>
+              <a:lnSpc>
+                <a:spcPct val="100000"/>
+              </a:lnSpc>
+              <a:spcBef>
+                <a:spcPts val="1191"/>
+              </a:spcBef>
+              <a:spcAft>
+                <a:spcPts val="992"/>
+              </a:spcAft>
+            </a:pPr>
+            <a:r>
+              <a:rPr b="0" lang="en-US" sz="2200" spc="-1" strike="noStrike">
+                <a:solidFill>
+                  <a:srgbClr val="000000"/>
+                </a:solidFill>
+                <a:latin typeface="Arial"/>
+              </a:rPr>
+              <a:t>  </a:t>
+            </a:r>
+            <a:r>
+              <a:rPr b="0" lang="en-US" sz="2200" spc="-1" strike="noStrike">
+                <a:solidFill>
+                  <a:srgbClr val="000000"/>
+                </a:solidFill>
+                <a:latin typeface="Arial"/>
+              </a:rPr>
+              <a:t>console.log(callList);</a:t>
+            </a:r>
+            <a:endParaRPr b="0" lang="en-US" sz="2200" spc="-1" strike="noStrike">
+              <a:latin typeface="Arial"/>
+            </a:endParaRPr>
+          </a:p>
+          <a:p>
+            <a:pPr>
+              <a:lnSpc>
+                <a:spcPct val="100000"/>
+              </a:lnSpc>
+              <a:spcBef>
+                <a:spcPts val="1191"/>
+              </a:spcBef>
+              <a:spcAft>
+                <a:spcPts val="992"/>
+              </a:spcAft>
+            </a:pPr>
+            <a:r>
+              <a:rPr b="0" lang="en-US" sz="2200" spc="-1" strike="noStrike">
+                <a:solidFill>
+                  <a:srgbClr val="000000"/>
+                </a:solidFill>
+                <a:latin typeface="Arial"/>
+              </a:rPr>
+              <a:t>})</a:t>
+            </a:r>
+            <a:endParaRPr b="0" lang="en-US" sz="2200" spc="-1" strike="noStrike">
+              <a:latin typeface="Arial"/>
+            </a:endParaRPr>
+          </a:p>
+          <a:p>
+            <a:pPr>
+              <a:lnSpc>
+                <a:spcPct val="100000"/>
+              </a:lnSpc>
+              <a:spcBef>
+                <a:spcPts val="1191"/>
+              </a:spcBef>
+              <a:spcAft>
+                <a:spcPts val="992"/>
+              </a:spcAft>
+            </a:pPr>
+            <a:r>
+              <a:rPr b="0" lang="en-US" sz="2200" spc="-1" strike="noStrike">
+                <a:solidFill>
+                  <a:srgbClr val="000000"/>
+                </a:solidFill>
+                <a:latin typeface="Arial"/>
+              </a:rPr>
+              <a:t>.</a:t>
+            </a:r>
+            <a:r>
+              <a:rPr b="0" lang="en-US" sz="2200" spc="-1" strike="noStrike">
+                <a:solidFill>
+                  <a:srgbClr val="008000"/>
+                </a:solidFill>
+                <a:latin typeface="Arial"/>
+              </a:rPr>
+              <a:t>catch</a:t>
+            </a:r>
+            <a:r>
+              <a:rPr b="0" lang="en-US" sz="2200" spc="-1" strike="noStrike">
+                <a:solidFill>
+                  <a:srgbClr val="000000"/>
+                </a:solidFill>
+                <a:latin typeface="Arial"/>
+              </a:rPr>
+              <a:t>(err =&gt; console.log(err));</a:t>
+            </a:r>
+            <a:endParaRPr b="0" lang="en-US" sz="2200" spc="-1" strike="noStrike">
+              <a:latin typeface="Arial"/>
+            </a:endParaRPr>
+          </a:p>
+        </p:txBody>
+      </p:sp>
+    </p:spTree>
+  </p:cSld>
+  <p:transition spd="med">
+    <p:fade/>
+  </p:transition>
+  <p:timing>
+    <p:tnLst>
+      <p:par>
+        <p:cTn id="125" dur="indefinite" restart="never" nodeType="tmRoot">
+          <p:childTnLst>
+            <p:seq>
+              <p:cTn id="126" dur="indefinite" nodeType="mainSeq"/>
+              <p:prevCondLst>
+                <p:cond delay="0" evt="onPrev">
+                  <p:tgtEl>
+                    <p:sldTgt/>
+                  </p:tgtEl>
+                </p:cond>
+              </p:prevCondLst>
+              <p:nextCondLst>
+                <p:cond delay="0" evt="onNext">
+                  <p:tgtEl>
+                    <p:sldTgt/>
+                  </p:tgtEl>
+                </p:cond>
+              </p:nextCondLst>
+            </p:seq>
+          </p:childTnLst>
+        </p:cTn>
+      </p:par>
+    </p:tnLst>
+  </p:timing>
+</p:sld>
+</file>
+
+<file path=ppt/slides/slide29.xml><?xml version="1.0" encoding="utf-8"?>
+<p:sld xmlns:a="http://schemas.openxmlformats.org/drawingml/2006/main" xmlns:p="http://schemas.openxmlformats.org/presentationml/2006/main" xmlns:r="http://schemas.openxmlformats.org/officeDocument/2006/relationships" xmlns:p14="http://schemas.microsoft.com/office/powerpoint/2010/main" xmlns:p15="http://schemas.microsoft.com/office/powerpoint/2012/main" xmlns:mc="http://schemas.openxmlformats.org/markup-compatibility/2006">
+  <p:cSld>
+    <p:bg>
+      <p:bgPr>
+        <a:solidFill>
           <a:srgbClr val="007dc1"/>
         </a:solidFill>
       </p:bgPr>
@@ -20517,7 +21606,7 @@
       </p:grpSpPr>
       <p:sp>
         <p:nvSpPr>
-          <p:cNvPr id="346" name="CustomShape 1"/>
+          <p:cNvPr id="352" name="CustomShape 1"/>
           <p:cNvSpPr/>
           <p:nvPr/>
         </p:nvSpPr>
@@ -20591,7 +21680,7 @@
       </p:sp>
       <p:sp>
         <p:nvSpPr>
-          <p:cNvPr id="347" name="TextShape 2"/>
+          <p:cNvPr id="353" name="TextShape 2"/>
           <p:cNvSpPr txBox="1"/>
           <p:nvPr/>
         </p:nvSpPr>
@@ -20641,7 +21730,7 @@
       </p:sp>
       <p:sp>
         <p:nvSpPr>
-          <p:cNvPr id="348" name="TextShape 3"/>
+          <p:cNvPr id="354" name="TextShape 3"/>
           <p:cNvSpPr txBox="1"/>
           <p:nvPr/>
         </p:nvSpPr>
@@ -20888,107 +21977,10 @@
   <p:timing>
     <p:tnLst>
       <p:par>
-        <p:cTn id="81" dur="indefinite" restart="never" nodeType="tmRoot">
+        <p:cTn id="127" dur="indefinite" restart="never" nodeType="tmRoot">
           <p:childTnLst>
             <p:seq>
-              <p:cTn id="82" dur="indefinite" nodeType="mainSeq"/>
-              <p:prevCondLst>
-                <p:cond delay="0" evt="onPrev">
-                  <p:tgtEl>
-                    <p:sldTgt/>
-                  </p:tgtEl>
-                </p:cond>
-              </p:prevCondLst>
-              <p:nextCondLst>
-                <p:cond delay="0" evt="onNext">
-                  <p:tgtEl>
-                    <p:sldTgt/>
-                  </p:tgtEl>
-                </p:cond>
-              </p:nextCondLst>
-            </p:seq>
-          </p:childTnLst>
-        </p:cTn>
-      </p:par>
-    </p:tnLst>
-  </p:timing>
-</p:sld>
-</file>
-
-<file path=ppt/slides/slide27.xml><?xml version="1.0" encoding="utf-8"?>
-<p:sld xmlns:a="http://schemas.openxmlformats.org/drawingml/2006/main" xmlns:p="http://schemas.openxmlformats.org/presentationml/2006/main" xmlns:r="http://schemas.openxmlformats.org/officeDocument/2006/relationships" xmlns:p14="http://schemas.microsoft.com/office/powerpoint/2010/main" xmlns:p15="http://schemas.microsoft.com/office/powerpoint/2012/main" xmlns:mc="http://schemas.openxmlformats.org/markup-compatibility/2006">
-  <p:cSld>
-    <p:spTree>
-      <p:nvGrpSpPr>
-        <p:cNvPr id="1" name=""/>
-        <p:cNvGrpSpPr/>
-        <p:nvPr/>
-      </p:nvGrpSpPr>
-      <p:grpSpPr>
-        <a:xfrm>
-          <a:off x="0" y="0"/>
-          <a:ext cx="0" cy="0"/>
-          <a:chOff x="0" y="0"/>
-          <a:chExt cx="0" cy="0"/>
-        </a:xfrm>
-      </p:grpSpPr>
-      <p:sp>
-        <p:nvSpPr>
-          <p:cNvPr id="349" name="TextShape 1"/>
-          <p:cNvSpPr txBox="1"/>
-          <p:nvPr/>
-        </p:nvSpPr>
-        <p:spPr>
-          <a:xfrm>
-            <a:off x="1049760" y="3506760"/>
-            <a:ext cx="7979400" cy="591120"/>
-          </a:xfrm>
-          <a:prstGeom prst="rect">
-            <a:avLst/>
-          </a:prstGeom>
-          <a:noFill/>
-          <a:ln>
-            <a:noFill/>
-          </a:ln>
-        </p:spPr>
-        <p:txBody>
-          <a:bodyPr rIns="0"/>
-          <a:p>
-            <a:pPr algn="ctr">
-              <a:lnSpc>
-                <a:spcPct val="90000"/>
-              </a:lnSpc>
-              <a:spcBef>
-                <a:spcPts val="601"/>
-              </a:spcBef>
-            </a:pPr>
-            <a:r>
-              <a:rPr b="0" lang="en-US" sz="2800" spc="-1" strike="noStrike">
-                <a:solidFill>
-                  <a:srgbClr val="f9f7f6"/>
-                </a:solidFill>
-                <a:latin typeface="Calibri"/>
-              </a:rPr>
-              <a:t>Thank You</a:t>
-            </a:r>
-            <a:endParaRPr b="0" lang="en-US" sz="2800" spc="-1" strike="noStrike">
-              <a:latin typeface="Arial"/>
-            </a:endParaRPr>
-          </a:p>
-        </p:txBody>
-      </p:sp>
-    </p:spTree>
-  </p:cSld>
-  <p:transition spd="med">
-    <p:fade/>
-  </p:transition>
-  <p:timing>
-    <p:tnLst>
-      <p:par>
-        <p:cTn id="83" dur="indefinite" restart="never" nodeType="tmRoot">
-          <p:childTnLst>
-            <p:seq>
-              <p:cTn id="84" dur="indefinite" nodeType="mainSeq"/>
+              <p:cTn id="128" dur="indefinite" nodeType="mainSeq"/>
               <p:prevCondLst>
                 <p:cond delay="0" evt="onPrev">
                   <p:tgtEl>
@@ -21789,6 +22781,103 @@
 </p:sld>
 </file>
 
+<file path=ppt/slides/slide30.xml><?xml version="1.0" encoding="utf-8"?>
+<p:sld xmlns:a="http://schemas.openxmlformats.org/drawingml/2006/main" xmlns:p="http://schemas.openxmlformats.org/presentationml/2006/main" xmlns:r="http://schemas.openxmlformats.org/officeDocument/2006/relationships" xmlns:p14="http://schemas.microsoft.com/office/powerpoint/2010/main" xmlns:p15="http://schemas.microsoft.com/office/powerpoint/2012/main" xmlns:mc="http://schemas.openxmlformats.org/markup-compatibility/2006">
+  <p:cSld>
+    <p:spTree>
+      <p:nvGrpSpPr>
+        <p:cNvPr id="1" name=""/>
+        <p:cNvGrpSpPr/>
+        <p:nvPr/>
+      </p:nvGrpSpPr>
+      <p:grpSpPr>
+        <a:xfrm>
+          <a:off x="0" y="0"/>
+          <a:ext cx="0" cy="0"/>
+          <a:chOff x="0" y="0"/>
+          <a:chExt cx="0" cy="0"/>
+        </a:xfrm>
+      </p:grpSpPr>
+      <p:sp>
+        <p:nvSpPr>
+          <p:cNvPr id="355" name="TextShape 1"/>
+          <p:cNvSpPr txBox="1"/>
+          <p:nvPr/>
+        </p:nvSpPr>
+        <p:spPr>
+          <a:xfrm>
+            <a:off x="1049760" y="3506760"/>
+            <a:ext cx="7979400" cy="591120"/>
+          </a:xfrm>
+          <a:prstGeom prst="rect">
+            <a:avLst/>
+          </a:prstGeom>
+          <a:noFill/>
+          <a:ln>
+            <a:noFill/>
+          </a:ln>
+        </p:spPr>
+        <p:txBody>
+          <a:bodyPr rIns="0"/>
+          <a:p>
+            <a:pPr algn="ctr">
+              <a:lnSpc>
+                <a:spcPct val="90000"/>
+              </a:lnSpc>
+              <a:spcBef>
+                <a:spcPts val="601"/>
+              </a:spcBef>
+            </a:pPr>
+            <a:r>
+              <a:rPr b="0" lang="en-US" sz="2800" spc="-1" strike="noStrike">
+                <a:solidFill>
+                  <a:srgbClr val="f9f7f6"/>
+                </a:solidFill>
+                <a:latin typeface="Calibri"/>
+              </a:rPr>
+              <a:t>Thank You</a:t>
+            </a:r>
+            <a:endParaRPr b="0" lang="en-US" sz="2800" spc="-1" strike="noStrike">
+              <a:latin typeface="Arial"/>
+            </a:endParaRPr>
+          </a:p>
+        </p:txBody>
+      </p:sp>
+    </p:spTree>
+  </p:cSld>
+  <p:transition spd="med">
+    <p:fade/>
+  </p:transition>
+  <p:timing>
+    <p:tnLst>
+      <p:par>
+        <p:cTn id="129" dur="indefinite" restart="never" nodeType="tmRoot">
+          <p:childTnLst>
+            <p:seq>
+              <p:cTn id="130" dur="indefinite" nodeType="mainSeq"/>
+              <p:prevCondLst>
+                <p:cond delay="0" evt="onPrev">
+                  <p:tgtEl>
+                    <p:sldTgt/>
+                  </p:tgtEl>
+                </p:cond>
+              </p:prevCondLst>
+              <p:nextCondLst>
+                <p:cond delay="0" evt="onNext">
+                  <p:tgtEl>
+                    <p:sldTgt/>
+                  </p:tgtEl>
+                </p:cond>
+              </p:nextCondLst>
+            </p:seq>
+          </p:childTnLst>
+        </p:cTn>
+      </p:par>
+    </p:tnLst>
+  </p:timing>
+</p:sld>
+</file>
+
 <file path=ppt/slides/slide4.xml><?xml version="1.0" encoding="utf-8"?>
 <p:sld xmlns:a="http://schemas.openxmlformats.org/drawingml/2006/main" xmlns:p="http://schemas.openxmlformats.org/presentationml/2006/main" xmlns:r="http://schemas.openxmlformats.org/officeDocument/2006/relationships" xmlns:p14="http://schemas.microsoft.com/office/powerpoint/2010/main" xmlns:p15="http://schemas.microsoft.com/office/powerpoint/2012/main" xmlns:mc="http://schemas.openxmlformats.org/markup-compatibility/2006">
   <p:cSld>
@@ -22221,7 +23310,500 @@
         <p:cTn id="37" dur="indefinite" restart="never" nodeType="tmRoot">
           <p:childTnLst>
             <p:seq>
-              <p:cTn id="38" dur="indefinite" nodeType="mainSeq"/>
+              <p:cTn id="38" dur="indefinite" nodeType="mainSeq">
+                <p:childTnLst>
+                  <p:par>
+                    <p:cTn id="39" fill="hold">
+                      <p:stCondLst>
+                        <p:cond delay="indefinite"/>
+                      </p:stCondLst>
+                      <p:childTnLst>
+                        <p:par>
+                          <p:cTn id="40" fill="hold">
+                            <p:stCondLst>
+                              <p:cond delay="0"/>
+                            </p:stCondLst>
+                            <p:childTnLst>
+                              <p:par>
+                                <p:cTn id="41" nodeType="clickEffect" fill="hold" presetClass="entr" presetID="1">
+                                  <p:stCondLst>
+                                    <p:cond delay="0"/>
+                                  </p:stCondLst>
+                                  <p:childTnLst>
+                                    <p:set>
+                                      <p:cBhvr>
+                                        <p:cTn id="42" dur="1" fill="hold">
+                                          <p:stCondLst>
+                                            <p:cond delay="0"/>
+                                          </p:stCondLst>
+                                        </p:cTn>
+                                        <p:tgtEl>
+                                          <p:spTgt spid="271">
+                                            <p:txEl>
+                                              <p:pRg st="0" end="0"/>
+                                            </p:txEl>
+                                          </p:spTgt>
+                                        </p:tgtEl>
+                                        <p:attrNameLst>
+                                          <p:attrName>style.visibility</p:attrName>
+                                        </p:attrNameLst>
+                                      </p:cBhvr>
+                                      <p:to>
+                                        <p:strVal val="visible"/>
+                                      </p:to>
+                                    </p:set>
+                                  </p:childTnLst>
+                                </p:cTn>
+                              </p:par>
+                            </p:childTnLst>
+                          </p:cTn>
+                        </p:par>
+                      </p:childTnLst>
+                    </p:cTn>
+                  </p:par>
+                  <p:par>
+                    <p:cTn id="43" fill="hold">
+                      <p:stCondLst>
+                        <p:cond delay="indefinite"/>
+                      </p:stCondLst>
+                      <p:childTnLst>
+                        <p:par>
+                          <p:cTn id="44" fill="hold">
+                            <p:stCondLst>
+                              <p:cond delay="0"/>
+                            </p:stCondLst>
+                            <p:childTnLst>
+                              <p:par>
+                                <p:cTn id="45" nodeType="clickEffect" fill="hold" presetClass="entr" presetID="1">
+                                  <p:stCondLst>
+                                    <p:cond delay="0"/>
+                                  </p:stCondLst>
+                                  <p:childTnLst>
+                                    <p:set>
+                                      <p:cBhvr>
+                                        <p:cTn id="46" dur="1" fill="hold">
+                                          <p:stCondLst>
+                                            <p:cond delay="0"/>
+                                          </p:stCondLst>
+                                        </p:cTn>
+                                        <p:tgtEl>
+                                          <p:spTgt spid="271">
+                                            <p:txEl>
+                                              <p:pRg st="1" end="1"/>
+                                            </p:txEl>
+                                          </p:spTgt>
+                                        </p:tgtEl>
+                                        <p:attrNameLst>
+                                          <p:attrName>style.visibility</p:attrName>
+                                        </p:attrNameLst>
+                                      </p:cBhvr>
+                                      <p:to>
+                                        <p:strVal val="visible"/>
+                                      </p:to>
+                                    </p:set>
+                                  </p:childTnLst>
+                                </p:cTn>
+                              </p:par>
+                            </p:childTnLst>
+                          </p:cTn>
+                        </p:par>
+                      </p:childTnLst>
+                    </p:cTn>
+                  </p:par>
+                  <p:par>
+                    <p:cTn id="47" fill="hold">
+                      <p:stCondLst>
+                        <p:cond delay="indefinite"/>
+                      </p:stCondLst>
+                      <p:childTnLst>
+                        <p:par>
+                          <p:cTn id="48" fill="hold">
+                            <p:stCondLst>
+                              <p:cond delay="0"/>
+                            </p:stCondLst>
+                            <p:childTnLst>
+                              <p:par>
+                                <p:cTn id="49" nodeType="clickEffect" fill="hold" presetClass="entr" presetID="1">
+                                  <p:stCondLst>
+                                    <p:cond delay="0"/>
+                                  </p:stCondLst>
+                                  <p:childTnLst>
+                                    <p:set>
+                                      <p:cBhvr>
+                                        <p:cTn id="50" dur="1" fill="hold">
+                                          <p:stCondLst>
+                                            <p:cond delay="0"/>
+                                          </p:stCondLst>
+                                        </p:cTn>
+                                        <p:tgtEl>
+                                          <p:spTgt spid="271">
+                                            <p:txEl>
+                                              <p:pRg st="2" end="2"/>
+                                            </p:txEl>
+                                          </p:spTgt>
+                                        </p:tgtEl>
+                                        <p:attrNameLst>
+                                          <p:attrName>style.visibility</p:attrName>
+                                        </p:attrNameLst>
+                                      </p:cBhvr>
+                                      <p:to>
+                                        <p:strVal val="visible"/>
+                                      </p:to>
+                                    </p:set>
+                                  </p:childTnLst>
+                                </p:cTn>
+                              </p:par>
+                            </p:childTnLst>
+                          </p:cTn>
+                        </p:par>
+                      </p:childTnLst>
+                    </p:cTn>
+                  </p:par>
+                  <p:par>
+                    <p:cTn id="51" fill="hold">
+                      <p:stCondLst>
+                        <p:cond delay="indefinite"/>
+                      </p:stCondLst>
+                      <p:childTnLst>
+                        <p:par>
+                          <p:cTn id="52" fill="hold">
+                            <p:stCondLst>
+                              <p:cond delay="0"/>
+                            </p:stCondLst>
+                            <p:childTnLst>
+                              <p:par>
+                                <p:cTn id="53" nodeType="clickEffect" fill="hold" presetClass="entr" presetID="1">
+                                  <p:stCondLst>
+                                    <p:cond delay="0"/>
+                                  </p:stCondLst>
+                                  <p:childTnLst>
+                                    <p:set>
+                                      <p:cBhvr>
+                                        <p:cTn id="54" dur="1" fill="hold">
+                                          <p:stCondLst>
+                                            <p:cond delay="0"/>
+                                          </p:stCondLst>
+                                        </p:cTn>
+                                        <p:tgtEl>
+                                          <p:spTgt spid="271">
+                                            <p:txEl>
+                                              <p:pRg st="3" end="3"/>
+                                            </p:txEl>
+                                          </p:spTgt>
+                                        </p:tgtEl>
+                                        <p:attrNameLst>
+                                          <p:attrName>style.visibility</p:attrName>
+                                        </p:attrNameLst>
+                                      </p:cBhvr>
+                                      <p:to>
+                                        <p:strVal val="visible"/>
+                                      </p:to>
+                                    </p:set>
+                                  </p:childTnLst>
+                                </p:cTn>
+                              </p:par>
+                            </p:childTnLst>
+                          </p:cTn>
+                        </p:par>
+                      </p:childTnLst>
+                    </p:cTn>
+                  </p:par>
+                  <p:par>
+                    <p:cTn id="55" fill="hold">
+                      <p:stCondLst>
+                        <p:cond delay="indefinite"/>
+                      </p:stCondLst>
+                      <p:childTnLst>
+                        <p:par>
+                          <p:cTn id="56" fill="hold">
+                            <p:stCondLst>
+                              <p:cond delay="0"/>
+                            </p:stCondLst>
+                            <p:childTnLst>
+                              <p:par>
+                                <p:cTn id="57" nodeType="clickEffect" fill="hold" presetClass="entr" presetID="1">
+                                  <p:stCondLst>
+                                    <p:cond delay="0"/>
+                                  </p:stCondLst>
+                                  <p:childTnLst>
+                                    <p:set>
+                                      <p:cBhvr>
+                                        <p:cTn id="58" dur="1" fill="hold">
+                                          <p:stCondLst>
+                                            <p:cond delay="0"/>
+                                          </p:stCondLst>
+                                        </p:cTn>
+                                        <p:tgtEl>
+                                          <p:spTgt spid="271">
+                                            <p:txEl>
+                                              <p:pRg st="4" end="4"/>
+                                            </p:txEl>
+                                          </p:spTgt>
+                                        </p:tgtEl>
+                                        <p:attrNameLst>
+                                          <p:attrName>style.visibility</p:attrName>
+                                        </p:attrNameLst>
+                                      </p:cBhvr>
+                                      <p:to>
+                                        <p:strVal val="visible"/>
+                                      </p:to>
+                                    </p:set>
+                                  </p:childTnLst>
+                                </p:cTn>
+                              </p:par>
+                            </p:childTnLst>
+                          </p:cTn>
+                        </p:par>
+                      </p:childTnLst>
+                    </p:cTn>
+                  </p:par>
+                  <p:par>
+                    <p:cTn id="59" fill="hold">
+                      <p:stCondLst>
+                        <p:cond delay="indefinite"/>
+                      </p:stCondLst>
+                      <p:childTnLst>
+                        <p:par>
+                          <p:cTn id="60" fill="hold">
+                            <p:stCondLst>
+                              <p:cond delay="0"/>
+                            </p:stCondLst>
+                            <p:childTnLst>
+                              <p:par>
+                                <p:cTn id="61" nodeType="clickEffect" fill="hold" presetClass="entr" presetID="1">
+                                  <p:stCondLst>
+                                    <p:cond delay="0"/>
+                                  </p:stCondLst>
+                                  <p:childTnLst>
+                                    <p:set>
+                                      <p:cBhvr>
+                                        <p:cTn id="62" dur="1" fill="hold">
+                                          <p:stCondLst>
+                                            <p:cond delay="0"/>
+                                          </p:stCondLst>
+                                        </p:cTn>
+                                        <p:tgtEl>
+                                          <p:spTgt spid="271">
+                                            <p:txEl>
+                                              <p:pRg st="5" end="5"/>
+                                            </p:txEl>
+                                          </p:spTgt>
+                                        </p:tgtEl>
+                                        <p:attrNameLst>
+                                          <p:attrName>style.visibility</p:attrName>
+                                        </p:attrNameLst>
+                                      </p:cBhvr>
+                                      <p:to>
+                                        <p:strVal val="visible"/>
+                                      </p:to>
+                                    </p:set>
+                                  </p:childTnLst>
+                                </p:cTn>
+                              </p:par>
+                            </p:childTnLst>
+                          </p:cTn>
+                        </p:par>
+                      </p:childTnLst>
+                    </p:cTn>
+                  </p:par>
+                  <p:par>
+                    <p:cTn id="63" fill="hold">
+                      <p:stCondLst>
+                        <p:cond delay="indefinite"/>
+                      </p:stCondLst>
+                      <p:childTnLst>
+                        <p:par>
+                          <p:cTn id="64" fill="hold">
+                            <p:stCondLst>
+                              <p:cond delay="0"/>
+                            </p:stCondLst>
+                            <p:childTnLst>
+                              <p:par>
+                                <p:cTn id="65" nodeType="clickEffect" fill="hold" presetClass="entr" presetID="1">
+                                  <p:stCondLst>
+                                    <p:cond delay="0"/>
+                                  </p:stCondLst>
+                                  <p:childTnLst>
+                                    <p:set>
+                                      <p:cBhvr>
+                                        <p:cTn id="66" dur="1" fill="hold">
+                                          <p:stCondLst>
+                                            <p:cond delay="0"/>
+                                          </p:stCondLst>
+                                        </p:cTn>
+                                        <p:tgtEl>
+                                          <p:spTgt spid="271">
+                                            <p:txEl>
+                                              <p:pRg st="6" end="6"/>
+                                            </p:txEl>
+                                          </p:spTgt>
+                                        </p:tgtEl>
+                                        <p:attrNameLst>
+                                          <p:attrName>style.visibility</p:attrName>
+                                        </p:attrNameLst>
+                                      </p:cBhvr>
+                                      <p:to>
+                                        <p:strVal val="visible"/>
+                                      </p:to>
+                                    </p:set>
+                                  </p:childTnLst>
+                                </p:cTn>
+                              </p:par>
+                            </p:childTnLst>
+                          </p:cTn>
+                        </p:par>
+                      </p:childTnLst>
+                    </p:cTn>
+                  </p:par>
+                  <p:par>
+                    <p:cTn id="67" fill="hold">
+                      <p:stCondLst>
+                        <p:cond delay="indefinite"/>
+                      </p:stCondLst>
+                      <p:childTnLst>
+                        <p:par>
+                          <p:cTn id="68" fill="hold">
+                            <p:stCondLst>
+                              <p:cond delay="0"/>
+                            </p:stCondLst>
+                            <p:childTnLst>
+                              <p:par>
+                                <p:cTn id="69" nodeType="clickEffect" fill="hold" presetClass="entr" presetID="1">
+                                  <p:stCondLst>
+                                    <p:cond delay="0"/>
+                                  </p:stCondLst>
+                                  <p:childTnLst>
+                                    <p:set>
+                                      <p:cBhvr>
+                                        <p:cTn id="70" dur="1" fill="hold">
+                                          <p:stCondLst>
+                                            <p:cond delay="0"/>
+                                          </p:stCondLst>
+                                        </p:cTn>
+                                        <p:tgtEl>
+                                          <p:spTgt spid="271">
+                                            <p:txEl>
+                                              <p:pRg st="7" end="7"/>
+                                            </p:txEl>
+                                          </p:spTgt>
+                                        </p:tgtEl>
+                                        <p:attrNameLst>
+                                          <p:attrName>style.visibility</p:attrName>
+                                        </p:attrNameLst>
+                                      </p:cBhvr>
+                                      <p:to>
+                                        <p:strVal val="visible"/>
+                                      </p:to>
+                                    </p:set>
+                                  </p:childTnLst>
+                                </p:cTn>
+                              </p:par>
+                            </p:childTnLst>
+                          </p:cTn>
+                        </p:par>
+                      </p:childTnLst>
+                    </p:cTn>
+                  </p:par>
+                  <p:par>
+                    <p:cTn id="71" fill="hold">
+                      <p:stCondLst>
+                        <p:cond delay="indefinite"/>
+                      </p:stCondLst>
+                      <p:childTnLst>
+                        <p:par>
+                          <p:cTn id="72" fill="hold">
+                            <p:stCondLst>
+                              <p:cond delay="0"/>
+                            </p:stCondLst>
+                            <p:childTnLst>
+                              <p:par>
+                                <p:cTn id="73" nodeType="clickEffect" fill="hold" presetClass="entr" presetID="1">
+                                  <p:stCondLst>
+                                    <p:cond delay="0"/>
+                                  </p:stCondLst>
+                                  <p:childTnLst>
+                                    <p:set>
+                                      <p:cBhvr>
+                                        <p:cTn id="74" dur="1" fill="hold">
+                                          <p:stCondLst>
+                                            <p:cond delay="0"/>
+                                          </p:stCondLst>
+                                        </p:cTn>
+                                        <p:tgtEl>
+                                          <p:spTgt spid="271">
+                                            <p:txEl>
+                                              <p:pRg st="8" end="8"/>
+                                            </p:txEl>
+                                          </p:spTgt>
+                                        </p:tgtEl>
+                                        <p:attrNameLst>
+                                          <p:attrName>style.visibility</p:attrName>
+                                        </p:attrNameLst>
+                                      </p:cBhvr>
+                                      <p:to>
+                                        <p:strVal val="visible"/>
+                                      </p:to>
+                                    </p:set>
+                                  </p:childTnLst>
+                                </p:cTn>
+                              </p:par>
+                            </p:childTnLst>
+                          </p:cTn>
+                        </p:par>
+                      </p:childTnLst>
+                    </p:cTn>
+                  </p:par>
+                  <p:par>
+                    <p:cTn id="75" fill="hold">
+                      <p:stCondLst>
+                        <p:cond delay="indefinite"/>
+                      </p:stCondLst>
+                      <p:childTnLst>
+                        <p:par>
+                          <p:cTn id="76" fill="hold">
+                            <p:stCondLst>
+                              <p:cond delay="0"/>
+                            </p:stCondLst>
+                            <p:childTnLst>
+                              <p:par>
+                                <p:cTn id="77" nodeType="clickEffect" fill="hold" presetClass="entr" presetID="1">
+                                  <p:stCondLst>
+                                    <p:cond delay="0"/>
+                                  </p:stCondLst>
+                                  <p:childTnLst>
+                                    <p:set>
+                                      <p:cBhvr>
+                                        <p:cTn id="78" dur="1" fill="hold">
+                                          <p:stCondLst>
+                                            <p:cond delay="0"/>
+                                          </p:stCondLst>
+                                        </p:cTn>
+                                        <p:tgtEl>
+                                          <p:spTgt spid="271">
+                                            <p:txEl>
+                                              <p:pRg st="9" end="9"/>
+                                            </p:txEl>
+                                          </p:spTgt>
+                                        </p:tgtEl>
+                                        <p:attrNameLst>
+                                          <p:attrName>style.visibility</p:attrName>
+                                        </p:attrNameLst>
+                                      </p:cBhvr>
+                                      <p:to>
+                                        <p:strVal val="visible"/>
+                                      </p:to>
+                                    </p:set>
+                                  </p:childTnLst>
+                                </p:cTn>
+                              </p:par>
+                            </p:childTnLst>
+                          </p:cTn>
+                        </p:par>
+                      </p:childTnLst>
+                    </p:cTn>
+                  </p:par>
+                </p:childTnLst>
+              </p:cTn>
               <p:prevCondLst>
                 <p:cond delay="0" evt="onPrev">
                   <p:tgtEl>
@@ -22341,10 +23923,10 @@
   <p:timing>
     <p:tnLst>
       <p:par>
-        <p:cTn id="39" dur="indefinite" restart="never" nodeType="tmRoot">
+        <p:cTn id="79" dur="indefinite" restart="never" nodeType="tmRoot">
           <p:childTnLst>
             <p:seq>
-              <p:cTn id="40" dur="indefinite" nodeType="mainSeq"/>
+              <p:cTn id="80" dur="indefinite" nodeType="mainSeq"/>
               <p:prevCondLst>
                 <p:cond delay="0" evt="onPrev">
                   <p:tgtEl>
@@ -22828,10 +24410,10 @@
   <p:timing>
     <p:tnLst>
       <p:par>
-        <p:cTn id="41" dur="indefinite" restart="never" nodeType="tmRoot">
+        <p:cTn id="81" dur="indefinite" restart="never" nodeType="tmRoot">
           <p:childTnLst>
             <p:seq>
-              <p:cTn id="42" dur="indefinite" nodeType="mainSeq"/>
+              <p:cTn id="82" dur="indefinite" nodeType="mainSeq"/>
               <p:prevCondLst>
                 <p:cond delay="0" evt="onPrev">
                   <p:tgtEl>
@@ -24907,10 +26489,10 @@
   <p:timing>
     <p:tnLst>
       <p:par>
-        <p:cTn id="43" dur="indefinite" restart="never" nodeType="tmRoot">
+        <p:cTn id="83" dur="indefinite" restart="never" nodeType="tmRoot">
           <p:childTnLst>
             <p:seq>
-              <p:cTn id="44" dur="indefinite" nodeType="mainSeq"/>
+              <p:cTn id="84" dur="indefinite" nodeType="mainSeq"/>
               <p:prevCondLst>
                 <p:cond delay="0" evt="onPrev">
                   <p:tgtEl>
@@ -25339,10 +26921,10 @@
   <p:timing>
     <p:tnLst>
       <p:par>
-        <p:cTn id="45" dur="indefinite" restart="never" nodeType="tmRoot">
+        <p:cTn id="85" dur="indefinite" restart="never" nodeType="tmRoot">
           <p:childTnLst>
             <p:seq>
-              <p:cTn id="46" dur="indefinite" nodeType="mainSeq"/>
+              <p:cTn id="86" dur="indefinite" nodeType="mainSeq"/>
               <p:prevCondLst>
                 <p:cond delay="0" evt="onPrev">
                   <p:tgtEl>
@@ -25674,11 +27256,20 @@
             <a:r>
               <a:rPr b="0" lang="en-US" sz="2000" spc="-1" strike="noStrike">
                 <a:solidFill>
-                  <a:srgbClr val="000000"/>
-                </a:solidFill>
-                <a:latin typeface="Arial"/>
-              </a:rPr>
-              <a:t>console.log(i);</a:t>
+                  <a:srgbClr val="008000"/>
+                </a:solidFill>
+                <a:latin typeface="Arial"/>
+              </a:rPr>
+              <a:t>console</a:t>
+            </a:r>
+            <a:r>
+              <a:rPr b="0" lang="en-US" sz="2000" spc="-1" strike="noStrike">
+                <a:solidFill>
+                  <a:srgbClr val="000000"/>
+                </a:solidFill>
+                <a:latin typeface="Arial"/>
+              </a:rPr>
+              <a:t>.log(i);</a:t>
             </a:r>
             <a:endParaRPr b="0" lang="en-US" sz="2000" spc="-1" strike="noStrike">
               <a:latin typeface="Arial"/>
@@ -26074,11 +27665,20 @@
             <a:r>
               <a:rPr b="0" lang="en-US" sz="2000" spc="-1" strike="noStrike">
                 <a:solidFill>
-                  <a:srgbClr val="000000"/>
-                </a:solidFill>
-                <a:latin typeface="Arial"/>
-              </a:rPr>
-              <a:t>console.log(i);</a:t>
+                  <a:srgbClr val="008000"/>
+                </a:solidFill>
+                <a:latin typeface="Arial"/>
+              </a:rPr>
+              <a:t>console</a:t>
+            </a:r>
+            <a:r>
+              <a:rPr b="0" lang="en-US" sz="2000" spc="-1" strike="noStrike">
+                <a:solidFill>
+                  <a:srgbClr val="000000"/>
+                </a:solidFill>
+                <a:latin typeface="Arial"/>
+              </a:rPr>
+              <a:t>.log(i);</a:t>
             </a:r>
             <a:endParaRPr b="0" lang="en-US" sz="2000" spc="-1" strike="noStrike">
               <a:latin typeface="Arial"/>
@@ -26153,10 +27753,10 @@
   <p:timing>
     <p:tnLst>
       <p:par>
-        <p:cTn id="47" dur="indefinite" restart="never" nodeType="tmRoot">
+        <p:cTn id="87" dur="indefinite" restart="never" nodeType="tmRoot">
           <p:childTnLst>
             <p:seq>
-              <p:cTn id="48" dur="indefinite" nodeType="mainSeq"/>
+              <p:cTn id="88" dur="indefinite" nodeType="mainSeq"/>
               <p:prevCondLst>
                 <p:cond delay="0" evt="onPrev">
                   <p:tgtEl>
